--- a/Deep Learning Era.pptx
+++ b/Deep Learning Era.pptx
@@ -5,10 +5,10 @@
     <p:sldMasterId id="2147483756" r:id="rId4"/>
   </p:sldMasterIdLst>
   <p:notesMasterIdLst>
-    <p:notesMasterId r:id="rId26"/>
+    <p:notesMasterId r:id="rId43"/>
   </p:notesMasterIdLst>
   <p:handoutMasterIdLst>
-    <p:handoutMasterId r:id="rId27"/>
+    <p:handoutMasterId r:id="rId44"/>
   </p:handoutMasterIdLst>
   <p:sldIdLst>
     <p:sldId id="267" r:id="rId5"/>
@@ -17,21 +17,38 @@
     <p:sldId id="278" r:id="rId8"/>
     <p:sldId id="285" r:id="rId9"/>
     <p:sldId id="292" r:id="rId10"/>
-    <p:sldId id="286" r:id="rId11"/>
-    <p:sldId id="287" r:id="rId12"/>
-    <p:sldId id="288" r:id="rId13"/>
-    <p:sldId id="289" r:id="rId14"/>
-    <p:sldId id="290" r:id="rId15"/>
-    <p:sldId id="291" r:id="rId16"/>
-    <p:sldId id="279" r:id="rId17"/>
-    <p:sldId id="280" r:id="rId18"/>
-    <p:sldId id="281" r:id="rId19"/>
-    <p:sldId id="269" r:id="rId20"/>
-    <p:sldId id="271" r:id="rId21"/>
-    <p:sldId id="272" r:id="rId22"/>
-    <p:sldId id="273" r:id="rId23"/>
-    <p:sldId id="282" r:id="rId24"/>
-    <p:sldId id="277" r:id="rId25"/>
+    <p:sldId id="307" r:id="rId11"/>
+    <p:sldId id="308" r:id="rId12"/>
+    <p:sldId id="286" r:id="rId13"/>
+    <p:sldId id="287" r:id="rId14"/>
+    <p:sldId id="309" r:id="rId15"/>
+    <p:sldId id="288" r:id="rId16"/>
+    <p:sldId id="289" r:id="rId17"/>
+    <p:sldId id="290" r:id="rId18"/>
+    <p:sldId id="291" r:id="rId19"/>
+    <p:sldId id="310" r:id="rId20"/>
+    <p:sldId id="293" r:id="rId21"/>
+    <p:sldId id="294" r:id="rId22"/>
+    <p:sldId id="295" r:id="rId23"/>
+    <p:sldId id="296" r:id="rId24"/>
+    <p:sldId id="311" r:id="rId25"/>
+    <p:sldId id="297" r:id="rId26"/>
+    <p:sldId id="298" r:id="rId27"/>
+    <p:sldId id="299" r:id="rId28"/>
+    <p:sldId id="300" r:id="rId29"/>
+    <p:sldId id="312" r:id="rId30"/>
+    <p:sldId id="301" r:id="rId31"/>
+    <p:sldId id="302" r:id="rId32"/>
+    <p:sldId id="303" r:id="rId33"/>
+    <p:sldId id="304" r:id="rId34"/>
+    <p:sldId id="305" r:id="rId35"/>
+    <p:sldId id="306" r:id="rId36"/>
+    <p:sldId id="314" r:id="rId37"/>
+    <p:sldId id="313" r:id="rId38"/>
+    <p:sldId id="315" r:id="rId39"/>
+    <p:sldId id="316" r:id="rId40"/>
+    <p:sldId id="317" r:id="rId41"/>
+    <p:sldId id="318" r:id="rId42"/>
   </p:sldIdLst>
   <p:sldSz cx="12188825" cy="6858000"/>
   <p:notesSz cx="6858000" cy="9144000"/>
@@ -163,3557 +180,6 @@
 </p:presentation>
 </file>
 
-<file path=ppt/charts/chart1.xml><?xml version="1.0" encoding="utf-8"?>
-<c:chartSpace xmlns:c="http://schemas.openxmlformats.org/drawingml/2006/chart" xmlns:a="http://schemas.openxmlformats.org/drawingml/2006/main" xmlns:r="http://schemas.openxmlformats.org/officeDocument/2006/relationships">
-  <c:date1904 val="0"/>
-  <c:lang val="en-US"/>
-  <c:roundedCorners val="0"/>
-  <mc:AlternateContent xmlns:mc="http://schemas.openxmlformats.org/markup-compatibility/2006">
-    <mc:Choice xmlns:c14="http://schemas.microsoft.com/office/drawing/2007/8/2/chart" Requires="c14">
-      <c14:style val="102"/>
-    </mc:Choice>
-    <mc:Fallback>
-      <c:style val="2"/>
-    </mc:Fallback>
-  </mc:AlternateContent>
-  <c:chart>
-    <c:autoTitleDeleted val="1"/>
-    <c:plotArea>
-      <c:layout/>
-      <c:barChart>
-        <c:barDir val="col"/>
-        <c:grouping val="clustered"/>
-        <c:varyColors val="0"/>
-        <c:ser>
-          <c:idx val="0"/>
-          <c:order val="0"/>
-          <c:tx>
-            <c:strRef>
-              <c:f>Sheet1!$B$1</c:f>
-              <c:strCache>
-                <c:ptCount val="1"/>
-                <c:pt idx="0">
-                  <c:v>Series 1</c:v>
-                </c:pt>
-              </c:strCache>
-            </c:strRef>
-          </c:tx>
-          <c:spPr>
-            <a:solidFill>
-              <a:schemeClr val="accent1"/>
-            </a:solidFill>
-            <a:ln>
-              <a:noFill/>
-            </a:ln>
-            <a:effectLst/>
-          </c:spPr>
-          <c:invertIfNegative val="0"/>
-          <c:cat>
-            <c:strRef>
-              <c:f>Sheet1!$A$2:$A$5</c:f>
-              <c:strCache>
-                <c:ptCount val="4"/>
-                <c:pt idx="0">
-                  <c:v>Category 1</c:v>
-                </c:pt>
-                <c:pt idx="1">
-                  <c:v>Category 2</c:v>
-                </c:pt>
-                <c:pt idx="2">
-                  <c:v>Category 3</c:v>
-                </c:pt>
-                <c:pt idx="3">
-                  <c:v>Category 4</c:v>
-                </c:pt>
-              </c:strCache>
-            </c:strRef>
-          </c:cat>
-          <c:val>
-            <c:numRef>
-              <c:f>Sheet1!$B$2:$B$5</c:f>
-              <c:numCache>
-                <c:formatCode>General</c:formatCode>
-                <c:ptCount val="4"/>
-                <c:pt idx="0">
-                  <c:v>4.3</c:v>
-                </c:pt>
-                <c:pt idx="1">
-                  <c:v>2.5</c:v>
-                </c:pt>
-                <c:pt idx="2">
-                  <c:v>3.5</c:v>
-                </c:pt>
-                <c:pt idx="3">
-                  <c:v>4.5</c:v>
-                </c:pt>
-              </c:numCache>
-            </c:numRef>
-          </c:val>
-          <c:extLst xmlns:c16r2="http://schemas.microsoft.com/office/drawing/2015/06/chart">
-            <c:ext xmlns:c16="http://schemas.microsoft.com/office/drawing/2014/chart" uri="{C3380CC4-5D6E-409C-BE32-E72D297353CC}">
-              <c16:uniqueId val="{00000000-3514-4EFA-8242-05C3FB47F50E}"/>
-            </c:ext>
-          </c:extLst>
-        </c:ser>
-        <c:ser>
-          <c:idx val="1"/>
-          <c:order val="1"/>
-          <c:tx>
-            <c:strRef>
-              <c:f>Sheet1!$C$1</c:f>
-              <c:strCache>
-                <c:ptCount val="1"/>
-                <c:pt idx="0">
-                  <c:v>Series 2</c:v>
-                </c:pt>
-              </c:strCache>
-            </c:strRef>
-          </c:tx>
-          <c:spPr>
-            <a:solidFill>
-              <a:schemeClr val="accent2"/>
-            </a:solidFill>
-            <a:ln>
-              <a:noFill/>
-            </a:ln>
-            <a:effectLst/>
-          </c:spPr>
-          <c:invertIfNegative val="0"/>
-          <c:cat>
-            <c:strRef>
-              <c:f>Sheet1!$A$2:$A$5</c:f>
-              <c:strCache>
-                <c:ptCount val="4"/>
-                <c:pt idx="0">
-                  <c:v>Category 1</c:v>
-                </c:pt>
-                <c:pt idx="1">
-                  <c:v>Category 2</c:v>
-                </c:pt>
-                <c:pt idx="2">
-                  <c:v>Category 3</c:v>
-                </c:pt>
-                <c:pt idx="3">
-                  <c:v>Category 4</c:v>
-                </c:pt>
-              </c:strCache>
-            </c:strRef>
-          </c:cat>
-          <c:val>
-            <c:numRef>
-              <c:f>Sheet1!$C$2:$C$5</c:f>
-              <c:numCache>
-                <c:formatCode>General</c:formatCode>
-                <c:ptCount val="4"/>
-                <c:pt idx="0">
-                  <c:v>2.4</c:v>
-                </c:pt>
-                <c:pt idx="1">
-                  <c:v>4.4000000000000004</c:v>
-                </c:pt>
-                <c:pt idx="2">
-                  <c:v>1.8</c:v>
-                </c:pt>
-                <c:pt idx="3">
-                  <c:v>2.8</c:v>
-                </c:pt>
-              </c:numCache>
-            </c:numRef>
-          </c:val>
-          <c:extLst xmlns:c16r2="http://schemas.microsoft.com/office/drawing/2015/06/chart">
-            <c:ext xmlns:c16="http://schemas.microsoft.com/office/drawing/2014/chart" uri="{C3380CC4-5D6E-409C-BE32-E72D297353CC}">
-              <c16:uniqueId val="{00000001-3514-4EFA-8242-05C3FB47F50E}"/>
-            </c:ext>
-          </c:extLst>
-        </c:ser>
-        <c:ser>
-          <c:idx val="2"/>
-          <c:order val="2"/>
-          <c:tx>
-            <c:strRef>
-              <c:f>Sheet1!$D$1</c:f>
-              <c:strCache>
-                <c:ptCount val="1"/>
-                <c:pt idx="0">
-                  <c:v>Series 3</c:v>
-                </c:pt>
-              </c:strCache>
-            </c:strRef>
-          </c:tx>
-          <c:spPr>
-            <a:solidFill>
-              <a:schemeClr val="accent3"/>
-            </a:solidFill>
-            <a:ln>
-              <a:noFill/>
-            </a:ln>
-            <a:effectLst/>
-          </c:spPr>
-          <c:invertIfNegative val="0"/>
-          <c:cat>
-            <c:strRef>
-              <c:f>Sheet1!$A$2:$A$5</c:f>
-              <c:strCache>
-                <c:ptCount val="4"/>
-                <c:pt idx="0">
-                  <c:v>Category 1</c:v>
-                </c:pt>
-                <c:pt idx="1">
-                  <c:v>Category 2</c:v>
-                </c:pt>
-                <c:pt idx="2">
-                  <c:v>Category 3</c:v>
-                </c:pt>
-                <c:pt idx="3">
-                  <c:v>Category 4</c:v>
-                </c:pt>
-              </c:strCache>
-            </c:strRef>
-          </c:cat>
-          <c:val>
-            <c:numRef>
-              <c:f>Sheet1!$D$2:$D$5</c:f>
-              <c:numCache>
-                <c:formatCode>General</c:formatCode>
-                <c:ptCount val="4"/>
-                <c:pt idx="0">
-                  <c:v>2</c:v>
-                </c:pt>
-                <c:pt idx="1">
-                  <c:v>2</c:v>
-                </c:pt>
-                <c:pt idx="2">
-                  <c:v>3</c:v>
-                </c:pt>
-                <c:pt idx="3">
-                  <c:v>5</c:v>
-                </c:pt>
-              </c:numCache>
-            </c:numRef>
-          </c:val>
-          <c:extLst xmlns:c16r2="http://schemas.microsoft.com/office/drawing/2015/06/chart">
-            <c:ext xmlns:c16="http://schemas.microsoft.com/office/drawing/2014/chart" uri="{C3380CC4-5D6E-409C-BE32-E72D297353CC}">
-              <c16:uniqueId val="{00000002-3514-4EFA-8242-05C3FB47F50E}"/>
-            </c:ext>
-          </c:extLst>
-        </c:ser>
-        <c:dLbls>
-          <c:showLegendKey val="0"/>
-          <c:showVal val="0"/>
-          <c:showCatName val="0"/>
-          <c:showSerName val="0"/>
-          <c:showPercent val="0"/>
-          <c:showBubbleSize val="0"/>
-        </c:dLbls>
-        <c:gapWidth val="199"/>
-        <c:axId val="-891150832"/>
-        <c:axId val="-891145392"/>
-      </c:barChart>
-      <c:catAx>
-        <c:axId val="-891150832"/>
-        <c:scaling>
-          <c:orientation val="minMax"/>
-        </c:scaling>
-        <c:delete val="0"/>
-        <c:axPos val="b"/>
-        <c:numFmt formatCode="General" sourceLinked="1"/>
-        <c:majorTickMark val="none"/>
-        <c:minorTickMark val="none"/>
-        <c:tickLblPos val="nextTo"/>
-        <c:spPr>
-          <a:noFill/>
-          <a:ln w="9525" cap="flat" cmpd="sng" algn="ctr">
-            <a:solidFill>
-              <a:schemeClr val="tx1">
-                <a:lumMod val="15000"/>
-                <a:lumOff val="85000"/>
-              </a:schemeClr>
-            </a:solidFill>
-            <a:round/>
-          </a:ln>
-          <a:effectLst/>
-        </c:spPr>
-        <c:txPr>
-          <a:bodyPr rot="-60000000" spcFirstLastPara="1" vertOverflow="ellipsis" vert="horz" wrap="square" anchor="ctr" anchorCtr="1"/>
-          <a:lstStyle/>
-          <a:p>
-            <a:pPr>
-              <a:defRPr sz="1197" b="0" i="0" u="none" strike="noStrike" kern="1200" cap="none" spc="0" normalizeH="0" baseline="0">
-                <a:solidFill>
-                  <a:schemeClr val="tx1">
-                    <a:lumMod val="65000"/>
-                    <a:lumOff val="35000"/>
-                  </a:schemeClr>
-                </a:solidFill>
-                <a:latin typeface="+mn-lt"/>
-                <a:ea typeface="+mn-ea"/>
-                <a:cs typeface="+mn-cs"/>
-              </a:defRPr>
-            </a:pPr>
-            <a:endParaRPr lang="en-US"/>
-          </a:p>
-        </c:txPr>
-        <c:crossAx val="-891145392"/>
-        <c:crosses val="autoZero"/>
-        <c:auto val="1"/>
-        <c:lblAlgn val="ctr"/>
-        <c:lblOffset val="100"/>
-        <c:noMultiLvlLbl val="0"/>
-      </c:catAx>
-      <c:valAx>
-        <c:axId val="-891145392"/>
-        <c:scaling>
-          <c:orientation val="minMax"/>
-        </c:scaling>
-        <c:delete val="0"/>
-        <c:axPos val="l"/>
-        <c:majorGridlines>
-          <c:spPr>
-            <a:ln w="9525" cap="flat" cmpd="sng" algn="ctr">
-              <a:solidFill>
-                <a:schemeClr val="tx1">
-                  <a:lumMod val="15000"/>
-                  <a:lumOff val="85000"/>
-                </a:schemeClr>
-              </a:solidFill>
-              <a:round/>
-            </a:ln>
-            <a:effectLst/>
-          </c:spPr>
-        </c:majorGridlines>
-        <c:minorGridlines>
-          <c:spPr>
-            <a:ln w="9525" cap="flat" cmpd="sng" algn="ctr">
-              <a:solidFill>
-                <a:schemeClr val="tx1">
-                  <a:lumMod val="5000"/>
-                  <a:lumOff val="95000"/>
-                </a:schemeClr>
-              </a:solidFill>
-              <a:round/>
-            </a:ln>
-            <a:effectLst/>
-          </c:spPr>
-        </c:minorGridlines>
-        <c:numFmt formatCode="General" sourceLinked="1"/>
-        <c:majorTickMark val="none"/>
-        <c:minorTickMark val="none"/>
-        <c:tickLblPos val="nextTo"/>
-        <c:spPr>
-          <a:noFill/>
-          <a:ln>
-            <a:noFill/>
-          </a:ln>
-          <a:effectLst/>
-        </c:spPr>
-        <c:txPr>
-          <a:bodyPr rot="-60000000" spcFirstLastPara="1" vertOverflow="ellipsis" vert="horz" wrap="square" anchor="ctr" anchorCtr="1"/>
-          <a:lstStyle/>
-          <a:p>
-            <a:pPr>
-              <a:defRPr sz="1197" b="0" i="0" u="none" strike="noStrike" kern="1200" baseline="0">
-                <a:solidFill>
-                  <a:schemeClr val="tx1">
-                    <a:lumMod val="65000"/>
-                    <a:lumOff val="35000"/>
-                  </a:schemeClr>
-                </a:solidFill>
-                <a:latin typeface="+mn-lt"/>
-                <a:ea typeface="+mn-ea"/>
-                <a:cs typeface="+mn-cs"/>
-              </a:defRPr>
-            </a:pPr>
-            <a:endParaRPr lang="en-US"/>
-          </a:p>
-        </c:txPr>
-        <c:crossAx val="-891150832"/>
-        <c:crosses val="autoZero"/>
-        <c:crossBetween val="between"/>
-      </c:valAx>
-      <c:spPr>
-        <a:noFill/>
-        <a:ln>
-          <a:noFill/>
-        </a:ln>
-        <a:effectLst/>
-      </c:spPr>
-    </c:plotArea>
-    <c:legend>
-      <c:legendPos val="t"/>
-      <c:overlay val="0"/>
-      <c:spPr>
-        <a:noFill/>
-        <a:ln>
-          <a:noFill/>
-        </a:ln>
-        <a:effectLst/>
-      </c:spPr>
-      <c:txPr>
-        <a:bodyPr rot="0" spcFirstLastPara="1" vertOverflow="ellipsis" vert="horz" wrap="square" anchor="ctr" anchorCtr="1"/>
-        <a:lstStyle/>
-        <a:p>
-          <a:pPr>
-            <a:defRPr sz="1197" b="0" i="0" u="none" strike="noStrike" kern="1200" baseline="0">
-              <a:solidFill>
-                <a:schemeClr val="tx1">
-                  <a:lumMod val="65000"/>
-                  <a:lumOff val="35000"/>
-                </a:schemeClr>
-              </a:solidFill>
-              <a:latin typeface="+mn-lt"/>
-              <a:ea typeface="+mn-ea"/>
-              <a:cs typeface="+mn-cs"/>
-            </a:defRPr>
-          </a:pPr>
-          <a:endParaRPr lang="en-US"/>
-        </a:p>
-      </c:txPr>
-    </c:legend>
-    <c:plotVisOnly val="1"/>
-    <c:dispBlanksAs val="gap"/>
-    <c:showDLblsOverMax val="0"/>
-  </c:chart>
-  <c:spPr>
-    <a:noFill/>
-    <a:ln>
-      <a:noFill/>
-    </a:ln>
-    <a:effectLst/>
-  </c:spPr>
-  <c:txPr>
-    <a:bodyPr/>
-    <a:lstStyle/>
-    <a:p>
-      <a:pPr>
-        <a:defRPr/>
-      </a:pPr>
-      <a:endParaRPr lang="en-US"/>
-    </a:p>
-  </c:txPr>
-  <c:externalData r:id="rId3">
-    <c:autoUpdate val="0"/>
-  </c:externalData>
-</c:chartSpace>
-</file>
-
-<file path=ppt/charts/colors1.xml><?xml version="1.0" encoding="utf-8"?>
-<cs:colorStyle xmlns:cs="http://schemas.microsoft.com/office/drawing/2012/chartStyle" xmlns:a="http://schemas.openxmlformats.org/drawingml/2006/main" meth="cycle" id="10">
-  <a:schemeClr val="accent1"/>
-  <a:schemeClr val="accent2"/>
-  <a:schemeClr val="accent3"/>
-  <a:schemeClr val="accent4"/>
-  <a:schemeClr val="accent5"/>
-  <a:schemeClr val="accent6"/>
-  <cs:variation/>
-  <cs:variation>
-    <a:lumMod val="60000"/>
-  </cs:variation>
-  <cs:variation>
-    <a:lumMod val="80000"/>
-    <a:lumOff val="20000"/>
-  </cs:variation>
-  <cs:variation>
-    <a:lumMod val="80000"/>
-  </cs:variation>
-  <cs:variation>
-    <a:lumMod val="60000"/>
-    <a:lumOff val="40000"/>
-  </cs:variation>
-  <cs:variation>
-    <a:lumMod val="50000"/>
-  </cs:variation>
-  <cs:variation>
-    <a:lumMod val="70000"/>
-    <a:lumOff val="30000"/>
-  </cs:variation>
-  <cs:variation>
-    <a:lumMod val="70000"/>
-  </cs:variation>
-  <cs:variation>
-    <a:lumMod val="50000"/>
-    <a:lumOff val="50000"/>
-  </cs:variation>
-</cs:colorStyle>
-</file>
-
-<file path=ppt/charts/style1.xml><?xml version="1.0" encoding="utf-8"?>
-<cs:chartStyle xmlns:cs="http://schemas.microsoft.com/office/drawing/2012/chartStyle" xmlns:a="http://schemas.openxmlformats.org/drawingml/2006/main" id="212">
-  <cs:axisTitle>
-    <cs:lnRef idx="0"/>
-    <cs:fillRef idx="0"/>
-    <cs:effectRef idx="0"/>
-    <cs:fontRef idx="minor">
-      <a:schemeClr val="tx1">
-        <a:lumMod val="65000"/>
-        <a:lumOff val="35000"/>
-      </a:schemeClr>
-    </cs:fontRef>
-    <cs:defRPr sz="1197" kern="1200" cap="all"/>
-  </cs:axisTitle>
-  <cs:categoryAxis>
-    <cs:lnRef idx="0"/>
-    <cs:fillRef idx="0"/>
-    <cs:effectRef idx="0"/>
-    <cs:fontRef idx="minor">
-      <a:schemeClr val="tx1">
-        <a:lumMod val="65000"/>
-        <a:lumOff val="35000"/>
-      </a:schemeClr>
-    </cs:fontRef>
-    <cs:spPr>
-      <a:ln w="9525" cap="flat" cmpd="sng" algn="ctr">
-        <a:solidFill>
-          <a:schemeClr val="tx1">
-            <a:lumMod val="15000"/>
-            <a:lumOff val="85000"/>
-          </a:schemeClr>
-        </a:solidFill>
-        <a:round/>
-      </a:ln>
-    </cs:spPr>
-    <cs:defRPr sz="1197" b="0" kern="1200" cap="none" spc="0" normalizeH="0" baseline="0"/>
-  </cs:categoryAxis>
-  <cs:chartArea mods="allowNoFillOverride allowNoLineOverride">
-    <cs:lnRef idx="0"/>
-    <cs:fillRef idx="0"/>
-    <cs:effectRef idx="0"/>
-    <cs:fontRef idx="minor">
-      <a:schemeClr val="dk1"/>
-    </cs:fontRef>
-    <cs:spPr>
-      <a:solidFill>
-        <a:schemeClr val="bg1"/>
-      </a:solidFill>
-      <a:ln w="9525" cap="flat" cmpd="sng" algn="ctr">
-        <a:solidFill>
-          <a:schemeClr val="tx1">
-            <a:lumMod val="15000"/>
-            <a:lumOff val="85000"/>
-          </a:schemeClr>
-        </a:solidFill>
-        <a:round/>
-      </a:ln>
-    </cs:spPr>
-    <cs:defRPr sz="1197" kern="1200"/>
-  </cs:chartArea>
-  <cs:dataLabel>
-    <cs:lnRef idx="0"/>
-    <cs:fillRef idx="0"/>
-    <cs:effectRef idx="0"/>
-    <cs:fontRef idx="minor">
-      <a:schemeClr val="tx1">
-        <a:lumMod val="75000"/>
-        <a:lumOff val="25000"/>
-      </a:schemeClr>
-    </cs:fontRef>
-    <cs:defRPr sz="1197" kern="1200"/>
-  </cs:dataLabel>
-  <cs:dataLabelCallout>
-    <cs:lnRef idx="0"/>
-    <cs:fillRef idx="0"/>
-    <cs:effectRef idx="0"/>
-    <cs:fontRef idx="minor">
-      <a:schemeClr val="dk1">
-        <a:lumMod val="75000"/>
-        <a:lumOff val="25000"/>
-      </a:schemeClr>
-    </cs:fontRef>
-    <cs:spPr>
-      <a:solidFill>
-        <a:schemeClr val="dk1">
-          <a:lumMod val="15000"/>
-          <a:lumOff val="85000"/>
-        </a:schemeClr>
-      </a:solidFill>
-    </cs:spPr>
-    <cs:defRPr sz="1197" kern="1200"/>
-  </cs:dataLabelCallout>
-  <cs:dataPoint>
-    <cs:lnRef idx="0"/>
-    <cs:fillRef idx="0">
-      <cs:styleClr val="auto"/>
-    </cs:fillRef>
-    <cs:effectRef idx="0"/>
-    <cs:fontRef idx="minor">
-      <a:schemeClr val="dk1"/>
-    </cs:fontRef>
-    <cs:spPr>
-      <a:solidFill>
-        <a:schemeClr val="phClr"/>
-      </a:solidFill>
-    </cs:spPr>
-  </cs:dataPoint>
-  <cs:dataPoint3D>
-    <cs:lnRef idx="0"/>
-    <cs:fillRef idx="0">
-      <cs:styleClr val="auto"/>
-    </cs:fillRef>
-    <cs:effectRef idx="0"/>
-    <cs:fontRef idx="minor">
-      <a:schemeClr val="dk1"/>
-    </cs:fontRef>
-    <cs:spPr>
-      <a:solidFill>
-        <a:schemeClr val="phClr"/>
-      </a:solidFill>
-    </cs:spPr>
-  </cs:dataPoint3D>
-  <cs:dataPointLine>
-    <cs:lnRef idx="0">
-      <cs:styleClr val="auto"/>
-    </cs:lnRef>
-    <cs:fillRef idx="0"/>
-    <cs:effectRef idx="0"/>
-    <cs:fontRef idx="minor">
-      <a:schemeClr val="dk1"/>
-    </cs:fontRef>
-    <cs:spPr>
-      <a:ln w="38100" cap="rnd">
-        <a:solidFill>
-          <a:schemeClr val="phClr"/>
-        </a:solidFill>
-        <a:round/>
-      </a:ln>
-    </cs:spPr>
-  </cs:dataPointLine>
-  <cs:dataPointMarker>
-    <cs:lnRef idx="0"/>
-    <cs:fillRef idx="0">
-      <cs:styleClr val="auto"/>
-    </cs:fillRef>
-    <cs:effectRef idx="0"/>
-    <cs:fontRef idx="minor">
-      <a:schemeClr val="dk1"/>
-    </cs:fontRef>
-    <cs:spPr>
-      <a:solidFill>
-        <a:schemeClr val="phClr"/>
-      </a:solidFill>
-    </cs:spPr>
-  </cs:dataPointMarker>
-  <cs:dataPointMarkerLayout symbol="circle" size="8"/>
-  <cs:dataPointWireframe>
-    <cs:lnRef idx="0">
-      <cs:styleClr val="auto"/>
-    </cs:lnRef>
-    <cs:fillRef idx="0"/>
-    <cs:effectRef idx="0"/>
-    <cs:fontRef idx="minor">
-      <a:schemeClr val="dk1"/>
-    </cs:fontRef>
-    <cs:spPr>
-      <a:ln w="9525" cap="rnd">
-        <a:solidFill>
-          <a:schemeClr val="phClr"/>
-        </a:solidFill>
-        <a:round/>
-      </a:ln>
-    </cs:spPr>
-  </cs:dataPointWireframe>
-  <cs:dataTable>
-    <cs:lnRef idx="0"/>
-    <cs:fillRef idx="0"/>
-    <cs:effectRef idx="0"/>
-    <cs:fontRef idx="minor">
-      <a:schemeClr val="tx1">
-        <a:lumMod val="65000"/>
-        <a:lumOff val="35000"/>
-      </a:schemeClr>
-    </cs:fontRef>
-    <cs:spPr>
-      <a:ln w="9525">
-        <a:solidFill>
-          <a:schemeClr val="tx1">
-            <a:lumMod val="15000"/>
-            <a:lumOff val="85000"/>
-          </a:schemeClr>
-        </a:solidFill>
-      </a:ln>
-    </cs:spPr>
-    <cs:defRPr sz="1197" kern="1200"/>
-  </cs:dataTable>
-  <cs:downBar>
-    <cs:lnRef idx="0"/>
-    <cs:fillRef idx="0"/>
-    <cs:effectRef idx="0"/>
-    <cs:fontRef idx="minor">
-      <a:schemeClr val="dk1"/>
-    </cs:fontRef>
-    <cs:spPr>
-      <a:solidFill>
-        <a:schemeClr val="dk1">
-          <a:lumMod val="75000"/>
-          <a:lumOff val="25000"/>
-        </a:schemeClr>
-      </a:solidFill>
-      <a:ln w="9525">
-        <a:solidFill>
-          <a:schemeClr val="tx1">
-            <a:lumMod val="50000"/>
-            <a:lumOff val="50000"/>
-          </a:schemeClr>
-        </a:solidFill>
-      </a:ln>
-    </cs:spPr>
-  </cs:downBar>
-  <cs:dropLine>
-    <cs:lnRef idx="0"/>
-    <cs:fillRef idx="0"/>
-    <cs:effectRef idx="0"/>
-    <cs:fontRef idx="minor">
-      <a:schemeClr val="dk1"/>
-    </cs:fontRef>
-    <cs:spPr>
-      <a:ln w="9525">
-        <a:solidFill>
-          <a:schemeClr val="tx1">
-            <a:lumMod val="50000"/>
-            <a:lumOff val="50000"/>
-          </a:schemeClr>
-        </a:solidFill>
-        <a:prstDash val="dash"/>
-      </a:ln>
-    </cs:spPr>
-  </cs:dropLine>
-  <cs:errorBar>
-    <cs:lnRef idx="0"/>
-    <cs:fillRef idx="0"/>
-    <cs:effectRef idx="0"/>
-    <cs:fontRef idx="minor">
-      <a:schemeClr val="dk1"/>
-    </cs:fontRef>
-    <cs:spPr>
-      <a:ln w="9525">
-        <a:solidFill>
-          <a:schemeClr val="tx1">
-            <a:lumMod val="50000"/>
-            <a:lumOff val="50000"/>
-          </a:schemeClr>
-        </a:solidFill>
-        <a:round/>
-      </a:ln>
-    </cs:spPr>
-  </cs:errorBar>
-  <cs:floor>
-    <cs:lnRef idx="0"/>
-    <cs:fillRef idx="0"/>
-    <cs:effectRef idx="0"/>
-    <cs:fontRef idx="minor">
-      <a:schemeClr val="dk1"/>
-    </cs:fontRef>
-  </cs:floor>
-  <cs:gridlineMajor>
-    <cs:lnRef idx="0"/>
-    <cs:fillRef idx="0"/>
-    <cs:effectRef idx="0"/>
-    <cs:fontRef idx="minor">
-      <a:schemeClr val="dk1"/>
-    </cs:fontRef>
-    <cs:spPr>
-      <a:ln w="9525" cap="flat" cmpd="sng" algn="ctr">
-        <a:solidFill>
-          <a:schemeClr val="tx1">
-            <a:lumMod val="15000"/>
-            <a:lumOff val="85000"/>
-          </a:schemeClr>
-        </a:solidFill>
-        <a:round/>
-      </a:ln>
-    </cs:spPr>
-  </cs:gridlineMajor>
-  <cs:gridlineMinor>
-    <cs:lnRef idx="0"/>
-    <cs:fillRef idx="0"/>
-    <cs:effectRef idx="0"/>
-    <cs:fontRef idx="minor">
-      <a:schemeClr val="dk1"/>
-    </cs:fontRef>
-    <cs:spPr>
-      <a:ln w="9525" cap="flat" cmpd="sng" algn="ctr">
-        <a:solidFill>
-          <a:schemeClr val="tx1">
-            <a:lumMod val="5000"/>
-            <a:lumOff val="95000"/>
-          </a:schemeClr>
-        </a:solidFill>
-        <a:round/>
-      </a:ln>
-    </cs:spPr>
-  </cs:gridlineMinor>
-  <cs:hiLoLine>
-    <cs:lnRef idx="0"/>
-    <cs:fillRef idx="0"/>
-    <cs:effectRef idx="0"/>
-    <cs:fontRef idx="minor">
-      <a:schemeClr val="dk1"/>
-    </cs:fontRef>
-    <cs:spPr>
-      <a:ln w="9525">
-        <a:solidFill>
-          <a:schemeClr val="tx1">
-            <a:lumMod val="50000"/>
-            <a:lumOff val="50000"/>
-          </a:schemeClr>
-        </a:solidFill>
-        <a:prstDash val="dash"/>
-      </a:ln>
-    </cs:spPr>
-  </cs:hiLoLine>
-  <cs:leaderLine>
-    <cs:lnRef idx="0"/>
-    <cs:fillRef idx="0"/>
-    <cs:effectRef idx="0"/>
-    <cs:fontRef idx="minor">
-      <a:schemeClr val="dk1"/>
-    </cs:fontRef>
-    <cs:spPr>
-      <a:ln w="9525">
-        <a:solidFill>
-          <a:schemeClr val="tx1">
-            <a:lumMod val="35000"/>
-            <a:lumOff val="65000"/>
-          </a:schemeClr>
-        </a:solidFill>
-      </a:ln>
-    </cs:spPr>
-  </cs:leaderLine>
-  <cs:legend>
-    <cs:lnRef idx="0"/>
-    <cs:fillRef idx="0"/>
-    <cs:effectRef idx="0"/>
-    <cs:fontRef idx="minor">
-      <a:schemeClr val="tx1">
-        <a:lumMod val="65000"/>
-        <a:lumOff val="35000"/>
-      </a:schemeClr>
-    </cs:fontRef>
-    <cs:defRPr sz="1197" kern="1200"/>
-  </cs:legend>
-  <cs:plotArea mods="allowNoFillOverride allowNoLineOverride">
-    <cs:lnRef idx="0"/>
-    <cs:fillRef idx="0"/>
-    <cs:effectRef idx="0"/>
-    <cs:fontRef idx="minor">
-      <a:schemeClr val="dk1"/>
-    </cs:fontRef>
-  </cs:plotArea>
-  <cs:plotArea3D mods="allowNoFillOverride allowNoLineOverride">
-    <cs:lnRef idx="0"/>
-    <cs:fillRef idx="0"/>
-    <cs:effectRef idx="0"/>
-    <cs:fontRef idx="minor">
-      <a:schemeClr val="dk1"/>
-    </cs:fontRef>
-  </cs:plotArea3D>
-  <cs:seriesAxis>
-    <cs:lnRef idx="0"/>
-    <cs:fillRef idx="0"/>
-    <cs:effectRef idx="0"/>
-    <cs:fontRef idx="minor">
-      <a:schemeClr val="tx1">
-        <a:lumMod val="65000"/>
-        <a:lumOff val="35000"/>
-      </a:schemeClr>
-    </cs:fontRef>
-    <cs:spPr>
-      <a:ln w="9525" cap="flat" cmpd="sng" algn="ctr">
-        <a:solidFill>
-          <a:schemeClr val="tx1">
-            <a:lumMod val="15000"/>
-            <a:lumOff val="85000"/>
-          </a:schemeClr>
-        </a:solidFill>
-        <a:round/>
-      </a:ln>
-    </cs:spPr>
-    <cs:defRPr sz="1197" kern="1200"/>
-  </cs:seriesAxis>
-  <cs:seriesLine>
-    <cs:lnRef idx="0"/>
-    <cs:fillRef idx="0"/>
-    <cs:effectRef idx="0"/>
-    <cs:fontRef idx="minor">
-      <a:schemeClr val="dk1"/>
-    </cs:fontRef>
-    <cs:spPr>
-      <a:ln w="9525">
-        <a:solidFill>
-          <a:schemeClr val="tx1">
-            <a:lumMod val="35000"/>
-            <a:lumOff val="65000"/>
-          </a:schemeClr>
-        </a:solidFill>
-        <a:round/>
-      </a:ln>
-    </cs:spPr>
-  </cs:seriesLine>
-  <cs:title>
-    <cs:lnRef idx="0"/>
-    <cs:fillRef idx="0"/>
-    <cs:effectRef idx="0"/>
-    <cs:fontRef idx="major">
-      <a:schemeClr val="tx1">
-        <a:lumMod val="65000"/>
-        <a:lumOff val="35000"/>
-      </a:schemeClr>
-    </cs:fontRef>
-    <cs:defRPr sz="2200" b="0" kern="1200" cap="none" spc="0" normalizeH="0" baseline="0"/>
-  </cs:title>
-  <cs:trendline>
-    <cs:lnRef idx="0">
-      <cs:styleClr val="auto"/>
-    </cs:lnRef>
-    <cs:fillRef idx="0"/>
-    <cs:effectRef idx="0"/>
-    <cs:fontRef idx="minor">
-      <a:schemeClr val="dk1"/>
-    </cs:fontRef>
-    <cs:spPr>
-      <a:ln w="19050" cap="rnd">
-        <a:solidFill>
-          <a:schemeClr val="phClr"/>
-        </a:solidFill>
-        <a:round/>
-      </a:ln>
-    </cs:spPr>
-  </cs:trendline>
-  <cs:trendlineLabel>
-    <cs:lnRef idx="0"/>
-    <cs:fillRef idx="0"/>
-    <cs:effectRef idx="0"/>
-    <cs:fontRef idx="minor">
-      <a:schemeClr val="tx1">
-        <a:lumMod val="65000"/>
-        <a:lumOff val="35000"/>
-      </a:schemeClr>
-    </cs:fontRef>
-    <cs:defRPr sz="1197" kern="1200"/>
-  </cs:trendlineLabel>
-  <cs:upBar>
-    <cs:lnRef idx="0"/>
-    <cs:fillRef idx="0"/>
-    <cs:effectRef idx="0"/>
-    <cs:fontRef idx="minor">
-      <a:schemeClr val="dk1"/>
-    </cs:fontRef>
-    <cs:spPr>
-      <a:solidFill>
-        <a:schemeClr val="lt1"/>
-      </a:solidFill>
-      <a:ln w="9525">
-        <a:solidFill>
-          <a:schemeClr val="tx1">
-            <a:lumMod val="50000"/>
-            <a:lumOff val="50000"/>
-          </a:schemeClr>
-        </a:solidFill>
-      </a:ln>
-    </cs:spPr>
-  </cs:upBar>
-  <cs:valueAxis>
-    <cs:lnRef idx="0"/>
-    <cs:fillRef idx="0"/>
-    <cs:effectRef idx="0"/>
-    <cs:fontRef idx="minor">
-      <a:schemeClr val="tx1">
-        <a:lumMod val="65000"/>
-        <a:lumOff val="35000"/>
-      </a:schemeClr>
-    </cs:fontRef>
-    <cs:defRPr sz="1197" kern="1200"/>
-  </cs:valueAxis>
-  <cs:wall>
-    <cs:lnRef idx="0"/>
-    <cs:fillRef idx="0"/>
-    <cs:effectRef idx="0"/>
-    <cs:fontRef idx="minor">
-      <a:schemeClr val="dk1"/>
-    </cs:fontRef>
-  </cs:wall>
-</cs:chartStyle>
-</file>
-
-<file path=ppt/diagrams/colors1.xml><?xml version="1.0" encoding="utf-8"?>
-<dgm:colorsDef xmlns:dgm="http://schemas.openxmlformats.org/drawingml/2006/diagram" xmlns:a="http://schemas.openxmlformats.org/drawingml/2006/main" uniqueId="urn:microsoft.com/office/officeart/2005/8/colors/colorful3">
-  <dgm:title val=""/>
-  <dgm:desc val=""/>
-  <dgm:catLst>
-    <dgm:cat type="colorful" pri="10300"/>
-  </dgm:catLst>
-  <dgm:styleLbl name="node0">
-    <dgm:fillClrLst meth="repeat">
-      <a:schemeClr val="accent2"/>
-    </dgm:fillClrLst>
-    <dgm:linClrLst meth="repeat">
-      <a:schemeClr val="lt1"/>
-    </dgm:linClrLst>
-    <dgm:effectClrLst/>
-    <dgm:txLinClrLst/>
-    <dgm:txFillClrLst/>
-    <dgm:txEffectClrLst/>
-  </dgm:styleLbl>
-  <dgm:styleLbl name="node1">
-    <dgm:fillClrLst>
-      <a:schemeClr val="accent3"/>
-      <a:schemeClr val="accent4"/>
-    </dgm:fillClrLst>
-    <dgm:linClrLst meth="repeat">
-      <a:schemeClr val="lt1"/>
-    </dgm:linClrLst>
-    <dgm:effectClrLst/>
-    <dgm:txLinClrLst/>
-    <dgm:txFillClrLst/>
-    <dgm:txEffectClrLst/>
-  </dgm:styleLbl>
-  <dgm:styleLbl name="alignNode1">
-    <dgm:fillClrLst>
-      <a:schemeClr val="accent3"/>
-      <a:schemeClr val="accent4"/>
-    </dgm:fillClrLst>
-    <dgm:linClrLst>
-      <a:schemeClr val="accent3"/>
-      <a:schemeClr val="accent4"/>
-    </dgm:linClrLst>
-    <dgm:effectClrLst/>
-    <dgm:txLinClrLst/>
-    <dgm:txFillClrLst/>
-    <dgm:txEffectClrLst/>
-  </dgm:styleLbl>
-  <dgm:styleLbl name="lnNode1">
-    <dgm:fillClrLst>
-      <a:schemeClr val="accent3"/>
-      <a:schemeClr val="accent4"/>
-    </dgm:fillClrLst>
-    <dgm:linClrLst meth="repeat">
-      <a:schemeClr val="lt1"/>
-    </dgm:linClrLst>
-    <dgm:effectClrLst/>
-    <dgm:txLinClrLst/>
-    <dgm:txFillClrLst/>
-    <dgm:txEffectClrLst/>
-  </dgm:styleLbl>
-  <dgm:styleLbl name="vennNode1">
-    <dgm:fillClrLst>
-      <a:schemeClr val="accent3">
-        <a:alpha val="50000"/>
-      </a:schemeClr>
-      <a:schemeClr val="accent4">
-        <a:alpha val="50000"/>
-      </a:schemeClr>
-    </dgm:fillClrLst>
-    <dgm:linClrLst meth="repeat">
-      <a:schemeClr val="lt1"/>
-    </dgm:linClrLst>
-    <dgm:effectClrLst/>
-    <dgm:txLinClrLst/>
-    <dgm:txFillClrLst/>
-    <dgm:txEffectClrLst/>
-  </dgm:styleLbl>
-  <dgm:styleLbl name="node2">
-    <dgm:fillClrLst>
-      <a:schemeClr val="accent4"/>
-    </dgm:fillClrLst>
-    <dgm:linClrLst meth="repeat">
-      <a:schemeClr val="lt1"/>
-    </dgm:linClrLst>
-    <dgm:effectClrLst/>
-    <dgm:txLinClrLst/>
-    <dgm:txFillClrLst/>
-    <dgm:txEffectClrLst/>
-  </dgm:styleLbl>
-  <dgm:styleLbl name="node3">
-    <dgm:fillClrLst>
-      <a:schemeClr val="accent5"/>
-    </dgm:fillClrLst>
-    <dgm:linClrLst meth="repeat">
-      <a:schemeClr val="lt1"/>
-    </dgm:linClrLst>
-    <dgm:effectClrLst/>
-    <dgm:txLinClrLst/>
-    <dgm:txFillClrLst/>
-    <dgm:txEffectClrLst/>
-  </dgm:styleLbl>
-  <dgm:styleLbl name="node4">
-    <dgm:fillClrLst>
-      <a:schemeClr val="accent6"/>
-    </dgm:fillClrLst>
-    <dgm:linClrLst meth="repeat">
-      <a:schemeClr val="lt1"/>
-    </dgm:linClrLst>
-    <dgm:effectClrLst/>
-    <dgm:txLinClrLst/>
-    <dgm:txFillClrLst/>
-    <dgm:txEffectClrLst/>
-  </dgm:styleLbl>
-  <dgm:styleLbl name="fgImgPlace1">
-    <dgm:fillClrLst>
-      <a:schemeClr val="accent3">
-        <a:tint val="50000"/>
-      </a:schemeClr>
-      <a:schemeClr val="accent4">
-        <a:tint val="50000"/>
-      </a:schemeClr>
-    </dgm:fillClrLst>
-    <dgm:linClrLst meth="repeat">
-      <a:schemeClr val="lt1"/>
-    </dgm:linClrLst>
-    <dgm:effectClrLst/>
-    <dgm:txLinClrLst/>
-    <dgm:txFillClrLst meth="repeat">
-      <a:schemeClr val="lt1"/>
-    </dgm:txFillClrLst>
-    <dgm:txEffectClrLst/>
-  </dgm:styleLbl>
-  <dgm:styleLbl name="alignImgPlace1">
-    <dgm:fillClrLst>
-      <a:schemeClr val="accent3">
-        <a:tint val="50000"/>
-      </a:schemeClr>
-      <a:schemeClr val="accent4">
-        <a:tint val="20000"/>
-      </a:schemeClr>
-    </dgm:fillClrLst>
-    <dgm:linClrLst meth="repeat">
-      <a:schemeClr val="lt1"/>
-    </dgm:linClrLst>
-    <dgm:effectClrLst/>
-    <dgm:txLinClrLst/>
-    <dgm:txFillClrLst meth="repeat">
-      <a:schemeClr val="lt1"/>
-    </dgm:txFillClrLst>
-    <dgm:txEffectClrLst/>
-  </dgm:styleLbl>
-  <dgm:styleLbl name="bgImgPlace1">
-    <dgm:fillClrLst>
-      <a:schemeClr val="accent3">
-        <a:tint val="50000"/>
-      </a:schemeClr>
-      <a:schemeClr val="accent4">
-        <a:tint val="20000"/>
-      </a:schemeClr>
-    </dgm:fillClrLst>
-    <dgm:linClrLst meth="repeat">
-      <a:schemeClr val="lt1"/>
-    </dgm:linClrLst>
-    <dgm:effectClrLst/>
-    <dgm:txLinClrLst/>
-    <dgm:txFillClrLst meth="repeat">
-      <a:schemeClr val="lt1"/>
-    </dgm:txFillClrLst>
-    <dgm:txEffectClrLst/>
-  </dgm:styleLbl>
-  <dgm:styleLbl name="sibTrans2D1">
-    <dgm:fillClrLst>
-      <a:schemeClr val="accent3"/>
-      <a:schemeClr val="accent4"/>
-    </dgm:fillClrLst>
-    <dgm:linClrLst meth="repeat">
-      <a:schemeClr val="lt1"/>
-    </dgm:linClrLst>
-    <dgm:effectClrLst/>
-    <dgm:txLinClrLst/>
-    <dgm:txFillClrLst/>
-    <dgm:txEffectClrLst/>
-  </dgm:styleLbl>
-  <dgm:styleLbl name="fgSibTrans2D1">
-    <dgm:fillClrLst>
-      <a:schemeClr val="accent3"/>
-      <a:schemeClr val="accent4"/>
-    </dgm:fillClrLst>
-    <dgm:linClrLst meth="repeat">
-      <a:schemeClr val="lt1"/>
-    </dgm:linClrLst>
-    <dgm:effectClrLst/>
-    <dgm:txLinClrLst/>
-    <dgm:txFillClrLst meth="repeat">
-      <a:schemeClr val="lt1"/>
-    </dgm:txFillClrLst>
-    <dgm:txEffectClrLst/>
-  </dgm:styleLbl>
-  <dgm:styleLbl name="bgSibTrans2D1">
-    <dgm:fillClrLst>
-      <a:schemeClr val="accent3"/>
-      <a:schemeClr val="accent4"/>
-    </dgm:fillClrLst>
-    <dgm:linClrLst meth="repeat">
-      <a:schemeClr val="lt1"/>
-    </dgm:linClrLst>
-    <dgm:effectClrLst/>
-    <dgm:txLinClrLst/>
-    <dgm:txFillClrLst meth="repeat">
-      <a:schemeClr val="lt1"/>
-    </dgm:txFillClrLst>
-    <dgm:txEffectClrLst/>
-  </dgm:styleLbl>
-  <dgm:styleLbl name="sibTrans1D1">
-    <dgm:fillClrLst/>
-    <dgm:linClrLst>
-      <a:schemeClr val="accent3"/>
-      <a:schemeClr val="accent4"/>
-    </dgm:linClrLst>
-    <dgm:effectClrLst/>
-    <dgm:txLinClrLst/>
-    <dgm:txFillClrLst meth="repeat">
-      <a:schemeClr val="tx1"/>
-    </dgm:txFillClrLst>
-    <dgm:txEffectClrLst/>
-  </dgm:styleLbl>
-  <dgm:styleLbl name="callout">
-    <dgm:fillClrLst meth="repeat">
-      <a:schemeClr val="accent3"/>
-    </dgm:fillClrLst>
-    <dgm:linClrLst meth="repeat">
-      <a:schemeClr val="accent3">
-        <a:tint val="50000"/>
-      </a:schemeClr>
-    </dgm:linClrLst>
-    <dgm:effectClrLst/>
-    <dgm:txLinClrLst/>
-    <dgm:txFillClrLst meth="repeat">
-      <a:schemeClr val="tx1"/>
-    </dgm:txFillClrLst>
-    <dgm:txEffectClrLst/>
-  </dgm:styleLbl>
-  <dgm:styleLbl name="asst0">
-    <dgm:fillClrLst meth="repeat">
-      <a:schemeClr val="accent3"/>
-    </dgm:fillClrLst>
-    <dgm:linClrLst meth="repeat">
-      <a:schemeClr val="lt1">
-        <a:shade val="80000"/>
-      </a:schemeClr>
-    </dgm:linClrLst>
-    <dgm:effectClrLst/>
-    <dgm:txLinClrLst/>
-    <dgm:txFillClrLst/>
-    <dgm:txEffectClrLst/>
-  </dgm:styleLbl>
-  <dgm:styleLbl name="asst1">
-    <dgm:fillClrLst meth="repeat">
-      <a:schemeClr val="accent4"/>
-    </dgm:fillClrLst>
-    <dgm:linClrLst meth="repeat">
-      <a:schemeClr val="lt1">
-        <a:shade val="80000"/>
-      </a:schemeClr>
-    </dgm:linClrLst>
-    <dgm:effectClrLst/>
-    <dgm:txLinClrLst/>
-    <dgm:txFillClrLst/>
-    <dgm:txEffectClrLst/>
-  </dgm:styleLbl>
-  <dgm:styleLbl name="asst2">
-    <dgm:fillClrLst>
-      <a:schemeClr val="accent5"/>
-    </dgm:fillClrLst>
-    <dgm:linClrLst meth="repeat">
-      <a:schemeClr val="lt1"/>
-    </dgm:linClrLst>
-    <dgm:effectClrLst/>
-    <dgm:txLinClrLst/>
-    <dgm:txFillClrLst/>
-    <dgm:txEffectClrLst/>
-  </dgm:styleLbl>
-  <dgm:styleLbl name="asst3">
-    <dgm:fillClrLst>
-      <a:schemeClr val="accent6"/>
-    </dgm:fillClrLst>
-    <dgm:linClrLst meth="repeat">
-      <a:schemeClr val="lt1"/>
-    </dgm:linClrLst>
-    <dgm:effectClrLst/>
-    <dgm:txLinClrLst/>
-    <dgm:txFillClrLst/>
-    <dgm:txEffectClrLst/>
-  </dgm:styleLbl>
-  <dgm:styleLbl name="asst4">
-    <dgm:fillClrLst>
-      <a:schemeClr val="accent1"/>
-    </dgm:fillClrLst>
-    <dgm:linClrLst meth="repeat">
-      <a:schemeClr val="lt1"/>
-    </dgm:linClrLst>
-    <dgm:effectClrLst/>
-    <dgm:txLinClrLst/>
-    <dgm:txFillClrLst/>
-    <dgm:txEffectClrLst/>
-  </dgm:styleLbl>
-  <dgm:styleLbl name="parChTrans2D1">
-    <dgm:fillClrLst meth="repeat">
-      <a:schemeClr val="accent2"/>
-    </dgm:fillClrLst>
-    <dgm:linClrLst meth="repeat">
-      <a:schemeClr val="lt1"/>
-    </dgm:linClrLst>
-    <dgm:effectClrLst/>
-    <dgm:txLinClrLst/>
-    <dgm:txFillClrLst meth="repeat">
-      <a:schemeClr val="lt1"/>
-    </dgm:txFillClrLst>
-    <dgm:txEffectClrLst/>
-  </dgm:styleLbl>
-  <dgm:styleLbl name="parChTrans2D2">
-    <dgm:fillClrLst meth="repeat">
-      <a:schemeClr val="accent3"/>
-    </dgm:fillClrLst>
-    <dgm:linClrLst meth="repeat">
-      <a:schemeClr val="lt1"/>
-    </dgm:linClrLst>
-    <dgm:effectClrLst/>
-    <dgm:txLinClrLst/>
-    <dgm:txFillClrLst/>
-    <dgm:txEffectClrLst/>
-  </dgm:styleLbl>
-  <dgm:styleLbl name="parChTrans2D3">
-    <dgm:fillClrLst meth="repeat">
-      <a:schemeClr val="accent4"/>
-    </dgm:fillClrLst>
-    <dgm:linClrLst meth="repeat">
-      <a:schemeClr val="lt1"/>
-    </dgm:linClrLst>
-    <dgm:effectClrLst/>
-    <dgm:txLinClrLst/>
-    <dgm:txFillClrLst/>
-    <dgm:txEffectClrLst/>
-  </dgm:styleLbl>
-  <dgm:styleLbl name="parChTrans2D4">
-    <dgm:fillClrLst meth="repeat">
-      <a:schemeClr val="accent5"/>
-    </dgm:fillClrLst>
-    <dgm:linClrLst meth="repeat">
-      <a:schemeClr val="lt1"/>
-    </dgm:linClrLst>
-    <dgm:effectClrLst/>
-    <dgm:txLinClrLst/>
-    <dgm:txFillClrLst meth="repeat">
-      <a:schemeClr val="lt1"/>
-    </dgm:txFillClrLst>
-    <dgm:txEffectClrLst/>
-  </dgm:styleLbl>
-  <dgm:styleLbl name="parChTrans1D1">
-    <dgm:fillClrLst meth="repeat">
-      <a:schemeClr val="accent3"/>
-    </dgm:fillClrLst>
-    <dgm:linClrLst meth="repeat">
-      <a:schemeClr val="accent3"/>
-    </dgm:linClrLst>
-    <dgm:effectClrLst/>
-    <dgm:txLinClrLst/>
-    <dgm:txFillClrLst meth="repeat">
-      <a:schemeClr val="tx1"/>
-    </dgm:txFillClrLst>
-    <dgm:txEffectClrLst/>
-  </dgm:styleLbl>
-  <dgm:styleLbl name="parChTrans1D2">
-    <dgm:fillClrLst meth="repeat">
-      <a:schemeClr val="accent2">
-        <a:tint val="90000"/>
-      </a:schemeClr>
-    </dgm:fillClrLst>
-    <dgm:linClrLst meth="repeat">
-      <a:schemeClr val="accent4"/>
-    </dgm:linClrLst>
-    <dgm:effectClrLst/>
-    <dgm:txLinClrLst/>
-    <dgm:txFillClrLst meth="repeat">
-      <a:schemeClr val="tx1"/>
-    </dgm:txFillClrLst>
-    <dgm:txEffectClrLst/>
-  </dgm:styleLbl>
-  <dgm:styleLbl name="parChTrans1D3">
-    <dgm:fillClrLst meth="repeat">
-      <a:schemeClr val="accent2">
-        <a:tint val="70000"/>
-      </a:schemeClr>
-    </dgm:fillClrLst>
-    <dgm:linClrLst meth="repeat">
-      <a:schemeClr val="accent5"/>
-    </dgm:linClrLst>
-    <dgm:effectClrLst/>
-    <dgm:txLinClrLst/>
-    <dgm:txFillClrLst meth="repeat">
-      <a:schemeClr val="tx1"/>
-    </dgm:txFillClrLst>
-    <dgm:txEffectClrLst/>
-  </dgm:styleLbl>
-  <dgm:styleLbl name="parChTrans1D4">
-    <dgm:fillClrLst meth="repeat">
-      <a:schemeClr val="accent6">
-        <a:tint val="50000"/>
-      </a:schemeClr>
-    </dgm:fillClrLst>
-    <dgm:linClrLst meth="repeat">
-      <a:schemeClr val="accent6"/>
-    </dgm:linClrLst>
-    <dgm:effectClrLst/>
-    <dgm:txLinClrLst/>
-    <dgm:txFillClrLst meth="repeat">
-      <a:schemeClr val="tx1"/>
-    </dgm:txFillClrLst>
-    <dgm:txEffectClrLst/>
-  </dgm:styleLbl>
-  <dgm:styleLbl name="fgAcc1">
-    <dgm:fillClrLst meth="repeat">
-      <a:schemeClr val="lt1">
-        <a:alpha val="90000"/>
-      </a:schemeClr>
-    </dgm:fillClrLst>
-    <dgm:linClrLst>
-      <a:schemeClr val="accent3"/>
-      <a:schemeClr val="accent4"/>
-    </dgm:linClrLst>
-    <dgm:effectClrLst/>
-    <dgm:txLinClrLst/>
-    <dgm:txFillClrLst meth="repeat">
-      <a:schemeClr val="dk1"/>
-    </dgm:txFillClrLst>
-    <dgm:txEffectClrLst/>
-  </dgm:styleLbl>
-  <dgm:styleLbl name="conFgAcc1">
-    <dgm:fillClrLst meth="repeat">
-      <a:schemeClr val="lt1">
-        <a:alpha val="90000"/>
-      </a:schemeClr>
-    </dgm:fillClrLst>
-    <dgm:linClrLst>
-      <a:schemeClr val="accent3"/>
-      <a:schemeClr val="accent4"/>
-    </dgm:linClrLst>
-    <dgm:effectClrLst/>
-    <dgm:txLinClrLst/>
-    <dgm:txFillClrLst meth="repeat">
-      <a:schemeClr val="dk1"/>
-    </dgm:txFillClrLst>
-    <dgm:txEffectClrLst/>
-  </dgm:styleLbl>
-  <dgm:styleLbl name="alignAcc1">
-    <dgm:fillClrLst meth="repeat">
-      <a:schemeClr val="lt1">
-        <a:alpha val="90000"/>
-      </a:schemeClr>
-    </dgm:fillClrLst>
-    <dgm:linClrLst>
-      <a:schemeClr val="accent3"/>
-      <a:schemeClr val="accent4"/>
-    </dgm:linClrLst>
-    <dgm:effectClrLst/>
-    <dgm:txLinClrLst/>
-    <dgm:txFillClrLst meth="repeat">
-      <a:schemeClr val="dk1"/>
-    </dgm:txFillClrLst>
-    <dgm:txEffectClrLst/>
-  </dgm:styleLbl>
-  <dgm:styleLbl name="trAlignAcc1">
-    <dgm:fillClrLst meth="repeat">
-      <a:schemeClr val="lt1">
-        <a:alpha val="40000"/>
-      </a:schemeClr>
-    </dgm:fillClrLst>
-    <dgm:linClrLst meth="repeat">
-      <a:schemeClr val="accent2"/>
-    </dgm:linClrLst>
-    <dgm:effectClrLst/>
-    <dgm:txLinClrLst/>
-    <dgm:txFillClrLst meth="repeat">
-      <a:schemeClr val="dk1"/>
-    </dgm:txFillClrLst>
-    <dgm:txEffectClrLst/>
-  </dgm:styleLbl>
-  <dgm:styleLbl name="bgAcc1">
-    <dgm:fillClrLst meth="repeat">
-      <a:schemeClr val="lt1">
-        <a:alpha val="90000"/>
-      </a:schemeClr>
-    </dgm:fillClrLst>
-    <dgm:linClrLst>
-      <a:schemeClr val="accent3"/>
-      <a:schemeClr val="accent4"/>
-    </dgm:linClrLst>
-    <dgm:effectClrLst/>
-    <dgm:txLinClrLst/>
-    <dgm:txFillClrLst meth="repeat">
-      <a:schemeClr val="dk1"/>
-    </dgm:txFillClrLst>
-    <dgm:txEffectClrLst/>
-  </dgm:styleLbl>
-  <dgm:styleLbl name="solidFgAcc1">
-    <dgm:fillClrLst meth="repeat">
-      <a:schemeClr val="lt1"/>
-    </dgm:fillClrLst>
-    <dgm:linClrLst>
-      <a:schemeClr val="accent3"/>
-      <a:schemeClr val="accent4"/>
-    </dgm:linClrLst>
-    <dgm:effectClrLst/>
-    <dgm:txLinClrLst/>
-    <dgm:txFillClrLst meth="repeat">
-      <a:schemeClr val="dk1"/>
-    </dgm:txFillClrLst>
-    <dgm:txEffectClrLst/>
-  </dgm:styleLbl>
-  <dgm:styleLbl name="solidAlignAcc1">
-    <dgm:fillClrLst meth="repeat">
-      <a:schemeClr val="lt1"/>
-    </dgm:fillClrLst>
-    <dgm:linClrLst>
-      <a:schemeClr val="accent3"/>
-      <a:schemeClr val="accent4"/>
-    </dgm:linClrLst>
-    <dgm:effectClrLst/>
-    <dgm:txLinClrLst/>
-    <dgm:txFillClrLst meth="repeat">
-      <a:schemeClr val="dk1"/>
-    </dgm:txFillClrLst>
-    <dgm:txEffectClrLst/>
-  </dgm:styleLbl>
-  <dgm:styleLbl name="solidBgAcc1">
-    <dgm:fillClrLst meth="repeat">
-      <a:schemeClr val="lt1"/>
-    </dgm:fillClrLst>
-    <dgm:linClrLst>
-      <a:schemeClr val="accent3"/>
-      <a:schemeClr val="accent4"/>
-    </dgm:linClrLst>
-    <dgm:effectClrLst/>
-    <dgm:txLinClrLst/>
-    <dgm:txFillClrLst meth="repeat">
-      <a:schemeClr val="dk1"/>
-    </dgm:txFillClrLst>
-    <dgm:txEffectClrLst/>
-  </dgm:styleLbl>
-  <dgm:styleLbl name="fgAccFollowNode1">
-    <dgm:fillClrLst>
-      <a:schemeClr val="accent3">
-        <a:tint val="40000"/>
-        <a:alpha val="90000"/>
-      </a:schemeClr>
-      <a:schemeClr val="accent4">
-        <a:tint val="40000"/>
-        <a:alpha val="90000"/>
-      </a:schemeClr>
-    </dgm:fillClrLst>
-    <dgm:linClrLst>
-      <a:schemeClr val="accent3">
-        <a:tint val="40000"/>
-        <a:alpha val="90000"/>
-      </a:schemeClr>
-      <a:schemeClr val="accent4">
-        <a:tint val="40000"/>
-        <a:alpha val="90000"/>
-      </a:schemeClr>
-    </dgm:linClrLst>
-    <dgm:effectClrLst/>
-    <dgm:txLinClrLst/>
-    <dgm:txFillClrLst meth="repeat">
-      <a:schemeClr val="dk1"/>
-    </dgm:txFillClrLst>
-    <dgm:txEffectClrLst/>
-  </dgm:styleLbl>
-  <dgm:styleLbl name="alignAccFollowNode1">
-    <dgm:fillClrLst>
-      <a:schemeClr val="accent3">
-        <a:tint val="40000"/>
-        <a:alpha val="90000"/>
-      </a:schemeClr>
-      <a:schemeClr val="accent4">
-        <a:tint val="40000"/>
-        <a:alpha val="90000"/>
-      </a:schemeClr>
-    </dgm:fillClrLst>
-    <dgm:linClrLst>
-      <a:schemeClr val="accent3">
-        <a:tint val="40000"/>
-        <a:alpha val="90000"/>
-      </a:schemeClr>
-      <a:schemeClr val="accent4">
-        <a:tint val="40000"/>
-        <a:alpha val="90000"/>
-      </a:schemeClr>
-    </dgm:linClrLst>
-    <dgm:effectClrLst/>
-    <dgm:txLinClrLst/>
-    <dgm:txFillClrLst meth="repeat">
-      <a:schemeClr val="dk1"/>
-    </dgm:txFillClrLst>
-    <dgm:txEffectClrLst/>
-  </dgm:styleLbl>
-  <dgm:styleLbl name="bgAccFollowNode1">
-    <dgm:fillClrLst>
-      <a:schemeClr val="accent3">
-        <a:tint val="40000"/>
-        <a:alpha val="90000"/>
-      </a:schemeClr>
-      <a:schemeClr val="accent4">
-        <a:tint val="40000"/>
-        <a:alpha val="90000"/>
-      </a:schemeClr>
-    </dgm:fillClrLst>
-    <dgm:linClrLst>
-      <a:schemeClr val="accent3">
-        <a:tint val="40000"/>
-        <a:alpha val="90000"/>
-      </a:schemeClr>
-      <a:schemeClr val="accent4">
-        <a:tint val="40000"/>
-        <a:alpha val="90000"/>
-      </a:schemeClr>
-    </dgm:linClrLst>
-    <dgm:effectClrLst/>
-    <dgm:txLinClrLst/>
-    <dgm:txFillClrLst meth="repeat">
-      <a:schemeClr val="dk1"/>
-    </dgm:txFillClrLst>
-    <dgm:txEffectClrLst/>
-  </dgm:styleLbl>
-  <dgm:styleLbl name="fgAcc0">
-    <dgm:fillClrLst meth="repeat">
-      <a:schemeClr val="lt1">
-        <a:alpha val="90000"/>
-      </a:schemeClr>
-    </dgm:fillClrLst>
-    <dgm:linClrLst>
-      <a:schemeClr val="accent2"/>
-    </dgm:linClrLst>
-    <dgm:effectClrLst/>
-    <dgm:txLinClrLst/>
-    <dgm:txFillClrLst meth="repeat">
-      <a:schemeClr val="dk1"/>
-    </dgm:txFillClrLst>
-    <dgm:txEffectClrLst/>
-  </dgm:styleLbl>
-  <dgm:styleLbl name="fgAcc2">
-    <dgm:fillClrLst meth="repeat">
-      <a:schemeClr val="lt1">
-        <a:alpha val="90000"/>
-      </a:schemeClr>
-    </dgm:fillClrLst>
-    <dgm:linClrLst>
-      <a:schemeClr val="accent4"/>
-    </dgm:linClrLst>
-    <dgm:effectClrLst/>
-    <dgm:txLinClrLst/>
-    <dgm:txFillClrLst meth="repeat">
-      <a:schemeClr val="dk1"/>
-    </dgm:txFillClrLst>
-    <dgm:txEffectClrLst/>
-  </dgm:styleLbl>
-  <dgm:styleLbl name="fgAcc3">
-    <dgm:fillClrLst meth="repeat">
-      <a:schemeClr val="lt1">
-        <a:alpha val="90000"/>
-      </a:schemeClr>
-    </dgm:fillClrLst>
-    <dgm:linClrLst>
-      <a:schemeClr val="accent5"/>
-    </dgm:linClrLst>
-    <dgm:effectClrLst/>
-    <dgm:txLinClrLst/>
-    <dgm:txFillClrLst meth="repeat">
-      <a:schemeClr val="dk1"/>
-    </dgm:txFillClrLst>
-    <dgm:txEffectClrLst/>
-  </dgm:styleLbl>
-  <dgm:styleLbl name="fgAcc4">
-    <dgm:fillClrLst meth="repeat">
-      <a:schemeClr val="lt1">
-        <a:alpha val="90000"/>
-      </a:schemeClr>
-    </dgm:fillClrLst>
-    <dgm:linClrLst>
-      <a:schemeClr val="accent6"/>
-    </dgm:linClrLst>
-    <dgm:effectClrLst/>
-    <dgm:txLinClrLst/>
-    <dgm:txFillClrLst meth="repeat">
-      <a:schemeClr val="dk1"/>
-    </dgm:txFillClrLst>
-    <dgm:txEffectClrLst/>
-  </dgm:styleLbl>
-  <dgm:styleLbl name="bgShp">
-    <dgm:fillClrLst meth="repeat">
-      <a:schemeClr val="accent3">
-        <a:tint val="40000"/>
-      </a:schemeClr>
-    </dgm:fillClrLst>
-    <dgm:linClrLst meth="repeat">
-      <a:schemeClr val="dk1"/>
-    </dgm:linClrLst>
-    <dgm:effectClrLst/>
-    <dgm:txLinClrLst/>
-    <dgm:txFillClrLst meth="repeat">
-      <a:schemeClr val="dk1"/>
-    </dgm:txFillClrLst>
-    <dgm:txEffectClrLst/>
-  </dgm:styleLbl>
-  <dgm:styleLbl name="dkBgShp">
-    <dgm:fillClrLst meth="repeat">
-      <a:schemeClr val="accent3">
-        <a:shade val="90000"/>
-      </a:schemeClr>
-    </dgm:fillClrLst>
-    <dgm:linClrLst meth="repeat">
-      <a:schemeClr val="dk1"/>
-    </dgm:linClrLst>
-    <dgm:effectClrLst/>
-    <dgm:txLinClrLst/>
-    <dgm:txFillClrLst meth="repeat">
-      <a:schemeClr val="lt1"/>
-    </dgm:txFillClrLst>
-    <dgm:txEffectClrLst/>
-  </dgm:styleLbl>
-  <dgm:styleLbl name="trBgShp">
-    <dgm:fillClrLst meth="repeat">
-      <a:schemeClr val="accent2">
-        <a:tint val="50000"/>
-        <a:alpha val="40000"/>
-      </a:schemeClr>
-    </dgm:fillClrLst>
-    <dgm:linClrLst meth="repeat">
-      <a:schemeClr val="accent3"/>
-    </dgm:linClrLst>
-    <dgm:effectClrLst/>
-    <dgm:txLinClrLst/>
-    <dgm:txFillClrLst meth="repeat">
-      <a:schemeClr val="lt1"/>
-    </dgm:txFillClrLst>
-    <dgm:txEffectClrLst/>
-  </dgm:styleLbl>
-  <dgm:styleLbl name="fgShp">
-    <dgm:fillClrLst meth="repeat">
-      <a:schemeClr val="accent3">
-        <a:tint val="40000"/>
-      </a:schemeClr>
-    </dgm:fillClrLst>
-    <dgm:linClrLst meth="repeat">
-      <a:schemeClr val="lt1"/>
-    </dgm:linClrLst>
-    <dgm:effectClrLst/>
-    <dgm:txLinClrLst/>
-    <dgm:txFillClrLst meth="repeat">
-      <a:schemeClr val="dk1"/>
-    </dgm:txFillClrLst>
-    <dgm:txEffectClrLst/>
-  </dgm:styleLbl>
-  <dgm:styleLbl name="revTx">
-    <dgm:fillClrLst meth="repeat">
-      <a:schemeClr val="lt1">
-        <a:alpha val="0"/>
-      </a:schemeClr>
-    </dgm:fillClrLst>
-    <dgm:linClrLst meth="repeat">
-      <a:schemeClr val="dk1">
-        <a:alpha val="0"/>
-      </a:schemeClr>
-    </dgm:linClrLst>
-    <dgm:effectClrLst/>
-    <dgm:txLinClrLst/>
-    <dgm:txFillClrLst meth="repeat">
-      <a:schemeClr val="tx1"/>
-    </dgm:txFillClrLst>
-    <dgm:txEffectClrLst/>
-  </dgm:styleLbl>
-</dgm:colorsDef>
-</file>
-
-<file path=ppt/diagrams/data1.xml><?xml version="1.0" encoding="utf-8"?>
-<dgm:dataModel xmlns:dgm="http://schemas.openxmlformats.org/drawingml/2006/diagram" xmlns:a="http://schemas.openxmlformats.org/drawingml/2006/main">
-  <dgm:ptLst>
-    <dgm:pt modelId="{3F442EA2-39BA-4C9A-AD59-755D4917D532}" type="doc">
-      <dgm:prSet loTypeId="urn:microsoft.com/office/officeart/2005/8/layout/list1" loCatId="list" qsTypeId="urn:microsoft.com/office/officeart/2005/8/quickstyle/simple1" qsCatId="simple" csTypeId="urn:microsoft.com/office/officeart/2005/8/colors/colorful3" csCatId="colorful" phldr="1"/>
-      <dgm:spPr/>
-      <dgm:t>
-        <a:bodyPr/>
-        <a:lstStyle/>
-        <a:p>
-          <a:endParaRPr lang="en-US"/>
-        </a:p>
-      </dgm:t>
-    </dgm:pt>
-    <dgm:pt modelId="{4DF9FE7B-F642-4898-A360-D4E3814E1A3D}">
-      <dgm:prSet phldrT="[Text]"/>
-      <dgm:spPr/>
-      <dgm:t>
-        <a:bodyPr/>
-        <a:lstStyle/>
-        <a:p>
-          <a:r>
-            <a:rPr lang="en-US"/>
-            <a:t>Group A</a:t>
-          </a:r>
-          <a:endParaRPr lang="en-US" dirty="0"/>
-        </a:p>
-      </dgm:t>
-    </dgm:pt>
-    <dgm:pt modelId="{1C10F06D-860A-4604-A7AD-02E614FE3976}" type="parTrans" cxnId="{EBD8BE8D-6018-43E2-B081-034BB5656EB6}">
-      <dgm:prSet/>
-      <dgm:spPr/>
-      <dgm:t>
-        <a:bodyPr/>
-        <a:lstStyle/>
-        <a:p>
-          <a:endParaRPr lang="en-US"/>
-        </a:p>
-      </dgm:t>
-    </dgm:pt>
-    <dgm:pt modelId="{43C18EFF-81FC-4D70-8C6B-E95FF3730413}" type="sibTrans" cxnId="{EBD8BE8D-6018-43E2-B081-034BB5656EB6}">
-      <dgm:prSet/>
-      <dgm:spPr/>
-      <dgm:t>
-        <a:bodyPr/>
-        <a:lstStyle/>
-        <a:p>
-          <a:endParaRPr lang="en-US"/>
-        </a:p>
-      </dgm:t>
-    </dgm:pt>
-    <dgm:pt modelId="{EFF2750D-B4B3-474C-8B62-8B638DC31F7E}">
-      <dgm:prSet phldrT="[Text]"/>
-      <dgm:spPr/>
-      <dgm:t>
-        <a:bodyPr/>
-        <a:lstStyle/>
-        <a:p>
-          <a:r>
-            <a:rPr lang="en-US" dirty="0"/>
-            <a:t>Task 1</a:t>
-          </a:r>
-        </a:p>
-      </dgm:t>
-    </dgm:pt>
-    <dgm:pt modelId="{AEBC78E6-CDDC-4C8F-A157-3C51E907FACD}" type="parTrans" cxnId="{A058DDA2-48CA-4E5B-B389-F71A59C262B0}">
-      <dgm:prSet/>
-      <dgm:spPr/>
-      <dgm:t>
-        <a:bodyPr/>
-        <a:lstStyle/>
-        <a:p>
-          <a:endParaRPr lang="en-US"/>
-        </a:p>
-      </dgm:t>
-    </dgm:pt>
-    <dgm:pt modelId="{75C067D7-FCD2-4969-8F27-4BBDA88E75ED}" type="sibTrans" cxnId="{A058DDA2-48CA-4E5B-B389-F71A59C262B0}">
-      <dgm:prSet/>
-      <dgm:spPr/>
-      <dgm:t>
-        <a:bodyPr/>
-        <a:lstStyle/>
-        <a:p>
-          <a:endParaRPr lang="en-US"/>
-        </a:p>
-      </dgm:t>
-    </dgm:pt>
-    <dgm:pt modelId="{789CD6DB-3A68-4A41-90BD-4F0CBB3617D1}">
-      <dgm:prSet phldrT="[Text]"/>
-      <dgm:spPr/>
-      <dgm:t>
-        <a:bodyPr/>
-        <a:lstStyle/>
-        <a:p>
-          <a:r>
-            <a:rPr lang="en-US" dirty="0"/>
-            <a:t>Task 2</a:t>
-          </a:r>
-        </a:p>
-      </dgm:t>
-    </dgm:pt>
-    <dgm:pt modelId="{C0BEB5FF-8DFB-40B9-A228-C0C6097DDDC4}" type="parTrans" cxnId="{62C10234-45D3-426A-8820-4C0D1D8CBA21}">
-      <dgm:prSet/>
-      <dgm:spPr/>
-      <dgm:t>
-        <a:bodyPr/>
-        <a:lstStyle/>
-        <a:p>
-          <a:endParaRPr lang="en-US"/>
-        </a:p>
-      </dgm:t>
-    </dgm:pt>
-    <dgm:pt modelId="{1A702531-A59F-4EE2-8246-E2EB0955D8B1}" type="sibTrans" cxnId="{62C10234-45D3-426A-8820-4C0D1D8CBA21}">
-      <dgm:prSet/>
-      <dgm:spPr/>
-      <dgm:t>
-        <a:bodyPr/>
-        <a:lstStyle/>
-        <a:p>
-          <a:endParaRPr lang="en-US"/>
-        </a:p>
-      </dgm:t>
-    </dgm:pt>
-    <dgm:pt modelId="{3929B1E1-4BC4-4C73-ABE8-27CEF96A3652}">
-      <dgm:prSet phldrT="[Text]"/>
-      <dgm:spPr/>
-      <dgm:t>
-        <a:bodyPr/>
-        <a:lstStyle/>
-        <a:p>
-          <a:r>
-            <a:rPr lang="en-US" dirty="0"/>
-            <a:t>Group B</a:t>
-          </a:r>
-        </a:p>
-      </dgm:t>
-    </dgm:pt>
-    <dgm:pt modelId="{F356CC76-9117-4B79-A270-BBBAFD3E9C79}" type="parTrans" cxnId="{1339090C-9A95-4C05-841C-FA3AF987601B}">
-      <dgm:prSet/>
-      <dgm:spPr/>
-      <dgm:t>
-        <a:bodyPr/>
-        <a:lstStyle/>
-        <a:p>
-          <a:endParaRPr lang="en-US"/>
-        </a:p>
-      </dgm:t>
-    </dgm:pt>
-    <dgm:pt modelId="{19BA0C22-38BB-4E9F-89D5-0FF5FF9F12CE}" type="sibTrans" cxnId="{1339090C-9A95-4C05-841C-FA3AF987601B}">
-      <dgm:prSet/>
-      <dgm:spPr/>
-      <dgm:t>
-        <a:bodyPr/>
-        <a:lstStyle/>
-        <a:p>
-          <a:endParaRPr lang="en-US"/>
-        </a:p>
-      </dgm:t>
-    </dgm:pt>
-    <dgm:pt modelId="{99E0600D-9954-43F4-8926-13B8777FAAA1}">
-      <dgm:prSet phldrT="[Text]"/>
-      <dgm:spPr/>
-      <dgm:t>
-        <a:bodyPr/>
-        <a:lstStyle/>
-        <a:p>
-          <a:r>
-            <a:rPr lang="en-US" dirty="0"/>
-            <a:t>Task 1</a:t>
-          </a:r>
-        </a:p>
-      </dgm:t>
-    </dgm:pt>
-    <dgm:pt modelId="{BE23F476-2C5C-42ED-BF2B-CD5FC7ADDDF6}" type="parTrans" cxnId="{09FCCB9D-A30A-4326-970E-26252D39327F}">
-      <dgm:prSet/>
-      <dgm:spPr/>
-      <dgm:t>
-        <a:bodyPr/>
-        <a:lstStyle/>
-        <a:p>
-          <a:endParaRPr lang="en-US"/>
-        </a:p>
-      </dgm:t>
-    </dgm:pt>
-    <dgm:pt modelId="{C44937DC-4907-4769-AA8B-1B3E7391D7B0}" type="sibTrans" cxnId="{09FCCB9D-A30A-4326-970E-26252D39327F}">
-      <dgm:prSet/>
-      <dgm:spPr/>
-      <dgm:t>
-        <a:bodyPr/>
-        <a:lstStyle/>
-        <a:p>
-          <a:endParaRPr lang="en-US"/>
-        </a:p>
-      </dgm:t>
-    </dgm:pt>
-    <dgm:pt modelId="{0791135C-9DAB-47F6-BE9C-A3E56A2DDA50}">
-      <dgm:prSet phldrT="[Text]"/>
-      <dgm:spPr/>
-      <dgm:t>
-        <a:bodyPr/>
-        <a:lstStyle/>
-        <a:p>
-          <a:r>
-            <a:rPr lang="en-US" dirty="0"/>
-            <a:t>Task 2</a:t>
-          </a:r>
-        </a:p>
-      </dgm:t>
-    </dgm:pt>
-    <dgm:pt modelId="{D6057E63-9793-4991-97C1-30FC405E95A5}" type="parTrans" cxnId="{B3B26E9A-58E5-497B-BD59-F5567958C609}">
-      <dgm:prSet/>
-      <dgm:spPr/>
-      <dgm:t>
-        <a:bodyPr/>
-        <a:lstStyle/>
-        <a:p>
-          <a:endParaRPr lang="en-US"/>
-        </a:p>
-      </dgm:t>
-    </dgm:pt>
-    <dgm:pt modelId="{B670C2A7-83CB-4F4C-BC19-A3A7C066A822}" type="sibTrans" cxnId="{B3B26E9A-58E5-497B-BD59-F5567958C609}">
-      <dgm:prSet/>
-      <dgm:spPr/>
-      <dgm:t>
-        <a:bodyPr/>
-        <a:lstStyle/>
-        <a:p>
-          <a:endParaRPr lang="en-US"/>
-        </a:p>
-      </dgm:t>
-    </dgm:pt>
-    <dgm:pt modelId="{60CDF8D0-D4FC-4467-A51E-79C5A58B0B2C}">
-      <dgm:prSet phldrT="[Text]"/>
-      <dgm:spPr/>
-      <dgm:t>
-        <a:bodyPr/>
-        <a:lstStyle/>
-        <a:p>
-          <a:r>
-            <a:rPr lang="en-US" dirty="0"/>
-            <a:t>Group C</a:t>
-          </a:r>
-        </a:p>
-      </dgm:t>
-    </dgm:pt>
-    <dgm:pt modelId="{E12A269F-AB82-486A-9077-80F2BBBE48C2}" type="parTrans" cxnId="{2BA65DEC-E719-4ED3-8135-48349D42DD04}">
-      <dgm:prSet/>
-      <dgm:spPr/>
-      <dgm:t>
-        <a:bodyPr/>
-        <a:lstStyle/>
-        <a:p>
-          <a:endParaRPr lang="en-US"/>
-        </a:p>
-      </dgm:t>
-    </dgm:pt>
-    <dgm:pt modelId="{3F7FD59D-A716-4310-A89A-AB6F740D9FFF}" type="sibTrans" cxnId="{2BA65DEC-E719-4ED3-8135-48349D42DD04}">
-      <dgm:prSet/>
-      <dgm:spPr/>
-      <dgm:t>
-        <a:bodyPr/>
-        <a:lstStyle/>
-        <a:p>
-          <a:endParaRPr lang="en-US"/>
-        </a:p>
-      </dgm:t>
-    </dgm:pt>
-    <dgm:pt modelId="{50629C12-7464-4473-ADEF-1A284F8A9957}">
-      <dgm:prSet phldrT="[Text]"/>
-      <dgm:spPr/>
-      <dgm:t>
-        <a:bodyPr/>
-        <a:lstStyle/>
-        <a:p>
-          <a:r>
-            <a:rPr lang="en-US" dirty="0"/>
-            <a:t>Task 1</a:t>
-          </a:r>
-        </a:p>
-      </dgm:t>
-    </dgm:pt>
-    <dgm:pt modelId="{9D1CB46C-0CFA-4B27-9224-267431FBD094}" type="parTrans" cxnId="{1D32FCC9-657C-4348-9C0D-52115D559FEB}">
-      <dgm:prSet/>
-      <dgm:spPr/>
-      <dgm:t>
-        <a:bodyPr/>
-        <a:lstStyle/>
-        <a:p>
-          <a:endParaRPr lang="en-US"/>
-        </a:p>
-      </dgm:t>
-    </dgm:pt>
-    <dgm:pt modelId="{4576BCC5-0598-4332-A2E7-87AC3ADD4EB8}" type="sibTrans" cxnId="{1D32FCC9-657C-4348-9C0D-52115D559FEB}">
-      <dgm:prSet/>
-      <dgm:spPr/>
-      <dgm:t>
-        <a:bodyPr/>
-        <a:lstStyle/>
-        <a:p>
-          <a:endParaRPr lang="en-US"/>
-        </a:p>
-      </dgm:t>
-    </dgm:pt>
-    <dgm:pt modelId="{E6A445EE-D086-4B01-B491-D67950A5A065}" type="pres">
-      <dgm:prSet presAssocID="{3F442EA2-39BA-4C9A-AD59-755D4917D532}" presName="linear" presStyleCnt="0">
-        <dgm:presLayoutVars>
-          <dgm:dir/>
-          <dgm:animLvl val="lvl"/>
-          <dgm:resizeHandles val="exact"/>
-        </dgm:presLayoutVars>
-      </dgm:prSet>
-      <dgm:spPr/>
-      <dgm:t>
-        <a:bodyPr/>
-        <a:lstStyle/>
-        <a:p>
-          <a:endParaRPr lang="en-IN"/>
-        </a:p>
-      </dgm:t>
-    </dgm:pt>
-    <dgm:pt modelId="{6D3A9625-D3EB-4CA1-AB05-34452283708A}" type="pres">
-      <dgm:prSet presAssocID="{4DF9FE7B-F642-4898-A360-D4E3814E1A3D}" presName="parentLin" presStyleCnt="0"/>
-      <dgm:spPr/>
-    </dgm:pt>
-    <dgm:pt modelId="{7E290D25-335D-4339-A8E8-B036E46B5EB5}" type="pres">
-      <dgm:prSet presAssocID="{4DF9FE7B-F642-4898-A360-D4E3814E1A3D}" presName="parentLeftMargin" presStyleLbl="node1" presStyleIdx="0" presStyleCnt="3"/>
-      <dgm:spPr/>
-      <dgm:t>
-        <a:bodyPr/>
-        <a:lstStyle/>
-        <a:p>
-          <a:endParaRPr lang="en-IN"/>
-        </a:p>
-      </dgm:t>
-    </dgm:pt>
-    <dgm:pt modelId="{674922F1-7266-4681-AD4F-1C618A5FFF23}" type="pres">
-      <dgm:prSet presAssocID="{4DF9FE7B-F642-4898-A360-D4E3814E1A3D}" presName="parentText" presStyleLbl="node1" presStyleIdx="0" presStyleCnt="3">
-        <dgm:presLayoutVars>
-          <dgm:chMax val="0"/>
-          <dgm:bulletEnabled val="1"/>
-        </dgm:presLayoutVars>
-      </dgm:prSet>
-      <dgm:spPr/>
-      <dgm:t>
-        <a:bodyPr/>
-        <a:lstStyle/>
-        <a:p>
-          <a:endParaRPr lang="en-IN"/>
-        </a:p>
-      </dgm:t>
-    </dgm:pt>
-    <dgm:pt modelId="{96C29850-0672-4B77-B5DE-2E1563038631}" type="pres">
-      <dgm:prSet presAssocID="{4DF9FE7B-F642-4898-A360-D4E3814E1A3D}" presName="negativeSpace" presStyleCnt="0"/>
-      <dgm:spPr/>
-    </dgm:pt>
-    <dgm:pt modelId="{80259B02-529C-422B-91BE-D70198BA9F6C}" type="pres">
-      <dgm:prSet presAssocID="{4DF9FE7B-F642-4898-A360-D4E3814E1A3D}" presName="childText" presStyleLbl="conFgAcc1" presStyleIdx="0" presStyleCnt="3">
-        <dgm:presLayoutVars>
-          <dgm:bulletEnabled val="1"/>
-        </dgm:presLayoutVars>
-      </dgm:prSet>
-      <dgm:spPr/>
-      <dgm:t>
-        <a:bodyPr/>
-        <a:lstStyle/>
-        <a:p>
-          <a:endParaRPr lang="en-IN"/>
-        </a:p>
-      </dgm:t>
-    </dgm:pt>
-    <dgm:pt modelId="{E53EFB4E-D3DB-42E1-82AC-148F7D29254F}" type="pres">
-      <dgm:prSet presAssocID="{43C18EFF-81FC-4D70-8C6B-E95FF3730413}" presName="spaceBetweenRectangles" presStyleCnt="0"/>
-      <dgm:spPr/>
-    </dgm:pt>
-    <dgm:pt modelId="{07AC1C38-F728-4390-9C76-57A49ED97DBB}" type="pres">
-      <dgm:prSet presAssocID="{3929B1E1-4BC4-4C73-ABE8-27CEF96A3652}" presName="parentLin" presStyleCnt="0"/>
-      <dgm:spPr/>
-    </dgm:pt>
-    <dgm:pt modelId="{D0037F0D-DB9A-4BA4-97B4-D939B26E14DA}" type="pres">
-      <dgm:prSet presAssocID="{3929B1E1-4BC4-4C73-ABE8-27CEF96A3652}" presName="parentLeftMargin" presStyleLbl="node1" presStyleIdx="0" presStyleCnt="3"/>
-      <dgm:spPr/>
-      <dgm:t>
-        <a:bodyPr/>
-        <a:lstStyle/>
-        <a:p>
-          <a:endParaRPr lang="en-IN"/>
-        </a:p>
-      </dgm:t>
-    </dgm:pt>
-    <dgm:pt modelId="{21EEBBE2-729F-4D85-8CAE-C2B30FF126D2}" type="pres">
-      <dgm:prSet presAssocID="{3929B1E1-4BC4-4C73-ABE8-27CEF96A3652}" presName="parentText" presStyleLbl="node1" presStyleIdx="1" presStyleCnt="3">
-        <dgm:presLayoutVars>
-          <dgm:chMax val="0"/>
-          <dgm:bulletEnabled val="1"/>
-        </dgm:presLayoutVars>
-      </dgm:prSet>
-      <dgm:spPr/>
-      <dgm:t>
-        <a:bodyPr/>
-        <a:lstStyle/>
-        <a:p>
-          <a:endParaRPr lang="en-IN"/>
-        </a:p>
-      </dgm:t>
-    </dgm:pt>
-    <dgm:pt modelId="{AACB3FAF-C320-430D-84D4-71BA6D1761D1}" type="pres">
-      <dgm:prSet presAssocID="{3929B1E1-4BC4-4C73-ABE8-27CEF96A3652}" presName="negativeSpace" presStyleCnt="0"/>
-      <dgm:spPr/>
-    </dgm:pt>
-    <dgm:pt modelId="{5282638F-EFF2-4770-BB1A-21455422E45D}" type="pres">
-      <dgm:prSet presAssocID="{3929B1E1-4BC4-4C73-ABE8-27CEF96A3652}" presName="childText" presStyleLbl="conFgAcc1" presStyleIdx="1" presStyleCnt="3">
-        <dgm:presLayoutVars>
-          <dgm:bulletEnabled val="1"/>
-        </dgm:presLayoutVars>
-      </dgm:prSet>
-      <dgm:spPr/>
-      <dgm:t>
-        <a:bodyPr/>
-        <a:lstStyle/>
-        <a:p>
-          <a:endParaRPr lang="en-IN"/>
-        </a:p>
-      </dgm:t>
-    </dgm:pt>
-    <dgm:pt modelId="{8CE827AA-77D8-4146-A665-00110A17769E}" type="pres">
-      <dgm:prSet presAssocID="{19BA0C22-38BB-4E9F-89D5-0FF5FF9F12CE}" presName="spaceBetweenRectangles" presStyleCnt="0"/>
-      <dgm:spPr/>
-    </dgm:pt>
-    <dgm:pt modelId="{34C9EE47-81AF-461E-8292-AB107AA0D367}" type="pres">
-      <dgm:prSet presAssocID="{60CDF8D0-D4FC-4467-A51E-79C5A58B0B2C}" presName="parentLin" presStyleCnt="0"/>
-      <dgm:spPr/>
-    </dgm:pt>
-    <dgm:pt modelId="{864CB39B-29F9-473D-90E5-0686D86E278F}" type="pres">
-      <dgm:prSet presAssocID="{60CDF8D0-D4FC-4467-A51E-79C5A58B0B2C}" presName="parentLeftMargin" presStyleLbl="node1" presStyleIdx="1" presStyleCnt="3"/>
-      <dgm:spPr/>
-      <dgm:t>
-        <a:bodyPr/>
-        <a:lstStyle/>
-        <a:p>
-          <a:endParaRPr lang="en-IN"/>
-        </a:p>
-      </dgm:t>
-    </dgm:pt>
-    <dgm:pt modelId="{5B203A22-00AF-46E7-9415-C6DAFD7E01CC}" type="pres">
-      <dgm:prSet presAssocID="{60CDF8D0-D4FC-4467-A51E-79C5A58B0B2C}" presName="parentText" presStyleLbl="node1" presStyleIdx="2" presStyleCnt="3">
-        <dgm:presLayoutVars>
-          <dgm:chMax val="0"/>
-          <dgm:bulletEnabled val="1"/>
-        </dgm:presLayoutVars>
-      </dgm:prSet>
-      <dgm:spPr/>
-      <dgm:t>
-        <a:bodyPr/>
-        <a:lstStyle/>
-        <a:p>
-          <a:endParaRPr lang="en-IN"/>
-        </a:p>
-      </dgm:t>
-    </dgm:pt>
-    <dgm:pt modelId="{DF9C1F84-81DE-4E5D-9537-C2D1A211B8B6}" type="pres">
-      <dgm:prSet presAssocID="{60CDF8D0-D4FC-4467-A51E-79C5A58B0B2C}" presName="negativeSpace" presStyleCnt="0"/>
-      <dgm:spPr/>
-    </dgm:pt>
-    <dgm:pt modelId="{964E6811-5072-4466-B721-689C35A65029}" type="pres">
-      <dgm:prSet presAssocID="{60CDF8D0-D4FC-4467-A51E-79C5A58B0B2C}" presName="childText" presStyleLbl="conFgAcc1" presStyleIdx="2" presStyleCnt="3">
-        <dgm:presLayoutVars>
-          <dgm:bulletEnabled val="1"/>
-        </dgm:presLayoutVars>
-      </dgm:prSet>
-      <dgm:spPr/>
-      <dgm:t>
-        <a:bodyPr/>
-        <a:lstStyle/>
-        <a:p>
-          <a:endParaRPr lang="en-IN"/>
-        </a:p>
-      </dgm:t>
-    </dgm:pt>
-  </dgm:ptLst>
-  <dgm:cxnLst>
-    <dgm:cxn modelId="{3F41141F-3FE3-4E69-BA1B-B1022C76134F}" type="presOf" srcId="{0791135C-9DAB-47F6-BE9C-A3E56A2DDA50}" destId="{5282638F-EFF2-4770-BB1A-21455422E45D}" srcOrd="0" destOrd="1" presId="urn:microsoft.com/office/officeart/2005/8/layout/list1"/>
-    <dgm:cxn modelId="{9F679DC2-6B0E-43AA-A414-29A0BEBDE7EB}" type="presOf" srcId="{50629C12-7464-4473-ADEF-1A284F8A9957}" destId="{964E6811-5072-4466-B721-689C35A65029}" srcOrd="0" destOrd="0" presId="urn:microsoft.com/office/officeart/2005/8/layout/list1"/>
-    <dgm:cxn modelId="{1D32FCC9-657C-4348-9C0D-52115D559FEB}" srcId="{60CDF8D0-D4FC-4467-A51E-79C5A58B0B2C}" destId="{50629C12-7464-4473-ADEF-1A284F8A9957}" srcOrd="0" destOrd="0" parTransId="{9D1CB46C-0CFA-4B27-9224-267431FBD094}" sibTransId="{4576BCC5-0598-4332-A2E7-87AC3ADD4EB8}"/>
-    <dgm:cxn modelId="{FC3C0DB7-9FD1-4688-8024-16D6F63718C0}" type="presOf" srcId="{99E0600D-9954-43F4-8926-13B8777FAAA1}" destId="{5282638F-EFF2-4770-BB1A-21455422E45D}" srcOrd="0" destOrd="0" presId="urn:microsoft.com/office/officeart/2005/8/layout/list1"/>
-    <dgm:cxn modelId="{3E379D5E-3519-4604-8C91-9AEBC1B5DA6A}" type="presOf" srcId="{60CDF8D0-D4FC-4467-A51E-79C5A58B0B2C}" destId="{864CB39B-29F9-473D-90E5-0686D86E278F}" srcOrd="0" destOrd="0" presId="urn:microsoft.com/office/officeart/2005/8/layout/list1"/>
-    <dgm:cxn modelId="{D777451D-9818-431F-B600-33C7C8A40A98}" type="presOf" srcId="{3929B1E1-4BC4-4C73-ABE8-27CEF96A3652}" destId="{21EEBBE2-729F-4D85-8CAE-C2B30FF126D2}" srcOrd="1" destOrd="0" presId="urn:microsoft.com/office/officeart/2005/8/layout/list1"/>
-    <dgm:cxn modelId="{2BA65DEC-E719-4ED3-8135-48349D42DD04}" srcId="{3F442EA2-39BA-4C9A-AD59-755D4917D532}" destId="{60CDF8D0-D4FC-4467-A51E-79C5A58B0B2C}" srcOrd="2" destOrd="0" parTransId="{E12A269F-AB82-486A-9077-80F2BBBE48C2}" sibTransId="{3F7FD59D-A716-4310-A89A-AB6F740D9FFF}"/>
-    <dgm:cxn modelId="{1339090C-9A95-4C05-841C-FA3AF987601B}" srcId="{3F442EA2-39BA-4C9A-AD59-755D4917D532}" destId="{3929B1E1-4BC4-4C73-ABE8-27CEF96A3652}" srcOrd="1" destOrd="0" parTransId="{F356CC76-9117-4B79-A270-BBBAFD3E9C79}" sibTransId="{19BA0C22-38BB-4E9F-89D5-0FF5FF9F12CE}"/>
-    <dgm:cxn modelId="{F7E95423-786D-404D-8158-68B1C89303BF}" type="presOf" srcId="{4DF9FE7B-F642-4898-A360-D4E3814E1A3D}" destId="{7E290D25-335D-4339-A8E8-B036E46B5EB5}" srcOrd="0" destOrd="0" presId="urn:microsoft.com/office/officeart/2005/8/layout/list1"/>
-    <dgm:cxn modelId="{3A76F5FD-AC51-43D5-A60D-6EA2DBBDF0F6}" type="presOf" srcId="{4DF9FE7B-F642-4898-A360-D4E3814E1A3D}" destId="{674922F1-7266-4681-AD4F-1C618A5FFF23}" srcOrd="1" destOrd="0" presId="urn:microsoft.com/office/officeart/2005/8/layout/list1"/>
-    <dgm:cxn modelId="{B3B26E9A-58E5-497B-BD59-F5567958C609}" srcId="{3929B1E1-4BC4-4C73-ABE8-27CEF96A3652}" destId="{0791135C-9DAB-47F6-BE9C-A3E56A2DDA50}" srcOrd="1" destOrd="0" parTransId="{D6057E63-9793-4991-97C1-30FC405E95A5}" sibTransId="{B670C2A7-83CB-4F4C-BC19-A3A7C066A822}"/>
-    <dgm:cxn modelId="{E694B157-BB09-40E7-9144-6278540E0676}" type="presOf" srcId="{789CD6DB-3A68-4A41-90BD-4F0CBB3617D1}" destId="{80259B02-529C-422B-91BE-D70198BA9F6C}" srcOrd="0" destOrd="1" presId="urn:microsoft.com/office/officeart/2005/8/layout/list1"/>
-    <dgm:cxn modelId="{E12E128A-D14B-4DAD-B3C2-4C2D815371A8}" type="presOf" srcId="{3929B1E1-4BC4-4C73-ABE8-27CEF96A3652}" destId="{D0037F0D-DB9A-4BA4-97B4-D939B26E14DA}" srcOrd="0" destOrd="0" presId="urn:microsoft.com/office/officeart/2005/8/layout/list1"/>
-    <dgm:cxn modelId="{EBD8BE8D-6018-43E2-B081-034BB5656EB6}" srcId="{3F442EA2-39BA-4C9A-AD59-755D4917D532}" destId="{4DF9FE7B-F642-4898-A360-D4E3814E1A3D}" srcOrd="0" destOrd="0" parTransId="{1C10F06D-860A-4604-A7AD-02E614FE3976}" sibTransId="{43C18EFF-81FC-4D70-8C6B-E95FF3730413}"/>
-    <dgm:cxn modelId="{62C10234-45D3-426A-8820-4C0D1D8CBA21}" srcId="{4DF9FE7B-F642-4898-A360-D4E3814E1A3D}" destId="{789CD6DB-3A68-4A41-90BD-4F0CBB3617D1}" srcOrd="1" destOrd="0" parTransId="{C0BEB5FF-8DFB-40B9-A228-C0C6097DDDC4}" sibTransId="{1A702531-A59F-4EE2-8246-E2EB0955D8B1}"/>
-    <dgm:cxn modelId="{133AB3BA-08EC-432D-814B-0243B8AEAE27}" type="presOf" srcId="{3F442EA2-39BA-4C9A-AD59-755D4917D532}" destId="{E6A445EE-D086-4B01-B491-D67950A5A065}" srcOrd="0" destOrd="0" presId="urn:microsoft.com/office/officeart/2005/8/layout/list1"/>
-    <dgm:cxn modelId="{91E8EE10-A24D-4E72-918C-DFE8B8A56CE9}" type="presOf" srcId="{EFF2750D-B4B3-474C-8B62-8B638DC31F7E}" destId="{80259B02-529C-422B-91BE-D70198BA9F6C}" srcOrd="0" destOrd="0" presId="urn:microsoft.com/office/officeart/2005/8/layout/list1"/>
-    <dgm:cxn modelId="{A058DDA2-48CA-4E5B-B389-F71A59C262B0}" srcId="{4DF9FE7B-F642-4898-A360-D4E3814E1A3D}" destId="{EFF2750D-B4B3-474C-8B62-8B638DC31F7E}" srcOrd="0" destOrd="0" parTransId="{AEBC78E6-CDDC-4C8F-A157-3C51E907FACD}" sibTransId="{75C067D7-FCD2-4969-8F27-4BBDA88E75ED}"/>
-    <dgm:cxn modelId="{EF39DC10-C489-4F29-BCDA-31D69D3CEE27}" type="presOf" srcId="{60CDF8D0-D4FC-4467-A51E-79C5A58B0B2C}" destId="{5B203A22-00AF-46E7-9415-C6DAFD7E01CC}" srcOrd="1" destOrd="0" presId="urn:microsoft.com/office/officeart/2005/8/layout/list1"/>
-    <dgm:cxn modelId="{09FCCB9D-A30A-4326-970E-26252D39327F}" srcId="{3929B1E1-4BC4-4C73-ABE8-27CEF96A3652}" destId="{99E0600D-9954-43F4-8926-13B8777FAAA1}" srcOrd="0" destOrd="0" parTransId="{BE23F476-2C5C-42ED-BF2B-CD5FC7ADDDF6}" sibTransId="{C44937DC-4907-4769-AA8B-1B3E7391D7B0}"/>
-    <dgm:cxn modelId="{7C96F733-1FEB-4464-AFE2-A6FFE050E7F5}" type="presParOf" srcId="{E6A445EE-D086-4B01-B491-D67950A5A065}" destId="{6D3A9625-D3EB-4CA1-AB05-34452283708A}" srcOrd="0" destOrd="0" presId="urn:microsoft.com/office/officeart/2005/8/layout/list1"/>
-    <dgm:cxn modelId="{52625C28-CB81-4E22-A0FD-8E29373E6B1B}" type="presParOf" srcId="{6D3A9625-D3EB-4CA1-AB05-34452283708A}" destId="{7E290D25-335D-4339-A8E8-B036E46B5EB5}" srcOrd="0" destOrd="0" presId="urn:microsoft.com/office/officeart/2005/8/layout/list1"/>
-    <dgm:cxn modelId="{B0C612E2-3EE1-400E-AE2C-6D7A4CC4C27B}" type="presParOf" srcId="{6D3A9625-D3EB-4CA1-AB05-34452283708A}" destId="{674922F1-7266-4681-AD4F-1C618A5FFF23}" srcOrd="1" destOrd="0" presId="urn:microsoft.com/office/officeart/2005/8/layout/list1"/>
-    <dgm:cxn modelId="{4744E578-4CB5-48E8-A0C6-86520C5FA672}" type="presParOf" srcId="{E6A445EE-D086-4B01-B491-D67950A5A065}" destId="{96C29850-0672-4B77-B5DE-2E1563038631}" srcOrd="1" destOrd="0" presId="urn:microsoft.com/office/officeart/2005/8/layout/list1"/>
-    <dgm:cxn modelId="{9B31D144-B860-4AE0-AA2A-C3C20A8603D5}" type="presParOf" srcId="{E6A445EE-D086-4B01-B491-D67950A5A065}" destId="{80259B02-529C-422B-91BE-D70198BA9F6C}" srcOrd="2" destOrd="0" presId="urn:microsoft.com/office/officeart/2005/8/layout/list1"/>
-    <dgm:cxn modelId="{7C89F48A-EAC4-44E9-B2C3-D6045323FD07}" type="presParOf" srcId="{E6A445EE-D086-4B01-B491-D67950A5A065}" destId="{E53EFB4E-D3DB-42E1-82AC-148F7D29254F}" srcOrd="3" destOrd="0" presId="urn:microsoft.com/office/officeart/2005/8/layout/list1"/>
-    <dgm:cxn modelId="{BD05F436-0254-432E-8B09-A17511FE268A}" type="presParOf" srcId="{E6A445EE-D086-4B01-B491-D67950A5A065}" destId="{07AC1C38-F728-4390-9C76-57A49ED97DBB}" srcOrd="4" destOrd="0" presId="urn:microsoft.com/office/officeart/2005/8/layout/list1"/>
-    <dgm:cxn modelId="{C0A0D860-DA07-4CBB-91A5-F43E0D04FCF4}" type="presParOf" srcId="{07AC1C38-F728-4390-9C76-57A49ED97DBB}" destId="{D0037F0D-DB9A-4BA4-97B4-D939B26E14DA}" srcOrd="0" destOrd="0" presId="urn:microsoft.com/office/officeart/2005/8/layout/list1"/>
-    <dgm:cxn modelId="{7E09DDEB-EE25-4606-A71C-7D9B4BBA2CC8}" type="presParOf" srcId="{07AC1C38-F728-4390-9C76-57A49ED97DBB}" destId="{21EEBBE2-729F-4D85-8CAE-C2B30FF126D2}" srcOrd="1" destOrd="0" presId="urn:microsoft.com/office/officeart/2005/8/layout/list1"/>
-    <dgm:cxn modelId="{16B4A5AA-CD57-4E81-BD9D-EA0185BCFB1E}" type="presParOf" srcId="{E6A445EE-D086-4B01-B491-D67950A5A065}" destId="{AACB3FAF-C320-430D-84D4-71BA6D1761D1}" srcOrd="5" destOrd="0" presId="urn:microsoft.com/office/officeart/2005/8/layout/list1"/>
-    <dgm:cxn modelId="{87A76DD9-C373-44C0-9414-15DC155EA76E}" type="presParOf" srcId="{E6A445EE-D086-4B01-B491-D67950A5A065}" destId="{5282638F-EFF2-4770-BB1A-21455422E45D}" srcOrd="6" destOrd="0" presId="urn:microsoft.com/office/officeart/2005/8/layout/list1"/>
-    <dgm:cxn modelId="{0755B841-50A5-42EE-A8F3-8B0D460B67BC}" type="presParOf" srcId="{E6A445EE-D086-4B01-B491-D67950A5A065}" destId="{8CE827AA-77D8-4146-A665-00110A17769E}" srcOrd="7" destOrd="0" presId="urn:microsoft.com/office/officeart/2005/8/layout/list1"/>
-    <dgm:cxn modelId="{07113AD3-C775-48C9-830E-576F0EE07749}" type="presParOf" srcId="{E6A445EE-D086-4B01-B491-D67950A5A065}" destId="{34C9EE47-81AF-461E-8292-AB107AA0D367}" srcOrd="8" destOrd="0" presId="urn:microsoft.com/office/officeart/2005/8/layout/list1"/>
-    <dgm:cxn modelId="{4B7DC143-6BA8-45DE-B0C7-421B9E9D50BD}" type="presParOf" srcId="{34C9EE47-81AF-461E-8292-AB107AA0D367}" destId="{864CB39B-29F9-473D-90E5-0686D86E278F}" srcOrd="0" destOrd="0" presId="urn:microsoft.com/office/officeart/2005/8/layout/list1"/>
-    <dgm:cxn modelId="{5D8F5A1E-4827-449A-B310-63F6F8A02B3B}" type="presParOf" srcId="{34C9EE47-81AF-461E-8292-AB107AA0D367}" destId="{5B203A22-00AF-46E7-9415-C6DAFD7E01CC}" srcOrd="1" destOrd="0" presId="urn:microsoft.com/office/officeart/2005/8/layout/list1"/>
-    <dgm:cxn modelId="{1F844143-3020-41F3-A2B1-36CB25F670B9}" type="presParOf" srcId="{E6A445EE-D086-4B01-B491-D67950A5A065}" destId="{DF9C1F84-81DE-4E5D-9537-C2D1A211B8B6}" srcOrd="9" destOrd="0" presId="urn:microsoft.com/office/officeart/2005/8/layout/list1"/>
-    <dgm:cxn modelId="{361E8493-E05B-46F9-A5FF-F03C8BA97CD5}" type="presParOf" srcId="{E6A445EE-D086-4B01-B491-D67950A5A065}" destId="{964E6811-5072-4466-B721-689C35A65029}" srcOrd="10" destOrd="0" presId="urn:microsoft.com/office/officeart/2005/8/layout/list1"/>
-  </dgm:cxnLst>
-  <dgm:bg/>
-  <dgm:whole/>
-  <dgm:extLst>
-    <a:ext uri="http://schemas.microsoft.com/office/drawing/2008/diagram">
-      <dsp:dataModelExt xmlns:dsp="http://schemas.microsoft.com/office/drawing/2008/diagram" relId="rId6" minVer="http://schemas.openxmlformats.org/drawingml/2006/diagram"/>
-    </a:ext>
-  </dgm:extLst>
-</dgm:dataModel>
-</file>
-
-<file path=ppt/diagrams/drawing1.xml><?xml version="1.0" encoding="utf-8"?>
-<dsp:drawing xmlns:dgm="http://schemas.openxmlformats.org/drawingml/2006/diagram" xmlns:dsp="http://schemas.microsoft.com/office/drawing/2008/diagram" xmlns:a="http://schemas.openxmlformats.org/drawingml/2006/main">
-  <dsp:spTree>
-    <dsp:nvGrpSpPr>
-      <dsp:cNvPr id="0" name=""/>
-      <dsp:cNvGrpSpPr/>
-    </dsp:nvGrpSpPr>
-    <dsp:grpSpPr/>
-  </dsp:spTree>
-</dsp:drawing>
-</file>
-
-<file path=ppt/diagrams/layout1.xml><?xml version="1.0" encoding="utf-8"?>
-<dgm:layoutDef xmlns:dgm="http://schemas.openxmlformats.org/drawingml/2006/diagram" xmlns:a="http://schemas.openxmlformats.org/drawingml/2006/main" uniqueId="urn:microsoft.com/office/officeart/2005/8/layout/list1">
-  <dgm:title val=""/>
-  <dgm:desc val=""/>
-  <dgm:catLst>
-    <dgm:cat type="list" pri="4000"/>
-  </dgm:catLst>
-  <dgm:sampData>
-    <dgm:dataModel>
-      <dgm:ptLst>
-        <dgm:pt modelId="0" type="doc"/>
-        <dgm:pt modelId="1">
-          <dgm:prSet phldr="1"/>
-        </dgm:pt>
-        <dgm:pt modelId="2">
-          <dgm:prSet phldr="1"/>
-        </dgm:pt>
-        <dgm:pt modelId="3">
-          <dgm:prSet phldr="1"/>
-        </dgm:pt>
-      </dgm:ptLst>
-      <dgm:cxnLst>
-        <dgm:cxn modelId="4" srcId="0" destId="1" srcOrd="0" destOrd="0"/>
-        <dgm:cxn modelId="5" srcId="0" destId="2" srcOrd="1" destOrd="0"/>
-        <dgm:cxn modelId="6" srcId="0" destId="3" srcOrd="2" destOrd="0"/>
-      </dgm:cxnLst>
-      <dgm:bg/>
-      <dgm:whole/>
-    </dgm:dataModel>
-  </dgm:sampData>
-  <dgm:styleData>
-    <dgm:dataModel>
-      <dgm:ptLst>
-        <dgm:pt modelId="0" type="doc"/>
-        <dgm:pt modelId="1"/>
-        <dgm:pt modelId="2"/>
-      </dgm:ptLst>
-      <dgm:cxnLst>
-        <dgm:cxn modelId="4" srcId="0" destId="1" srcOrd="0" destOrd="0"/>
-        <dgm:cxn modelId="5" srcId="0" destId="2" srcOrd="1" destOrd="0"/>
-      </dgm:cxnLst>
-      <dgm:bg/>
-      <dgm:whole/>
-    </dgm:dataModel>
-  </dgm:styleData>
-  <dgm:clrData>
-    <dgm:dataModel>
-      <dgm:ptLst>
-        <dgm:pt modelId="0" type="doc"/>
-        <dgm:pt modelId="1"/>
-        <dgm:pt modelId="2"/>
-        <dgm:pt modelId="3"/>
-        <dgm:pt modelId="4"/>
-      </dgm:ptLst>
-      <dgm:cxnLst>
-        <dgm:cxn modelId="5" srcId="0" destId="1" srcOrd="0" destOrd="0"/>
-        <dgm:cxn modelId="6" srcId="0" destId="2" srcOrd="1" destOrd="0"/>
-        <dgm:cxn modelId="7" srcId="0" destId="3" srcOrd="2" destOrd="0"/>
-        <dgm:cxn modelId="8" srcId="0" destId="4" srcOrd="3" destOrd="0"/>
-      </dgm:cxnLst>
-      <dgm:bg/>
-      <dgm:whole/>
-    </dgm:dataModel>
-  </dgm:clrData>
-  <dgm:layoutNode name="linear">
-    <dgm:varLst>
-      <dgm:dir/>
-      <dgm:animLvl val="lvl"/>
-      <dgm:resizeHandles val="exact"/>
-    </dgm:varLst>
-    <dgm:choose name="Name0">
-      <dgm:if name="Name1" func="var" arg="dir" op="equ" val="norm">
-        <dgm:alg type="lin">
-          <dgm:param type="linDir" val="fromT"/>
-          <dgm:param type="vertAlign" val="mid"/>
-          <dgm:param type="horzAlign" val="l"/>
-          <dgm:param type="nodeHorzAlign" val="l"/>
-        </dgm:alg>
-      </dgm:if>
-      <dgm:else name="Name2">
-        <dgm:alg type="lin">
-          <dgm:param type="linDir" val="fromT"/>
-          <dgm:param type="vertAlign" val="mid"/>
-          <dgm:param type="horzAlign" val="r"/>
-          <dgm:param type="nodeHorzAlign" val="r"/>
-        </dgm:alg>
-      </dgm:else>
-    </dgm:choose>
-    <dgm:shape xmlns:r="http://schemas.openxmlformats.org/officeDocument/2006/relationships" r:blip="">
-      <dgm:adjLst/>
-    </dgm:shape>
-    <dgm:presOf/>
-    <dgm:constrLst>
-      <dgm:constr type="w" for="ch" forName="parentLin" refType="w"/>
-      <dgm:constr type="h" for="ch" forName="parentLin" val="INF"/>
-      <dgm:constr type="w" for="des" forName="parentLeftMargin" refType="w" fact="0.05"/>
-      <dgm:constr type="w" for="des" forName="parentText" refType="w" fact="0.7"/>
-      <dgm:constr type="h" for="des" forName="parentText" refType="primFontSz" refFor="des" refForName="parentText" fact="0.82"/>
-      <dgm:constr type="h" for="ch" forName="negativeSpace" refType="primFontSz" refFor="des" refForName="parentText" fact="-0.41"/>
-      <dgm:constr type="h" for="ch" forName="negativeSpace" refType="h" refFor="des" refForName="parentText" op="lte" fact="-0.82"/>
-      <dgm:constr type="h" for="ch" forName="negativeSpace" refType="h" refFor="des" refForName="parentText" op="gte" fact="-0.82"/>
-      <dgm:constr type="w" for="ch" forName="childText" refType="w"/>
-      <dgm:constr type="h" for="ch" forName="childText" refType="primFontSz" refFor="des" refForName="parentText" fact="0.7"/>
-      <dgm:constr type="primFontSz" for="des" forName="parentText" val="65"/>
-      <dgm:constr type="primFontSz" for="ch" forName="childText" refType="primFontSz" refFor="des" refForName="parentText"/>
-      <dgm:constr type="tMarg" for="ch" forName="childText" refType="primFontSz" refFor="des" refForName="parentText" fact="1.64"/>
-      <dgm:constr type="tMarg" for="ch" forName="childText" refType="h" refFor="des" refForName="parentText" op="lte" fact="3.28"/>
-      <dgm:constr type="tMarg" for="ch" forName="childText" refType="h" refFor="des" refForName="parentText" op="gte" fact="3.28"/>
-      <dgm:constr type="lMarg" for="ch" forName="childText" refType="w" fact="0.22"/>
-      <dgm:constr type="rMarg" for="ch" forName="childText" refType="lMarg" refFor="ch" refForName="childText"/>
-      <dgm:constr type="lMarg" for="des" forName="parentText" refType="w" fact="0.075"/>
-      <dgm:constr type="rMarg" for="des" forName="parentText" refType="lMarg" refFor="des" refForName="parentText"/>
-      <dgm:constr type="h" for="ch" forName="spaceBetweenRectangles" refType="primFontSz" refFor="des" refForName="parentText" fact="0.15"/>
-    </dgm:constrLst>
-    <dgm:ruleLst>
-      <dgm:rule type="primFontSz" for="des" forName="parentText" val="5" fact="NaN" max="NaN"/>
-    </dgm:ruleLst>
-    <dgm:forEach name="Name3" axis="ch" ptType="node">
-      <dgm:layoutNode name="parentLin">
-        <dgm:choose name="Name4">
-          <dgm:if name="Name5" func="var" arg="dir" op="equ" val="norm">
-            <dgm:alg type="lin">
-              <dgm:param type="linDir" val="fromL"/>
-              <dgm:param type="horzAlign" val="l"/>
-              <dgm:param type="nodeHorzAlign" val="l"/>
-            </dgm:alg>
-          </dgm:if>
-          <dgm:else name="Name6">
-            <dgm:alg type="lin">
-              <dgm:param type="linDir" val="fromR"/>
-              <dgm:param type="horzAlign" val="r"/>
-              <dgm:param type="nodeHorzAlign" val="r"/>
-            </dgm:alg>
-          </dgm:else>
-        </dgm:choose>
-        <dgm:shape xmlns:r="http://schemas.openxmlformats.org/officeDocument/2006/relationships" r:blip="">
-          <dgm:adjLst/>
-        </dgm:shape>
-        <dgm:presOf/>
-        <dgm:constrLst/>
-        <dgm:ruleLst/>
-        <dgm:layoutNode name="parentLeftMargin">
-          <dgm:alg type="sp"/>
-          <dgm:shape xmlns:r="http://schemas.openxmlformats.org/officeDocument/2006/relationships" type="rect" r:blip="" hideGeom="1">
-            <dgm:adjLst/>
-          </dgm:shape>
-          <dgm:presOf axis="self"/>
-          <dgm:constrLst>
-            <dgm:constr type="h"/>
-          </dgm:constrLst>
-          <dgm:ruleLst/>
-        </dgm:layoutNode>
-        <dgm:layoutNode name="parentText" styleLbl="node1">
-          <dgm:varLst>
-            <dgm:chMax val="0"/>
-            <dgm:bulletEnabled val="1"/>
-          </dgm:varLst>
-          <dgm:choose name="Name7">
-            <dgm:if name="Name8" func="var" arg="dir" op="equ" val="norm">
-              <dgm:alg type="tx">
-                <dgm:param type="parTxLTRAlign" val="l"/>
-                <dgm:param type="parTxRTLAlign" val="l"/>
-              </dgm:alg>
-            </dgm:if>
-            <dgm:else name="Name9">
-              <dgm:alg type="tx">
-                <dgm:param type="parTxLTRAlign" val="r"/>
-                <dgm:param type="parTxRTLAlign" val="r"/>
-              </dgm:alg>
-            </dgm:else>
-          </dgm:choose>
-          <dgm:shape xmlns:r="http://schemas.openxmlformats.org/officeDocument/2006/relationships" type="roundRect" r:blip="">
-            <dgm:adjLst/>
-          </dgm:shape>
-          <dgm:presOf axis="self" ptType="node"/>
-          <dgm:constrLst>
-            <dgm:constr type="tMarg"/>
-            <dgm:constr type="bMarg"/>
-          </dgm:constrLst>
-          <dgm:ruleLst/>
-        </dgm:layoutNode>
-      </dgm:layoutNode>
-      <dgm:layoutNode name="negativeSpace">
-        <dgm:alg type="sp"/>
-        <dgm:shape xmlns:r="http://schemas.openxmlformats.org/officeDocument/2006/relationships" r:blip="">
-          <dgm:adjLst/>
-        </dgm:shape>
-        <dgm:presOf/>
-        <dgm:constrLst/>
-        <dgm:ruleLst/>
-      </dgm:layoutNode>
-      <dgm:layoutNode name="childText" styleLbl="conFgAcc1">
-        <dgm:varLst>
-          <dgm:bulletEnabled val="1"/>
-        </dgm:varLst>
-        <dgm:alg type="tx">
-          <dgm:param type="stBulletLvl" val="1"/>
-        </dgm:alg>
-        <dgm:shape xmlns:r="http://schemas.openxmlformats.org/officeDocument/2006/relationships" type="rect" r:blip="" zOrderOff="-2">
-          <dgm:adjLst/>
-        </dgm:shape>
-        <dgm:presOf axis="des" ptType="node"/>
-        <dgm:constrLst>
-          <dgm:constr type="secFontSz" refType="primFontSz"/>
-        </dgm:constrLst>
-        <dgm:ruleLst>
-          <dgm:rule type="h" val="INF" fact="NaN" max="NaN"/>
-        </dgm:ruleLst>
-      </dgm:layoutNode>
-      <dgm:forEach name="Name10" axis="followSib" ptType="sibTrans" cnt="1">
-        <dgm:layoutNode name="spaceBetweenRectangles">
-          <dgm:alg type="sp"/>
-          <dgm:shape xmlns:r="http://schemas.openxmlformats.org/officeDocument/2006/relationships" r:blip="">
-            <dgm:adjLst/>
-          </dgm:shape>
-          <dgm:presOf/>
-          <dgm:constrLst/>
-          <dgm:ruleLst/>
-        </dgm:layoutNode>
-      </dgm:forEach>
-    </dgm:forEach>
-  </dgm:layoutNode>
-</dgm:layoutDef>
-</file>
-
-<file path=ppt/diagrams/quickStyle1.xml><?xml version="1.0" encoding="utf-8"?>
-<dgm:styleDef xmlns:dgm="http://schemas.openxmlformats.org/drawingml/2006/diagram" xmlns:a="http://schemas.openxmlformats.org/drawingml/2006/main" uniqueId="urn:microsoft.com/office/officeart/2005/8/quickstyle/simple1">
-  <dgm:title val=""/>
-  <dgm:desc val=""/>
-  <dgm:catLst>
-    <dgm:cat type="simple" pri="10100"/>
-  </dgm:catLst>
-  <dgm:scene3d>
-    <a:camera prst="orthographicFront"/>
-    <a:lightRig rig="threePt" dir="t"/>
-  </dgm:scene3d>
-  <dgm:styleLbl name="node0">
-    <dgm:scene3d>
-      <a:camera prst="orthographicFront"/>
-      <a:lightRig rig="threePt" dir="t"/>
-    </dgm:scene3d>
-    <dgm:sp3d/>
-    <dgm:txPr/>
-    <dgm:style>
-      <a:lnRef idx="2">
-        <a:scrgbClr r="0" g="0" b="0"/>
-      </a:lnRef>
-      <a:fillRef idx="1">
-        <a:scrgbClr r="0" g="0" b="0"/>
-      </a:fillRef>
-      <a:effectRef idx="0">
-        <a:scrgbClr r="0" g="0" b="0"/>
-      </a:effectRef>
-      <a:fontRef idx="minor">
-        <a:schemeClr val="lt1"/>
-      </a:fontRef>
-    </dgm:style>
-  </dgm:styleLbl>
-  <dgm:styleLbl name="lnNode1">
-    <dgm:scene3d>
-      <a:camera prst="orthographicFront"/>
-      <a:lightRig rig="threePt" dir="t"/>
-    </dgm:scene3d>
-    <dgm:sp3d/>
-    <dgm:txPr/>
-    <dgm:style>
-      <a:lnRef idx="2">
-        <a:scrgbClr r="0" g="0" b="0"/>
-      </a:lnRef>
-      <a:fillRef idx="1">
-        <a:scrgbClr r="0" g="0" b="0"/>
-      </a:fillRef>
-      <a:effectRef idx="0">
-        <a:scrgbClr r="0" g="0" b="0"/>
-      </a:effectRef>
-      <a:fontRef idx="minor">
-        <a:schemeClr val="lt1"/>
-      </a:fontRef>
-    </dgm:style>
-  </dgm:styleLbl>
-  <dgm:styleLbl name="vennNode1">
-    <dgm:scene3d>
-      <a:camera prst="orthographicFront"/>
-      <a:lightRig rig="threePt" dir="t"/>
-    </dgm:scene3d>
-    <dgm:sp3d/>
-    <dgm:txPr/>
-    <dgm:style>
-      <a:lnRef idx="2">
-        <a:scrgbClr r="0" g="0" b="0"/>
-      </a:lnRef>
-      <a:fillRef idx="1">
-        <a:scrgbClr r="0" g="0" b="0"/>
-      </a:fillRef>
-      <a:effectRef idx="0">
-        <a:scrgbClr r="0" g="0" b="0"/>
-      </a:effectRef>
-      <a:fontRef idx="minor">
-        <a:schemeClr val="tx1"/>
-      </a:fontRef>
-    </dgm:style>
-  </dgm:styleLbl>
-  <dgm:styleLbl name="alignNode1">
-    <dgm:scene3d>
-      <a:camera prst="orthographicFront"/>
-      <a:lightRig rig="threePt" dir="t"/>
-    </dgm:scene3d>
-    <dgm:sp3d/>
-    <dgm:txPr/>
-    <dgm:style>
-      <a:lnRef idx="2">
-        <a:scrgbClr r="0" g="0" b="0"/>
-      </a:lnRef>
-      <a:fillRef idx="1">
-        <a:scrgbClr r="0" g="0" b="0"/>
-      </a:fillRef>
-      <a:effectRef idx="0">
-        <a:scrgbClr r="0" g="0" b="0"/>
-      </a:effectRef>
-      <a:fontRef idx="minor">
-        <a:schemeClr val="lt1"/>
-      </a:fontRef>
-    </dgm:style>
-  </dgm:styleLbl>
-  <dgm:styleLbl name="node1">
-    <dgm:scene3d>
-      <a:camera prst="orthographicFront"/>
-      <a:lightRig rig="threePt" dir="t"/>
-    </dgm:scene3d>
-    <dgm:sp3d/>
-    <dgm:txPr/>
-    <dgm:style>
-      <a:lnRef idx="2">
-        <a:scrgbClr r="0" g="0" b="0"/>
-      </a:lnRef>
-      <a:fillRef idx="1">
-        <a:scrgbClr r="0" g="0" b="0"/>
-      </a:fillRef>
-      <a:effectRef idx="0">
-        <a:scrgbClr r="0" g="0" b="0"/>
-      </a:effectRef>
-      <a:fontRef idx="minor">
-        <a:schemeClr val="lt1"/>
-      </a:fontRef>
-    </dgm:style>
-  </dgm:styleLbl>
-  <dgm:styleLbl name="node2">
-    <dgm:scene3d>
-      <a:camera prst="orthographicFront"/>
-      <a:lightRig rig="threePt" dir="t"/>
-    </dgm:scene3d>
-    <dgm:sp3d/>
-    <dgm:txPr/>
-    <dgm:style>
-      <a:lnRef idx="2">
-        <a:scrgbClr r="0" g="0" b="0"/>
-      </a:lnRef>
-      <a:fillRef idx="1">
-        <a:scrgbClr r="0" g="0" b="0"/>
-      </a:fillRef>
-      <a:effectRef idx="0">
-        <a:scrgbClr r="0" g="0" b="0"/>
-      </a:effectRef>
-      <a:fontRef idx="minor">
-        <a:schemeClr val="lt1"/>
-      </a:fontRef>
-    </dgm:style>
-  </dgm:styleLbl>
-  <dgm:styleLbl name="node3">
-    <dgm:scene3d>
-      <a:camera prst="orthographicFront"/>
-      <a:lightRig rig="threePt" dir="t"/>
-    </dgm:scene3d>
-    <dgm:sp3d/>
-    <dgm:txPr/>
-    <dgm:style>
-      <a:lnRef idx="2">
-        <a:scrgbClr r="0" g="0" b="0"/>
-      </a:lnRef>
-      <a:fillRef idx="1">
-        <a:scrgbClr r="0" g="0" b="0"/>
-      </a:fillRef>
-      <a:effectRef idx="0">
-        <a:scrgbClr r="0" g="0" b="0"/>
-      </a:effectRef>
-      <a:fontRef idx="minor">
-        <a:schemeClr val="lt1"/>
-      </a:fontRef>
-    </dgm:style>
-  </dgm:styleLbl>
-  <dgm:styleLbl name="node4">
-    <dgm:scene3d>
-      <a:camera prst="orthographicFront"/>
-      <a:lightRig rig="threePt" dir="t"/>
-    </dgm:scene3d>
-    <dgm:sp3d/>
-    <dgm:txPr/>
-    <dgm:style>
-      <a:lnRef idx="2">
-        <a:scrgbClr r="0" g="0" b="0"/>
-      </a:lnRef>
-      <a:fillRef idx="1">
-        <a:scrgbClr r="0" g="0" b="0"/>
-      </a:fillRef>
-      <a:effectRef idx="0">
-        <a:scrgbClr r="0" g="0" b="0"/>
-      </a:effectRef>
-      <a:fontRef idx="minor">
-        <a:schemeClr val="lt1"/>
-      </a:fontRef>
-    </dgm:style>
-  </dgm:styleLbl>
-  <dgm:styleLbl name="fgImgPlace1">
-    <dgm:scene3d>
-      <a:camera prst="orthographicFront"/>
-      <a:lightRig rig="threePt" dir="t"/>
-    </dgm:scene3d>
-    <dgm:sp3d/>
-    <dgm:txPr/>
-    <dgm:style>
-      <a:lnRef idx="2">
-        <a:scrgbClr r="0" g="0" b="0"/>
-      </a:lnRef>
-      <a:fillRef idx="1">
-        <a:scrgbClr r="0" g="0" b="0"/>
-      </a:fillRef>
-      <a:effectRef idx="0">
-        <a:scrgbClr r="0" g="0" b="0"/>
-      </a:effectRef>
-      <a:fontRef idx="minor"/>
-    </dgm:style>
-  </dgm:styleLbl>
-  <dgm:styleLbl name="alignImgPlace1">
-    <dgm:scene3d>
-      <a:camera prst="orthographicFront"/>
-      <a:lightRig rig="threePt" dir="t"/>
-    </dgm:scene3d>
-    <dgm:sp3d/>
-    <dgm:txPr/>
-    <dgm:style>
-      <a:lnRef idx="2">
-        <a:scrgbClr r="0" g="0" b="0"/>
-      </a:lnRef>
-      <a:fillRef idx="1">
-        <a:scrgbClr r="0" g="0" b="0"/>
-      </a:fillRef>
-      <a:effectRef idx="0">
-        <a:scrgbClr r="0" g="0" b="0"/>
-      </a:effectRef>
-      <a:fontRef idx="minor"/>
-    </dgm:style>
-  </dgm:styleLbl>
-  <dgm:styleLbl name="bgImgPlace1">
-    <dgm:scene3d>
-      <a:camera prst="orthographicFront"/>
-      <a:lightRig rig="threePt" dir="t"/>
-    </dgm:scene3d>
-    <dgm:sp3d/>
-    <dgm:txPr/>
-    <dgm:style>
-      <a:lnRef idx="2">
-        <a:scrgbClr r="0" g="0" b="0"/>
-      </a:lnRef>
-      <a:fillRef idx="1">
-        <a:scrgbClr r="0" g="0" b="0"/>
-      </a:fillRef>
-      <a:effectRef idx="0">
-        <a:scrgbClr r="0" g="0" b="0"/>
-      </a:effectRef>
-      <a:fontRef idx="minor"/>
-    </dgm:style>
-  </dgm:styleLbl>
-  <dgm:styleLbl name="sibTrans2D1">
-    <dgm:scene3d>
-      <a:camera prst="orthographicFront"/>
-      <a:lightRig rig="threePt" dir="t"/>
-    </dgm:scene3d>
-    <dgm:sp3d/>
-    <dgm:txPr/>
-    <dgm:style>
-      <a:lnRef idx="0">
-        <a:scrgbClr r="0" g="0" b="0"/>
-      </a:lnRef>
-      <a:fillRef idx="1">
-        <a:scrgbClr r="0" g="0" b="0"/>
-      </a:fillRef>
-      <a:effectRef idx="0">
-        <a:scrgbClr r="0" g="0" b="0"/>
-      </a:effectRef>
-      <a:fontRef idx="minor">
-        <a:schemeClr val="lt1"/>
-      </a:fontRef>
-    </dgm:style>
-  </dgm:styleLbl>
-  <dgm:styleLbl name="fgSibTrans2D1">
-    <dgm:scene3d>
-      <a:camera prst="orthographicFront"/>
-      <a:lightRig rig="threePt" dir="t"/>
-    </dgm:scene3d>
-    <dgm:sp3d/>
-    <dgm:txPr/>
-    <dgm:style>
-      <a:lnRef idx="0">
-        <a:scrgbClr r="0" g="0" b="0"/>
-      </a:lnRef>
-      <a:fillRef idx="1">
-        <a:scrgbClr r="0" g="0" b="0"/>
-      </a:fillRef>
-      <a:effectRef idx="0">
-        <a:scrgbClr r="0" g="0" b="0"/>
-      </a:effectRef>
-      <a:fontRef idx="minor">
-        <a:schemeClr val="lt1"/>
-      </a:fontRef>
-    </dgm:style>
-  </dgm:styleLbl>
-  <dgm:styleLbl name="bgSibTrans2D1">
-    <dgm:scene3d>
-      <a:camera prst="orthographicFront"/>
-      <a:lightRig rig="threePt" dir="t"/>
-    </dgm:scene3d>
-    <dgm:sp3d/>
-    <dgm:txPr/>
-    <dgm:style>
-      <a:lnRef idx="0">
-        <a:scrgbClr r="0" g="0" b="0"/>
-      </a:lnRef>
-      <a:fillRef idx="1">
-        <a:scrgbClr r="0" g="0" b="0"/>
-      </a:fillRef>
-      <a:effectRef idx="0">
-        <a:scrgbClr r="0" g="0" b="0"/>
-      </a:effectRef>
-      <a:fontRef idx="minor">
-        <a:schemeClr val="lt1"/>
-      </a:fontRef>
-    </dgm:style>
-  </dgm:styleLbl>
-  <dgm:styleLbl name="sibTrans1D1">
-    <dgm:scene3d>
-      <a:camera prst="orthographicFront"/>
-      <a:lightRig rig="threePt" dir="t"/>
-    </dgm:scene3d>
-    <dgm:sp3d/>
-    <dgm:txPr/>
-    <dgm:style>
-      <a:lnRef idx="1">
-        <a:scrgbClr r="0" g="0" b="0"/>
-      </a:lnRef>
-      <a:fillRef idx="0">
-        <a:scrgbClr r="0" g="0" b="0"/>
-      </a:fillRef>
-      <a:effectRef idx="0">
-        <a:scrgbClr r="0" g="0" b="0"/>
-      </a:effectRef>
-      <a:fontRef idx="minor"/>
-    </dgm:style>
-  </dgm:styleLbl>
-  <dgm:styleLbl name="callout">
-    <dgm:scene3d>
-      <a:camera prst="orthographicFront"/>
-      <a:lightRig rig="threePt" dir="t"/>
-    </dgm:scene3d>
-    <dgm:sp3d/>
-    <dgm:txPr/>
-    <dgm:style>
-      <a:lnRef idx="2">
-        <a:scrgbClr r="0" g="0" b="0"/>
-      </a:lnRef>
-      <a:fillRef idx="1">
-        <a:scrgbClr r="0" g="0" b="0"/>
-      </a:fillRef>
-      <a:effectRef idx="0">
-        <a:scrgbClr r="0" g="0" b="0"/>
-      </a:effectRef>
-      <a:fontRef idx="minor"/>
-    </dgm:style>
-  </dgm:styleLbl>
-  <dgm:styleLbl name="asst0">
-    <dgm:scene3d>
-      <a:camera prst="orthographicFront"/>
-      <a:lightRig rig="threePt" dir="t"/>
-    </dgm:scene3d>
-    <dgm:sp3d/>
-    <dgm:txPr/>
-    <dgm:style>
-      <a:lnRef idx="2">
-        <a:scrgbClr r="0" g="0" b="0"/>
-      </a:lnRef>
-      <a:fillRef idx="1">
-        <a:scrgbClr r="0" g="0" b="0"/>
-      </a:fillRef>
-      <a:effectRef idx="0">
-        <a:scrgbClr r="0" g="0" b="0"/>
-      </a:effectRef>
-      <a:fontRef idx="minor">
-        <a:schemeClr val="lt1"/>
-      </a:fontRef>
-    </dgm:style>
-  </dgm:styleLbl>
-  <dgm:styleLbl name="asst1">
-    <dgm:scene3d>
-      <a:camera prst="orthographicFront"/>
-      <a:lightRig rig="threePt" dir="t"/>
-    </dgm:scene3d>
-    <dgm:sp3d/>
-    <dgm:txPr/>
-    <dgm:style>
-      <a:lnRef idx="2">
-        <a:scrgbClr r="0" g="0" b="0"/>
-      </a:lnRef>
-      <a:fillRef idx="1">
-        <a:scrgbClr r="0" g="0" b="0"/>
-      </a:fillRef>
-      <a:effectRef idx="0">
-        <a:scrgbClr r="0" g="0" b="0"/>
-      </a:effectRef>
-      <a:fontRef idx="minor">
-        <a:schemeClr val="lt1"/>
-      </a:fontRef>
-    </dgm:style>
-  </dgm:styleLbl>
-  <dgm:styleLbl name="asst2">
-    <dgm:scene3d>
-      <a:camera prst="orthographicFront"/>
-      <a:lightRig rig="threePt" dir="t"/>
-    </dgm:scene3d>
-    <dgm:sp3d/>
-    <dgm:txPr/>
-    <dgm:style>
-      <a:lnRef idx="2">
-        <a:scrgbClr r="0" g="0" b="0"/>
-      </a:lnRef>
-      <a:fillRef idx="1">
-        <a:scrgbClr r="0" g="0" b="0"/>
-      </a:fillRef>
-      <a:effectRef idx="0">
-        <a:scrgbClr r="0" g="0" b="0"/>
-      </a:effectRef>
-      <a:fontRef idx="minor">
-        <a:schemeClr val="lt1"/>
-      </a:fontRef>
-    </dgm:style>
-  </dgm:styleLbl>
-  <dgm:styleLbl name="asst3">
-    <dgm:scene3d>
-      <a:camera prst="orthographicFront"/>
-      <a:lightRig rig="threePt" dir="t"/>
-    </dgm:scene3d>
-    <dgm:sp3d/>
-    <dgm:txPr/>
-    <dgm:style>
-      <a:lnRef idx="2">
-        <a:scrgbClr r="0" g="0" b="0"/>
-      </a:lnRef>
-      <a:fillRef idx="1">
-        <a:scrgbClr r="0" g="0" b="0"/>
-      </a:fillRef>
-      <a:effectRef idx="0">
-        <a:scrgbClr r="0" g="0" b="0"/>
-      </a:effectRef>
-      <a:fontRef idx="minor">
-        <a:schemeClr val="lt1"/>
-      </a:fontRef>
-    </dgm:style>
-  </dgm:styleLbl>
-  <dgm:styleLbl name="asst4">
-    <dgm:scene3d>
-      <a:camera prst="orthographicFront"/>
-      <a:lightRig rig="threePt" dir="t"/>
-    </dgm:scene3d>
-    <dgm:sp3d/>
-    <dgm:txPr/>
-    <dgm:style>
-      <a:lnRef idx="2">
-        <a:scrgbClr r="0" g="0" b="0"/>
-      </a:lnRef>
-      <a:fillRef idx="1">
-        <a:scrgbClr r="0" g="0" b="0"/>
-      </a:fillRef>
-      <a:effectRef idx="0">
-        <a:scrgbClr r="0" g="0" b="0"/>
-      </a:effectRef>
-      <a:fontRef idx="minor">
-        <a:schemeClr val="lt1"/>
-      </a:fontRef>
-    </dgm:style>
-  </dgm:styleLbl>
-  <dgm:styleLbl name="parChTrans2D1">
-    <dgm:scene3d>
-      <a:camera prst="orthographicFront"/>
-      <a:lightRig rig="threePt" dir="t"/>
-    </dgm:scene3d>
-    <dgm:sp3d/>
-    <dgm:txPr/>
-    <dgm:style>
-      <a:lnRef idx="2">
-        <a:scrgbClr r="0" g="0" b="0"/>
-      </a:lnRef>
-      <a:fillRef idx="1">
-        <a:scrgbClr r="0" g="0" b="0"/>
-      </a:fillRef>
-      <a:effectRef idx="0">
-        <a:scrgbClr r="0" g="0" b="0"/>
-      </a:effectRef>
-      <a:fontRef idx="minor">
-        <a:schemeClr val="lt1"/>
-      </a:fontRef>
-    </dgm:style>
-  </dgm:styleLbl>
-  <dgm:styleLbl name="parChTrans2D2">
-    <dgm:scene3d>
-      <a:camera prst="orthographicFront"/>
-      <a:lightRig rig="threePt" dir="t"/>
-    </dgm:scene3d>
-    <dgm:sp3d/>
-    <dgm:txPr/>
-    <dgm:style>
-      <a:lnRef idx="2">
-        <a:scrgbClr r="0" g="0" b="0"/>
-      </a:lnRef>
-      <a:fillRef idx="1">
-        <a:scrgbClr r="0" g="0" b="0"/>
-      </a:fillRef>
-      <a:effectRef idx="0">
-        <a:scrgbClr r="0" g="0" b="0"/>
-      </a:effectRef>
-      <a:fontRef idx="minor">
-        <a:schemeClr val="lt1"/>
-      </a:fontRef>
-    </dgm:style>
-  </dgm:styleLbl>
-  <dgm:styleLbl name="parChTrans2D3">
-    <dgm:scene3d>
-      <a:camera prst="orthographicFront"/>
-      <a:lightRig rig="threePt" dir="t"/>
-    </dgm:scene3d>
-    <dgm:sp3d/>
-    <dgm:txPr/>
-    <dgm:style>
-      <a:lnRef idx="2">
-        <a:scrgbClr r="0" g="0" b="0"/>
-      </a:lnRef>
-      <a:fillRef idx="1">
-        <a:scrgbClr r="0" g="0" b="0"/>
-      </a:fillRef>
-      <a:effectRef idx="0">
-        <a:scrgbClr r="0" g="0" b="0"/>
-      </a:effectRef>
-      <a:fontRef idx="minor">
-        <a:schemeClr val="lt1"/>
-      </a:fontRef>
-    </dgm:style>
-  </dgm:styleLbl>
-  <dgm:styleLbl name="parChTrans2D4">
-    <dgm:scene3d>
-      <a:camera prst="orthographicFront"/>
-      <a:lightRig rig="threePt" dir="t"/>
-    </dgm:scene3d>
-    <dgm:sp3d/>
-    <dgm:txPr/>
-    <dgm:style>
-      <a:lnRef idx="2">
-        <a:scrgbClr r="0" g="0" b="0"/>
-      </a:lnRef>
-      <a:fillRef idx="1">
-        <a:scrgbClr r="0" g="0" b="0"/>
-      </a:fillRef>
-      <a:effectRef idx="0">
-        <a:scrgbClr r="0" g="0" b="0"/>
-      </a:effectRef>
-      <a:fontRef idx="minor">
-        <a:schemeClr val="lt1"/>
-      </a:fontRef>
-    </dgm:style>
-  </dgm:styleLbl>
-  <dgm:styleLbl name="parChTrans1D1">
-    <dgm:scene3d>
-      <a:camera prst="orthographicFront"/>
-      <a:lightRig rig="threePt" dir="t"/>
-    </dgm:scene3d>
-    <dgm:sp3d/>
-    <dgm:txPr/>
-    <dgm:style>
-      <a:lnRef idx="2">
-        <a:scrgbClr r="0" g="0" b="0"/>
-      </a:lnRef>
-      <a:fillRef idx="0">
-        <a:scrgbClr r="0" g="0" b="0"/>
-      </a:fillRef>
-      <a:effectRef idx="0">
-        <a:scrgbClr r="0" g="0" b="0"/>
-      </a:effectRef>
-      <a:fontRef idx="minor"/>
-    </dgm:style>
-  </dgm:styleLbl>
-  <dgm:styleLbl name="parChTrans1D2">
-    <dgm:scene3d>
-      <a:camera prst="orthographicFront"/>
-      <a:lightRig rig="threePt" dir="t"/>
-    </dgm:scene3d>
-    <dgm:sp3d/>
-    <dgm:txPr/>
-    <dgm:style>
-      <a:lnRef idx="2">
-        <a:scrgbClr r="0" g="0" b="0"/>
-      </a:lnRef>
-      <a:fillRef idx="0">
-        <a:scrgbClr r="0" g="0" b="0"/>
-      </a:fillRef>
-      <a:effectRef idx="0">
-        <a:scrgbClr r="0" g="0" b="0"/>
-      </a:effectRef>
-      <a:fontRef idx="minor"/>
-    </dgm:style>
-  </dgm:styleLbl>
-  <dgm:styleLbl name="parChTrans1D3">
-    <dgm:scene3d>
-      <a:camera prst="orthographicFront"/>
-      <a:lightRig rig="threePt" dir="t"/>
-    </dgm:scene3d>
-    <dgm:sp3d/>
-    <dgm:txPr/>
-    <dgm:style>
-      <a:lnRef idx="2">
-        <a:scrgbClr r="0" g="0" b="0"/>
-      </a:lnRef>
-      <a:fillRef idx="0">
-        <a:scrgbClr r="0" g="0" b="0"/>
-      </a:fillRef>
-      <a:effectRef idx="0">
-        <a:scrgbClr r="0" g="0" b="0"/>
-      </a:effectRef>
-      <a:fontRef idx="minor"/>
-    </dgm:style>
-  </dgm:styleLbl>
-  <dgm:styleLbl name="parChTrans1D4">
-    <dgm:scene3d>
-      <a:camera prst="orthographicFront"/>
-      <a:lightRig rig="threePt" dir="t"/>
-    </dgm:scene3d>
-    <dgm:sp3d/>
-    <dgm:txPr/>
-    <dgm:style>
-      <a:lnRef idx="2">
-        <a:scrgbClr r="0" g="0" b="0"/>
-      </a:lnRef>
-      <a:fillRef idx="0">
-        <a:scrgbClr r="0" g="0" b="0"/>
-      </a:fillRef>
-      <a:effectRef idx="0">
-        <a:scrgbClr r="0" g="0" b="0"/>
-      </a:effectRef>
-      <a:fontRef idx="minor"/>
-    </dgm:style>
-  </dgm:styleLbl>
-  <dgm:styleLbl name="fgAcc1">
-    <dgm:scene3d>
-      <a:camera prst="orthographicFront"/>
-      <a:lightRig rig="threePt" dir="t"/>
-    </dgm:scene3d>
-    <dgm:sp3d/>
-    <dgm:txPr/>
-    <dgm:style>
-      <a:lnRef idx="2">
-        <a:scrgbClr r="0" g="0" b="0"/>
-      </a:lnRef>
-      <a:fillRef idx="1">
-        <a:scrgbClr r="0" g="0" b="0"/>
-      </a:fillRef>
-      <a:effectRef idx="0">
-        <a:scrgbClr r="0" g="0" b="0"/>
-      </a:effectRef>
-      <a:fontRef idx="minor"/>
-    </dgm:style>
-  </dgm:styleLbl>
-  <dgm:styleLbl name="conFgAcc1">
-    <dgm:scene3d>
-      <a:camera prst="orthographicFront"/>
-      <a:lightRig rig="threePt" dir="t"/>
-    </dgm:scene3d>
-    <dgm:sp3d/>
-    <dgm:txPr/>
-    <dgm:style>
-      <a:lnRef idx="2">
-        <a:scrgbClr r="0" g="0" b="0"/>
-      </a:lnRef>
-      <a:fillRef idx="1">
-        <a:scrgbClr r="0" g="0" b="0"/>
-      </a:fillRef>
-      <a:effectRef idx="0">
-        <a:scrgbClr r="0" g="0" b="0"/>
-      </a:effectRef>
-      <a:fontRef idx="minor"/>
-    </dgm:style>
-  </dgm:styleLbl>
-  <dgm:styleLbl name="alignAcc1">
-    <dgm:scene3d>
-      <a:camera prst="orthographicFront"/>
-      <a:lightRig rig="threePt" dir="t"/>
-    </dgm:scene3d>
-    <dgm:sp3d/>
-    <dgm:txPr/>
-    <dgm:style>
-      <a:lnRef idx="2">
-        <a:scrgbClr r="0" g="0" b="0"/>
-      </a:lnRef>
-      <a:fillRef idx="1">
-        <a:scrgbClr r="0" g="0" b="0"/>
-      </a:fillRef>
-      <a:effectRef idx="0">
-        <a:scrgbClr r="0" g="0" b="0"/>
-      </a:effectRef>
-      <a:fontRef idx="minor"/>
-    </dgm:style>
-  </dgm:styleLbl>
-  <dgm:styleLbl name="trAlignAcc1">
-    <dgm:scene3d>
-      <a:camera prst="orthographicFront"/>
-      <a:lightRig rig="threePt" dir="t"/>
-    </dgm:scene3d>
-    <dgm:sp3d/>
-    <dgm:txPr/>
-    <dgm:style>
-      <a:lnRef idx="1">
-        <a:scrgbClr r="0" g="0" b="0"/>
-      </a:lnRef>
-      <a:fillRef idx="1">
-        <a:scrgbClr r="0" g="0" b="0"/>
-      </a:fillRef>
-      <a:effectRef idx="0">
-        <a:scrgbClr r="0" g="0" b="0"/>
-      </a:effectRef>
-      <a:fontRef idx="minor"/>
-    </dgm:style>
-  </dgm:styleLbl>
-  <dgm:styleLbl name="bgAcc1">
-    <dgm:scene3d>
-      <a:camera prst="orthographicFront"/>
-      <a:lightRig rig="threePt" dir="t"/>
-    </dgm:scene3d>
-    <dgm:sp3d/>
-    <dgm:txPr/>
-    <dgm:style>
-      <a:lnRef idx="2">
-        <a:scrgbClr r="0" g="0" b="0"/>
-      </a:lnRef>
-      <a:fillRef idx="1">
-        <a:scrgbClr r="0" g="0" b="0"/>
-      </a:fillRef>
-      <a:effectRef idx="0">
-        <a:scrgbClr r="0" g="0" b="0"/>
-      </a:effectRef>
-      <a:fontRef idx="minor"/>
-    </dgm:style>
-  </dgm:styleLbl>
-  <dgm:styleLbl name="solidFgAcc1">
-    <dgm:scene3d>
-      <a:camera prst="orthographicFront"/>
-      <a:lightRig rig="threePt" dir="t"/>
-    </dgm:scene3d>
-    <dgm:sp3d/>
-    <dgm:txPr/>
-    <dgm:style>
-      <a:lnRef idx="2">
-        <a:scrgbClr r="0" g="0" b="0"/>
-      </a:lnRef>
-      <a:fillRef idx="1">
-        <a:scrgbClr r="0" g="0" b="0"/>
-      </a:fillRef>
-      <a:effectRef idx="0">
-        <a:scrgbClr r="0" g="0" b="0"/>
-      </a:effectRef>
-      <a:fontRef idx="minor"/>
-    </dgm:style>
-  </dgm:styleLbl>
-  <dgm:styleLbl name="solidAlignAcc1">
-    <dgm:scene3d>
-      <a:camera prst="orthographicFront"/>
-      <a:lightRig rig="threePt" dir="t"/>
-    </dgm:scene3d>
-    <dgm:sp3d/>
-    <dgm:txPr/>
-    <dgm:style>
-      <a:lnRef idx="2">
-        <a:scrgbClr r="0" g="0" b="0"/>
-      </a:lnRef>
-      <a:fillRef idx="1">
-        <a:scrgbClr r="0" g="0" b="0"/>
-      </a:fillRef>
-      <a:effectRef idx="0">
-        <a:scrgbClr r="0" g="0" b="0"/>
-      </a:effectRef>
-      <a:fontRef idx="minor"/>
-    </dgm:style>
-  </dgm:styleLbl>
-  <dgm:styleLbl name="solidBgAcc1">
-    <dgm:scene3d>
-      <a:camera prst="orthographicFront"/>
-      <a:lightRig rig="threePt" dir="t"/>
-    </dgm:scene3d>
-    <dgm:sp3d/>
-    <dgm:txPr/>
-    <dgm:style>
-      <a:lnRef idx="2">
-        <a:scrgbClr r="0" g="0" b="0"/>
-      </a:lnRef>
-      <a:fillRef idx="1">
-        <a:scrgbClr r="0" g="0" b="0"/>
-      </a:fillRef>
-      <a:effectRef idx="0">
-        <a:scrgbClr r="0" g="0" b="0"/>
-      </a:effectRef>
-      <a:fontRef idx="minor"/>
-    </dgm:style>
-  </dgm:styleLbl>
-  <dgm:styleLbl name="fgAccFollowNode1">
-    <dgm:scene3d>
-      <a:camera prst="orthographicFront"/>
-      <a:lightRig rig="threePt" dir="t"/>
-    </dgm:scene3d>
-    <dgm:sp3d/>
-    <dgm:txPr/>
-    <dgm:style>
-      <a:lnRef idx="2">
-        <a:scrgbClr r="0" g="0" b="0"/>
-      </a:lnRef>
-      <a:fillRef idx="1">
-        <a:scrgbClr r="0" g="0" b="0"/>
-      </a:fillRef>
-      <a:effectRef idx="0">
-        <a:scrgbClr r="0" g="0" b="0"/>
-      </a:effectRef>
-      <a:fontRef idx="minor"/>
-    </dgm:style>
-  </dgm:styleLbl>
-  <dgm:styleLbl name="alignAccFollowNode1">
-    <dgm:scene3d>
-      <a:camera prst="orthographicFront"/>
-      <a:lightRig rig="threePt" dir="t"/>
-    </dgm:scene3d>
-    <dgm:sp3d/>
-    <dgm:txPr/>
-    <dgm:style>
-      <a:lnRef idx="2">
-        <a:scrgbClr r="0" g="0" b="0"/>
-      </a:lnRef>
-      <a:fillRef idx="1">
-        <a:scrgbClr r="0" g="0" b="0"/>
-      </a:fillRef>
-      <a:effectRef idx="0">
-        <a:scrgbClr r="0" g="0" b="0"/>
-      </a:effectRef>
-      <a:fontRef idx="minor"/>
-    </dgm:style>
-  </dgm:styleLbl>
-  <dgm:styleLbl name="bgAccFollowNode1">
-    <dgm:scene3d>
-      <a:camera prst="orthographicFront"/>
-      <a:lightRig rig="threePt" dir="t"/>
-    </dgm:scene3d>
-    <dgm:sp3d/>
-    <dgm:txPr/>
-    <dgm:style>
-      <a:lnRef idx="2">
-        <a:scrgbClr r="0" g="0" b="0"/>
-      </a:lnRef>
-      <a:fillRef idx="1">
-        <a:scrgbClr r="0" g="0" b="0"/>
-      </a:fillRef>
-      <a:effectRef idx="0">
-        <a:scrgbClr r="0" g="0" b="0"/>
-      </a:effectRef>
-      <a:fontRef idx="minor"/>
-    </dgm:style>
-  </dgm:styleLbl>
-  <dgm:styleLbl name="fgAcc0">
-    <dgm:scene3d>
-      <a:camera prst="orthographicFront"/>
-      <a:lightRig rig="threePt" dir="t"/>
-    </dgm:scene3d>
-    <dgm:sp3d/>
-    <dgm:txPr/>
-    <dgm:style>
-      <a:lnRef idx="2">
-        <a:scrgbClr r="0" g="0" b="0"/>
-      </a:lnRef>
-      <a:fillRef idx="1">
-        <a:scrgbClr r="0" g="0" b="0"/>
-      </a:fillRef>
-      <a:effectRef idx="0">
-        <a:scrgbClr r="0" g="0" b="0"/>
-      </a:effectRef>
-      <a:fontRef idx="minor"/>
-    </dgm:style>
-  </dgm:styleLbl>
-  <dgm:styleLbl name="fgAcc2">
-    <dgm:scene3d>
-      <a:camera prst="orthographicFront"/>
-      <a:lightRig rig="threePt" dir="t"/>
-    </dgm:scene3d>
-    <dgm:sp3d/>
-    <dgm:txPr/>
-    <dgm:style>
-      <a:lnRef idx="2">
-        <a:scrgbClr r="0" g="0" b="0"/>
-      </a:lnRef>
-      <a:fillRef idx="1">
-        <a:scrgbClr r="0" g="0" b="0"/>
-      </a:fillRef>
-      <a:effectRef idx="0">
-        <a:scrgbClr r="0" g="0" b="0"/>
-      </a:effectRef>
-      <a:fontRef idx="minor"/>
-    </dgm:style>
-  </dgm:styleLbl>
-  <dgm:styleLbl name="fgAcc3">
-    <dgm:scene3d>
-      <a:camera prst="orthographicFront"/>
-      <a:lightRig rig="threePt" dir="t"/>
-    </dgm:scene3d>
-    <dgm:sp3d/>
-    <dgm:txPr/>
-    <dgm:style>
-      <a:lnRef idx="2">
-        <a:scrgbClr r="0" g="0" b="0"/>
-      </a:lnRef>
-      <a:fillRef idx="1">
-        <a:scrgbClr r="0" g="0" b="0"/>
-      </a:fillRef>
-      <a:effectRef idx="0">
-        <a:scrgbClr r="0" g="0" b="0"/>
-      </a:effectRef>
-      <a:fontRef idx="minor"/>
-    </dgm:style>
-  </dgm:styleLbl>
-  <dgm:styleLbl name="fgAcc4">
-    <dgm:scene3d>
-      <a:camera prst="orthographicFront"/>
-      <a:lightRig rig="threePt" dir="t"/>
-    </dgm:scene3d>
-    <dgm:sp3d/>
-    <dgm:txPr/>
-    <dgm:style>
-      <a:lnRef idx="2">
-        <a:scrgbClr r="0" g="0" b="0"/>
-      </a:lnRef>
-      <a:fillRef idx="1">
-        <a:scrgbClr r="0" g="0" b="0"/>
-      </a:fillRef>
-      <a:effectRef idx="0">
-        <a:scrgbClr r="0" g="0" b="0"/>
-      </a:effectRef>
-      <a:fontRef idx="minor"/>
-    </dgm:style>
-  </dgm:styleLbl>
-  <dgm:styleLbl name="bgShp">
-    <dgm:scene3d>
-      <a:camera prst="orthographicFront"/>
-      <a:lightRig rig="threePt" dir="t"/>
-    </dgm:scene3d>
-    <dgm:sp3d/>
-    <dgm:txPr/>
-    <dgm:style>
-      <a:lnRef idx="0">
-        <a:scrgbClr r="0" g="0" b="0"/>
-      </a:lnRef>
-      <a:fillRef idx="1">
-        <a:scrgbClr r="0" g="0" b="0"/>
-      </a:fillRef>
-      <a:effectRef idx="0">
-        <a:scrgbClr r="0" g="0" b="0"/>
-      </a:effectRef>
-      <a:fontRef idx="minor"/>
-    </dgm:style>
-  </dgm:styleLbl>
-  <dgm:styleLbl name="dkBgShp">
-    <dgm:scene3d>
-      <a:camera prst="orthographicFront"/>
-      <a:lightRig rig="threePt" dir="t"/>
-    </dgm:scene3d>
-    <dgm:sp3d/>
-    <dgm:txPr/>
-    <dgm:style>
-      <a:lnRef idx="0">
-        <a:scrgbClr r="0" g="0" b="0"/>
-      </a:lnRef>
-      <a:fillRef idx="1">
-        <a:scrgbClr r="0" g="0" b="0"/>
-      </a:fillRef>
-      <a:effectRef idx="0">
-        <a:scrgbClr r="0" g="0" b="0"/>
-      </a:effectRef>
-      <a:fontRef idx="minor"/>
-    </dgm:style>
-  </dgm:styleLbl>
-  <dgm:styleLbl name="trBgShp">
-    <dgm:scene3d>
-      <a:camera prst="orthographicFront"/>
-      <a:lightRig rig="threePt" dir="t"/>
-    </dgm:scene3d>
-    <dgm:sp3d/>
-    <dgm:txPr/>
-    <dgm:style>
-      <a:lnRef idx="0">
-        <a:scrgbClr r="0" g="0" b="0"/>
-      </a:lnRef>
-      <a:fillRef idx="1">
-        <a:scrgbClr r="0" g="0" b="0"/>
-      </a:fillRef>
-      <a:effectRef idx="0">
-        <a:scrgbClr r="0" g="0" b="0"/>
-      </a:effectRef>
-      <a:fontRef idx="minor"/>
-    </dgm:style>
-  </dgm:styleLbl>
-  <dgm:styleLbl name="fgShp">
-    <dgm:scene3d>
-      <a:camera prst="orthographicFront"/>
-      <a:lightRig rig="threePt" dir="t"/>
-    </dgm:scene3d>
-    <dgm:sp3d/>
-    <dgm:txPr/>
-    <dgm:style>
-      <a:lnRef idx="2">
-        <a:scrgbClr r="0" g="0" b="0"/>
-      </a:lnRef>
-      <a:fillRef idx="1">
-        <a:scrgbClr r="0" g="0" b="0"/>
-      </a:fillRef>
-      <a:effectRef idx="0">
-        <a:scrgbClr r="0" g="0" b="0"/>
-      </a:effectRef>
-      <a:fontRef idx="minor"/>
-    </dgm:style>
-  </dgm:styleLbl>
-  <dgm:styleLbl name="revTx">
-    <dgm:scene3d>
-      <a:camera prst="orthographicFront"/>
-      <a:lightRig rig="threePt" dir="t"/>
-    </dgm:scene3d>
-    <dgm:sp3d/>
-    <dgm:txPr/>
-    <dgm:style>
-      <a:lnRef idx="0">
-        <a:scrgbClr r="0" g="0" b="0"/>
-      </a:lnRef>
-      <a:fillRef idx="0">
-        <a:scrgbClr r="0" g="0" b="0"/>
-      </a:fillRef>
-      <a:effectRef idx="0">
-        <a:scrgbClr r="0" g="0" b="0"/>
-      </a:effectRef>
-      <a:fontRef idx="minor"/>
-    </dgm:style>
-  </dgm:styleLbl>
-</dgm:styleDef>
-</file>
-
 <file path=ppt/handoutMasters/handoutMaster1.xml><?xml version="1.0" encoding="utf-8"?>
 <p:handoutMaster xmlns:a="http://schemas.openxmlformats.org/drawingml/2006/main" xmlns:r="http://schemas.openxmlformats.org/officeDocument/2006/relationships" xmlns:p="http://schemas.openxmlformats.org/presentationml/2006/main">
   <p:cSld>
@@ -3796,7 +262,7 @@
           <a:p>
             <a:fld id="{30E6E22E-288A-414B-A8DE-E4DBD03D5FC0}" type="datetimeFigureOut">
               <a:rPr lang="en-US"/>
-              <a:t>11/6/2017</a:t>
+              <a:t>11/9/2017</a:t>
             </a:fld>
             <a:endParaRPr/>
           </a:p>
@@ -3961,7 +427,7 @@
           <a:p>
             <a:fld id="{39A9AE7E-E0F9-4C51-AD9A-F4C3A6E23BBF}" type="datetimeFigureOut">
               <a:rPr lang="en-US"/>
-              <a:t>11/6/2017</a:t>
+              <a:t>11/9/2017</a:t>
             </a:fld>
             <a:endParaRPr/>
           </a:p>
@@ -4466,7 +932,7 @@
             <a:fld id="{8E36636D-D922-432D-A958-524484B5923D}" type="datetimeFigureOut">
               <a:rPr lang="en-US"/>
               <a:pPr/>
-              <a:t>11/6/2017</a:t>
+              <a:t>11/9/2017</a:t>
             </a:fld>
             <a:endParaRPr/>
           </a:p>
@@ -5076,7 +1542,7 @@
             <a:fld id="{8E36636D-D922-432D-A958-524484B5923D}" type="datetimeFigureOut">
               <a:rPr lang="en-US"/>
               <a:pPr/>
-              <a:t>11/6/2017</a:t>
+              <a:t>11/9/2017</a:t>
             </a:fld>
             <a:endParaRPr/>
           </a:p>
@@ -5286,7 +1752,7 @@
             <a:fld id="{8E36636D-D922-432D-A958-524484B5923D}" type="datetimeFigureOut">
               <a:rPr lang="en-US"/>
               <a:pPr/>
-              <a:t>11/6/2017</a:t>
+              <a:t>11/9/2017</a:t>
             </a:fld>
             <a:endParaRPr/>
           </a:p>
@@ -5486,7 +1952,7 @@
             <a:fld id="{8E36636D-D922-432D-A958-524484B5923D}" type="datetimeFigureOut">
               <a:rPr lang="en-US"/>
               <a:pPr/>
-              <a:t>11/6/2017</a:t>
+              <a:t>11/9/2017</a:t>
             </a:fld>
             <a:endParaRPr/>
           </a:p>
@@ -5752,7 +2218,7 @@
             <a:fld id="{8E36636D-D922-432D-A958-524484B5923D}" type="datetimeFigureOut">
               <a:rPr lang="en-US"/>
               <a:pPr/>
-              <a:t>11/6/2017</a:t>
+              <a:t>11/9/2017</a:t>
             </a:fld>
             <a:endParaRPr/>
           </a:p>
@@ -6262,7 +2728,7 @@
             <a:fld id="{8E36636D-D922-432D-A958-524484B5923D}" type="datetimeFigureOut">
               <a:rPr lang="en-US"/>
               <a:pPr/>
-              <a:t>11/6/2017</a:t>
+              <a:t>11/9/2017</a:t>
             </a:fld>
             <a:endParaRPr/>
           </a:p>
@@ -6724,7 +3190,7 @@
             <a:fld id="{8E36636D-D922-432D-A958-524484B5923D}" type="datetimeFigureOut">
               <a:rPr lang="en-US"/>
               <a:pPr/>
-              <a:t>11/6/2017</a:t>
+              <a:t>11/9/2017</a:t>
             </a:fld>
             <a:endParaRPr/>
           </a:p>
@@ -6856,7 +3322,7 @@
             <a:fld id="{8E36636D-D922-432D-A958-524484B5923D}" type="datetimeFigureOut">
               <a:rPr lang="en-US"/>
               <a:pPr/>
-              <a:t>11/6/2017</a:t>
+              <a:t>11/9/2017</a:t>
             </a:fld>
             <a:endParaRPr/>
           </a:p>
@@ -6965,7 +3431,7 @@
             <a:fld id="{8E36636D-D922-432D-A958-524484B5923D}" type="datetimeFigureOut">
               <a:rPr lang="en-US"/>
               <a:pPr/>
-              <a:t>11/6/2017</a:t>
+              <a:t>11/9/2017</a:t>
             </a:fld>
             <a:endParaRPr/>
           </a:p>
@@ -7260,7 +3726,7 @@
             <a:fld id="{8E36636D-D922-432D-A958-524484B5923D}" type="datetimeFigureOut">
               <a:rPr lang="en-US"/>
               <a:pPr/>
-              <a:t>11/6/2017</a:t>
+              <a:t>11/9/2017</a:t>
             </a:fld>
             <a:endParaRPr/>
           </a:p>
@@ -7585,7 +4051,7 @@
             <a:fld id="{8E36636D-D922-432D-A958-524484B5923D}" type="datetimeFigureOut">
               <a:rPr lang="en-US"/>
               <a:pPr/>
-              <a:t>11/6/2017</a:t>
+              <a:t>11/9/2017</a:t>
             </a:fld>
             <a:endParaRPr/>
           </a:p>
@@ -7930,7 +4396,7 @@
             <a:fld id="{8E36636D-D922-432D-A958-524484B5923D}" type="datetimeFigureOut">
               <a:rPr lang="en-US"/>
               <a:pPr/>
-              <a:t>11/6/2017</a:t>
+              <a:t>11/9/2017</a:t>
             </a:fld>
             <a:endParaRPr/>
           </a:p>
@@ -8450,6 +4916,254 @@
       </p:grpSpPr>
       <p:pic>
         <p:nvPicPr>
+          <p:cNvPr id="3" name="Picture 2"/>
+          <p:cNvPicPr>
+            <a:picLocks noChangeAspect="1"/>
+          </p:cNvPicPr>
+          <p:nvPr/>
+        </p:nvPicPr>
+        <p:blipFill>
+          <a:blip r:embed="rId2"/>
+          <a:stretch>
+            <a:fillRect/>
+          </a:stretch>
+        </p:blipFill>
+        <p:spPr>
+          <a:xfrm>
+            <a:off x="722312" y="619125"/>
+            <a:ext cx="10744200" cy="5619750"/>
+          </a:xfrm>
+          <a:prstGeom prst="rect">
+            <a:avLst/>
+          </a:prstGeom>
+        </p:spPr>
+      </p:pic>
+    </p:spTree>
+    <p:extLst>
+      <p:ext uri="{BB962C8B-B14F-4D97-AF65-F5344CB8AC3E}">
+        <p14:creationId xmlns:p14="http://schemas.microsoft.com/office/powerpoint/2010/main" val="2169933420"/>
+      </p:ext>
+    </p:extLst>
+  </p:cSld>
+  <p:clrMapOvr>
+    <a:masterClrMapping/>
+  </p:clrMapOvr>
+  <mc:AlternateContent xmlns:mc="http://schemas.openxmlformats.org/markup-compatibility/2006" xmlns:p14="http://schemas.microsoft.com/office/powerpoint/2010/main">
+    <mc:Choice Requires="p14">
+      <p:transition spd="med" p14:dur="700">
+        <p:fade/>
+      </p:transition>
+    </mc:Choice>
+    <mc:Fallback xmlns="">
+      <p:transition spd="med">
+        <p:fade/>
+      </p:transition>
+    </mc:Fallback>
+  </mc:AlternateContent>
+  <p:timing>
+    <p:tnLst>
+      <p:par>
+        <p:cTn id="1" dur="indefinite" restart="never" nodeType="tmRoot"/>
+      </p:par>
+    </p:tnLst>
+  </p:timing>
+</p:sld>
+</file>
+
+<file path=ppt/slides/slide11.xml><?xml version="1.0" encoding="utf-8"?>
+<p:sld xmlns:a="http://schemas.openxmlformats.org/drawingml/2006/main" xmlns:r="http://schemas.openxmlformats.org/officeDocument/2006/relationships" xmlns:p="http://schemas.openxmlformats.org/presentationml/2006/main">
+  <p:cSld>
+    <p:spTree>
+      <p:nvGrpSpPr>
+        <p:cNvPr id="1" name=""/>
+        <p:cNvGrpSpPr/>
+        <p:nvPr/>
+      </p:nvGrpSpPr>
+      <p:grpSpPr>
+        <a:xfrm>
+          <a:off x="0" y="0"/>
+          <a:ext cx="0" cy="0"/>
+          <a:chOff x="0" y="0"/>
+          <a:chExt cx="0" cy="0"/>
+        </a:xfrm>
+      </p:grpSpPr>
+      <p:pic>
+        <p:nvPicPr>
+          <p:cNvPr id="2" name="Picture 1">
+            <a:hlinkClick r:id="rId2"/>
+          </p:cNvPr>
+          <p:cNvPicPr>
+            <a:picLocks noChangeAspect="1"/>
+          </p:cNvPicPr>
+          <p:nvPr/>
+        </p:nvPicPr>
+        <p:blipFill>
+          <a:blip r:embed="rId3"/>
+          <a:stretch>
+            <a:fillRect/>
+          </a:stretch>
+        </p:blipFill>
+        <p:spPr>
+          <a:xfrm>
+            <a:off x="1455737" y="347662"/>
+            <a:ext cx="9277350" cy="6162675"/>
+          </a:xfrm>
+          <a:prstGeom prst="rect">
+            <a:avLst/>
+          </a:prstGeom>
+        </p:spPr>
+      </p:pic>
+    </p:spTree>
+    <p:extLst>
+      <p:ext uri="{BB962C8B-B14F-4D97-AF65-F5344CB8AC3E}">
+        <p14:creationId xmlns:p14="http://schemas.microsoft.com/office/powerpoint/2010/main" val="4126827302"/>
+      </p:ext>
+    </p:extLst>
+  </p:cSld>
+  <p:clrMapOvr>
+    <a:masterClrMapping/>
+  </p:clrMapOvr>
+  <mc:AlternateContent xmlns:mc="http://schemas.openxmlformats.org/markup-compatibility/2006" xmlns:p14="http://schemas.microsoft.com/office/powerpoint/2010/main">
+    <mc:Choice Requires="p14">
+      <p:transition spd="med" p14:dur="700">
+        <p:fade/>
+      </p:transition>
+    </mc:Choice>
+    <mc:Fallback xmlns="">
+      <p:transition spd="med">
+        <p:fade/>
+      </p:transition>
+    </mc:Fallback>
+  </mc:AlternateContent>
+  <p:timing>
+    <p:tnLst>
+      <p:par>
+        <p:cTn id="1" dur="indefinite" restart="never" nodeType="tmRoot"/>
+      </p:par>
+    </p:tnLst>
+  </p:timing>
+</p:sld>
+</file>
+
+<file path=ppt/slides/slide12.xml><?xml version="1.0" encoding="utf-8"?>
+<p:sld xmlns:a="http://schemas.openxmlformats.org/drawingml/2006/main" xmlns:r="http://schemas.openxmlformats.org/officeDocument/2006/relationships" xmlns:p="http://schemas.openxmlformats.org/presentationml/2006/main">
+  <p:cSld>
+    <p:spTree>
+      <p:nvGrpSpPr>
+        <p:cNvPr id="1" name=""/>
+        <p:cNvGrpSpPr/>
+        <p:nvPr/>
+      </p:nvGrpSpPr>
+      <p:grpSpPr>
+        <a:xfrm>
+          <a:off x="0" y="0"/>
+          <a:ext cx="0" cy="0"/>
+          <a:chOff x="0" y="0"/>
+          <a:chExt cx="0" cy="0"/>
+        </a:xfrm>
+      </p:grpSpPr>
+      <p:sp>
+        <p:nvSpPr>
+          <p:cNvPr id="13" name="Title 12"/>
+          <p:cNvSpPr>
+            <a:spLocks noGrp="1"/>
+          </p:cNvSpPr>
+          <p:nvPr>
+            <p:ph type="title"/>
+          </p:nvPr>
+        </p:nvSpPr>
+        <p:spPr/>
+        <p:txBody>
+          <a:bodyPr/>
+          <a:lstStyle/>
+          <a:p>
+            <a:r>
+              <a:rPr lang="en-US" dirty="0" smtClean="0"/>
+              <a:t>Classification</a:t>
+            </a:r>
+            <a:endParaRPr lang="en-US" dirty="0"/>
+          </a:p>
+        </p:txBody>
+      </p:sp>
+      <p:sp>
+        <p:nvSpPr>
+          <p:cNvPr id="14" name="Content Placeholder 13"/>
+          <p:cNvSpPr>
+            <a:spLocks noGrp="1"/>
+          </p:cNvSpPr>
+          <p:nvPr>
+            <p:ph idx="1"/>
+          </p:nvPr>
+        </p:nvSpPr>
+        <p:spPr/>
+        <p:txBody>
+          <a:bodyPr/>
+          <a:lstStyle/>
+          <a:p>
+            <a:r>
+              <a:rPr lang="en-US" dirty="0" smtClean="0"/>
+              <a:t>Sentiment analysis</a:t>
+            </a:r>
+          </a:p>
+          <a:p>
+            <a:r>
+              <a:rPr lang="en-US" dirty="0" smtClean="0"/>
+              <a:t>Analyze restaurant reviews</a:t>
+            </a:r>
+          </a:p>
+        </p:txBody>
+      </p:sp>
+    </p:spTree>
+    <p:extLst>
+      <p:ext uri="{BB962C8B-B14F-4D97-AF65-F5344CB8AC3E}">
+        <p14:creationId xmlns:p14="http://schemas.microsoft.com/office/powerpoint/2010/main" val="50719494"/>
+      </p:ext>
+    </p:extLst>
+  </p:cSld>
+  <p:clrMapOvr>
+    <a:masterClrMapping/>
+  </p:clrMapOvr>
+  <mc:AlternateContent xmlns:mc="http://schemas.openxmlformats.org/markup-compatibility/2006" xmlns:p14="http://schemas.microsoft.com/office/powerpoint/2010/main">
+    <mc:Choice Requires="p14">
+      <p:transition spd="med" p14:dur="700">
+        <p:fade/>
+      </p:transition>
+    </mc:Choice>
+    <mc:Fallback xmlns="">
+      <p:transition spd="med">
+        <p:fade/>
+      </p:transition>
+    </mc:Fallback>
+  </mc:AlternateContent>
+  <p:timing>
+    <p:tnLst>
+      <p:par>
+        <p:cTn id="1" dur="indefinite" restart="never" nodeType="tmRoot"/>
+      </p:par>
+    </p:tnLst>
+  </p:timing>
+</p:sld>
+</file>
+
+<file path=ppt/slides/slide13.xml><?xml version="1.0" encoding="utf-8"?>
+<p:sld xmlns:a="http://schemas.openxmlformats.org/drawingml/2006/main" xmlns:r="http://schemas.openxmlformats.org/officeDocument/2006/relationships" xmlns:p="http://schemas.openxmlformats.org/presentationml/2006/main">
+  <p:cSld>
+    <p:spTree>
+      <p:nvGrpSpPr>
+        <p:cNvPr id="1" name=""/>
+        <p:cNvGrpSpPr/>
+        <p:nvPr/>
+      </p:nvGrpSpPr>
+      <p:grpSpPr>
+        <a:xfrm>
+          <a:off x="0" y="0"/>
+          <a:ext cx="0" cy="0"/>
+          <a:chOff x="0" y="0"/>
+          <a:chExt cx="0" cy="0"/>
+        </a:xfrm>
+      </p:grpSpPr>
+      <p:pic>
+        <p:nvPicPr>
           <p:cNvPr id="2" name="Picture 1"/>
           <p:cNvPicPr>
             <a:picLocks noChangeAspect="1"/>
@@ -8504,7 +5218,7 @@
 </p:sld>
 </file>
 
-<file path=ppt/slides/slide11.xml><?xml version="1.0" encoding="utf-8"?>
+<file path=ppt/slides/slide14.xml><?xml version="1.0" encoding="utf-8"?>
 <p:sld xmlns:a="http://schemas.openxmlformats.org/drawingml/2006/main" xmlns:r="http://schemas.openxmlformats.org/officeDocument/2006/relationships" xmlns:p="http://schemas.openxmlformats.org/presentationml/2006/main">
   <p:cSld>
     <p:spTree>
@@ -8577,7 +5291,7 @@
 </p:sld>
 </file>
 
-<file path=ppt/slides/slide12.xml><?xml version="1.0" encoding="utf-8"?>
+<file path=ppt/slides/slide15.xml><?xml version="1.0" encoding="utf-8"?>
 <p:sld xmlns:a="http://schemas.openxmlformats.org/drawingml/2006/main" xmlns:r="http://schemas.openxmlformats.org/officeDocument/2006/relationships" xmlns:p="http://schemas.openxmlformats.org/presentationml/2006/main">
   <p:cSld>
     <p:spTree>
@@ -8643,574 +5357,6 @@
 </p:sld>
 </file>
 
-<file path=ppt/slides/slide13.xml><?xml version="1.0" encoding="utf-8"?>
-<p:sld xmlns:a="http://schemas.openxmlformats.org/drawingml/2006/main" xmlns:r="http://schemas.openxmlformats.org/officeDocument/2006/relationships" xmlns:p="http://schemas.openxmlformats.org/presentationml/2006/main">
-  <p:cSld>
-    <p:spTree>
-      <p:nvGrpSpPr>
-        <p:cNvPr id="1" name=""/>
-        <p:cNvGrpSpPr/>
-        <p:nvPr/>
-      </p:nvGrpSpPr>
-      <p:grpSpPr>
-        <a:xfrm>
-          <a:off x="0" y="0"/>
-          <a:ext cx="0" cy="0"/>
-          <a:chOff x="0" y="0"/>
-          <a:chExt cx="0" cy="0"/>
-        </a:xfrm>
-      </p:grpSpPr>
-      <p:sp>
-        <p:nvSpPr>
-          <p:cNvPr id="2" name="Title 1"/>
-          <p:cNvSpPr>
-            <a:spLocks noGrp="1"/>
-          </p:cNvSpPr>
-          <p:nvPr>
-            <p:ph type="title"/>
-          </p:nvPr>
-        </p:nvSpPr>
-        <p:spPr/>
-        <p:txBody>
-          <a:bodyPr/>
-          <a:lstStyle/>
-          <a:p>
-            <a:r>
-              <a:rPr lang="en-US" dirty="0"/>
-              <a:t>Title and Content Layout with Chart</a:t>
-            </a:r>
-          </a:p>
-        </p:txBody>
-      </p:sp>
-      <p:graphicFrame>
-        <p:nvGraphicFramePr>
-          <p:cNvPr id="6" name="Content Placeholder 5" descr="Clustered column chart showing the values of 3 series for 4 categories"/>
-          <p:cNvGraphicFramePr>
-            <a:graphicFrameLocks noGrp="1"/>
-          </p:cNvGraphicFramePr>
-          <p:nvPr>
-            <p:ph idx="1"/>
-            <p:extLst>
-              <p:ext uri="{D42A27DB-BD31-4B8C-83A1-F6EECF244321}">
-                <p14:modId xmlns:p14="http://schemas.microsoft.com/office/powerpoint/2010/main" val="2360841904"/>
-              </p:ext>
-            </p:extLst>
-          </p:nvPr>
-        </p:nvGraphicFramePr>
-        <p:xfrm>
-          <a:off x="1219200" y="1803400"/>
-          <a:ext cx="9750425" cy="4267200"/>
-        </p:xfrm>
-        <a:graphic>
-          <a:graphicData uri="http://schemas.openxmlformats.org/drawingml/2006/chart">
-            <c:chart xmlns:c="http://schemas.openxmlformats.org/drawingml/2006/chart" xmlns:r="http://schemas.openxmlformats.org/officeDocument/2006/relationships" r:id="rId2"/>
-          </a:graphicData>
-        </a:graphic>
-      </p:graphicFrame>
-    </p:spTree>
-    <p:extLst>
-      <p:ext uri="{BB962C8B-B14F-4D97-AF65-F5344CB8AC3E}">
-        <p14:creationId xmlns:p14="http://schemas.microsoft.com/office/powerpoint/2010/main" val="1711846402"/>
-      </p:ext>
-    </p:extLst>
-  </p:cSld>
-  <p:clrMapOvr>
-    <a:masterClrMapping/>
-  </p:clrMapOvr>
-  <mc:AlternateContent xmlns:mc="http://schemas.openxmlformats.org/markup-compatibility/2006" xmlns:p14="http://schemas.microsoft.com/office/powerpoint/2010/main">
-    <mc:Choice Requires="p14">
-      <p:transition spd="med" p14:dur="700">
-        <p:fade/>
-      </p:transition>
-    </mc:Choice>
-    <mc:Fallback xmlns="">
-      <p:transition spd="med">
-        <p:fade/>
-      </p:transition>
-    </mc:Fallback>
-  </mc:AlternateContent>
-  <p:timing>
-    <p:tnLst>
-      <p:par>
-        <p:cTn id="1" dur="indefinite" restart="never" nodeType="tmRoot"/>
-      </p:par>
-    </p:tnLst>
-  </p:timing>
-</p:sld>
-</file>
-
-<file path=ppt/slides/slide14.xml><?xml version="1.0" encoding="utf-8"?>
-<p:sld xmlns:a="http://schemas.openxmlformats.org/drawingml/2006/main" xmlns:r="http://schemas.openxmlformats.org/officeDocument/2006/relationships" xmlns:p="http://schemas.openxmlformats.org/presentationml/2006/main">
-  <p:cSld>
-    <p:spTree>
-      <p:nvGrpSpPr>
-        <p:cNvPr id="1" name=""/>
-        <p:cNvGrpSpPr/>
-        <p:nvPr/>
-      </p:nvGrpSpPr>
-      <p:grpSpPr>
-        <a:xfrm>
-          <a:off x="0" y="0"/>
-          <a:ext cx="0" cy="0"/>
-          <a:chOff x="0" y="0"/>
-          <a:chExt cx="0" cy="0"/>
-        </a:xfrm>
-      </p:grpSpPr>
-      <p:sp>
-        <p:nvSpPr>
-          <p:cNvPr id="2" name="Title 1"/>
-          <p:cNvSpPr>
-            <a:spLocks noGrp="1"/>
-          </p:cNvSpPr>
-          <p:nvPr>
-            <p:ph type="title"/>
-          </p:nvPr>
-        </p:nvSpPr>
-        <p:spPr/>
-        <p:txBody>
-          <a:bodyPr/>
-          <a:lstStyle/>
-          <a:p>
-            <a:r>
-              <a:rPr lang="en-US" dirty="0"/>
-              <a:t>Two Content Layout with Table</a:t>
-            </a:r>
-          </a:p>
-        </p:txBody>
-      </p:sp>
-      <p:graphicFrame>
-        <p:nvGraphicFramePr>
-          <p:cNvPr id="4" name="Content Placeholder 3"/>
-          <p:cNvGraphicFramePr>
-            <a:graphicFrameLocks noGrp="1"/>
-          </p:cNvGraphicFramePr>
-          <p:nvPr>
-            <p:ph sz="half" idx="1"/>
-            <p:extLst>
-              <p:ext uri="{D42A27DB-BD31-4B8C-83A1-F6EECF244321}">
-                <p14:modId xmlns:p14="http://schemas.microsoft.com/office/powerpoint/2010/main" val="1475416969"/>
-              </p:ext>
-            </p:extLst>
-          </p:nvPr>
-        </p:nvGraphicFramePr>
-        <p:xfrm>
-          <a:off x="1219200" y="1803400"/>
-          <a:ext cx="4773612" cy="2082800"/>
-        </p:xfrm>
-        <a:graphic>
-          <a:graphicData uri="http://schemas.openxmlformats.org/drawingml/2006/table">
-            <a:tbl>
-              <a:tblPr firstRow="1" bandRow="1">
-                <a:tableStyleId>{5C22544A-7EE6-4342-B048-85BDC9FD1C3A}</a:tableStyleId>
-              </a:tblPr>
-              <a:tblGrid>
-                <a:gridCol w="1591204">
-                  <a:extLst>
-                    <a:ext uri="{9D8B030D-6E8A-4147-A177-3AD203B41FA5}">
-                      <a16:colId xmlns="" xmlns:a16="http://schemas.microsoft.com/office/drawing/2014/main" val="20000"/>
-                    </a:ext>
-                  </a:extLst>
-                </a:gridCol>
-                <a:gridCol w="1591204">
-                  <a:extLst>
-                    <a:ext uri="{9D8B030D-6E8A-4147-A177-3AD203B41FA5}">
-                      <a16:colId xmlns="" xmlns:a16="http://schemas.microsoft.com/office/drawing/2014/main" val="20001"/>
-                    </a:ext>
-                  </a:extLst>
-                </a:gridCol>
-                <a:gridCol w="1591204">
-                  <a:extLst>
-                    <a:ext uri="{9D8B030D-6E8A-4147-A177-3AD203B41FA5}">
-                      <a16:colId xmlns="" xmlns:a16="http://schemas.microsoft.com/office/drawing/2014/main" val="20002"/>
-                    </a:ext>
-                  </a:extLst>
-                </a:gridCol>
-              </a:tblGrid>
-              <a:tr h="520700">
-                <a:tc>
-                  <a:txBody>
-                    <a:bodyPr/>
-                    <a:lstStyle/>
-                    <a:p>
-                      <a:r>
-                        <a:rPr lang="en-US" dirty="0"/>
-                        <a:t>Class</a:t>
-                      </a:r>
-                    </a:p>
-                  </a:txBody>
-                  <a:tcPr anchor="ctr"/>
-                </a:tc>
-                <a:tc>
-                  <a:txBody>
-                    <a:bodyPr/>
-                    <a:lstStyle/>
-                    <a:p>
-                      <a:pPr algn="ctr"/>
-                      <a:r>
-                        <a:rPr lang="en-US" dirty="0"/>
-                        <a:t>Group A</a:t>
-                      </a:r>
-                    </a:p>
-                  </a:txBody>
-                  <a:tcPr anchor="ctr"/>
-                </a:tc>
-                <a:tc>
-                  <a:txBody>
-                    <a:bodyPr/>
-                    <a:lstStyle/>
-                    <a:p>
-                      <a:pPr algn="ctr"/>
-                      <a:r>
-                        <a:rPr lang="en-US" dirty="0"/>
-                        <a:t>Group B</a:t>
-                      </a:r>
-                    </a:p>
-                  </a:txBody>
-                  <a:tcPr anchor="ctr"/>
-                </a:tc>
-                <a:extLst>
-                  <a:ext uri="{0D108BD9-81ED-4DB2-BD59-A6C34878D82A}">
-                    <a16:rowId xmlns="" xmlns:a16="http://schemas.microsoft.com/office/drawing/2014/main" val="10000"/>
-                  </a:ext>
-                </a:extLst>
-              </a:tr>
-              <a:tr h="520700">
-                <a:tc>
-                  <a:txBody>
-                    <a:bodyPr/>
-                    <a:lstStyle/>
-                    <a:p>
-                      <a:r>
-                        <a:rPr lang="en-US" dirty="0"/>
-                        <a:t>Class 1</a:t>
-                      </a:r>
-                    </a:p>
-                  </a:txBody>
-                  <a:tcPr anchor="ctr"/>
-                </a:tc>
-                <a:tc>
-                  <a:txBody>
-                    <a:bodyPr/>
-                    <a:lstStyle/>
-                    <a:p>
-                      <a:pPr algn="ctr"/>
-                      <a:r>
-                        <a:rPr lang="en-US" dirty="0"/>
-                        <a:t>82</a:t>
-                      </a:r>
-                    </a:p>
-                  </a:txBody>
-                  <a:tcPr anchor="ctr"/>
-                </a:tc>
-                <a:tc>
-                  <a:txBody>
-                    <a:bodyPr/>
-                    <a:lstStyle/>
-                    <a:p>
-                      <a:pPr algn="ctr"/>
-                      <a:r>
-                        <a:rPr lang="en-US" dirty="0"/>
-                        <a:t>85</a:t>
-                      </a:r>
-                    </a:p>
-                  </a:txBody>
-                  <a:tcPr anchor="ctr"/>
-                </a:tc>
-                <a:extLst>
-                  <a:ext uri="{0D108BD9-81ED-4DB2-BD59-A6C34878D82A}">
-                    <a16:rowId xmlns="" xmlns:a16="http://schemas.microsoft.com/office/drawing/2014/main" val="10001"/>
-                  </a:ext>
-                </a:extLst>
-              </a:tr>
-              <a:tr h="520700">
-                <a:tc>
-                  <a:txBody>
-                    <a:bodyPr/>
-                    <a:lstStyle/>
-                    <a:p>
-                      <a:r>
-                        <a:rPr lang="en-US" dirty="0"/>
-                        <a:t>Class 2</a:t>
-                      </a:r>
-                    </a:p>
-                  </a:txBody>
-                  <a:tcPr anchor="ctr"/>
-                </a:tc>
-                <a:tc>
-                  <a:txBody>
-                    <a:bodyPr/>
-                    <a:lstStyle/>
-                    <a:p>
-                      <a:pPr algn="ctr"/>
-                      <a:r>
-                        <a:rPr lang="en-US" dirty="0"/>
-                        <a:t>76</a:t>
-                      </a:r>
-                    </a:p>
-                  </a:txBody>
-                  <a:tcPr anchor="ctr"/>
-                </a:tc>
-                <a:tc>
-                  <a:txBody>
-                    <a:bodyPr/>
-                    <a:lstStyle/>
-                    <a:p>
-                      <a:pPr algn="ctr"/>
-                      <a:r>
-                        <a:rPr lang="en-US" dirty="0"/>
-                        <a:t>88</a:t>
-                      </a:r>
-                    </a:p>
-                  </a:txBody>
-                  <a:tcPr anchor="ctr"/>
-                </a:tc>
-                <a:extLst>
-                  <a:ext uri="{0D108BD9-81ED-4DB2-BD59-A6C34878D82A}">
-                    <a16:rowId xmlns="" xmlns:a16="http://schemas.microsoft.com/office/drawing/2014/main" val="10002"/>
-                  </a:ext>
-                </a:extLst>
-              </a:tr>
-              <a:tr h="520700">
-                <a:tc>
-                  <a:txBody>
-                    <a:bodyPr/>
-                    <a:lstStyle/>
-                    <a:p>
-                      <a:r>
-                        <a:rPr lang="en-US" dirty="0"/>
-                        <a:t>Class 3</a:t>
-                      </a:r>
-                    </a:p>
-                  </a:txBody>
-                  <a:tcPr anchor="ctr"/>
-                </a:tc>
-                <a:tc>
-                  <a:txBody>
-                    <a:bodyPr/>
-                    <a:lstStyle/>
-                    <a:p>
-                      <a:pPr algn="ctr"/>
-                      <a:r>
-                        <a:rPr lang="en-US" dirty="0"/>
-                        <a:t>84</a:t>
-                      </a:r>
-                    </a:p>
-                  </a:txBody>
-                  <a:tcPr anchor="ctr"/>
-                </a:tc>
-                <a:tc>
-                  <a:txBody>
-                    <a:bodyPr/>
-                    <a:lstStyle/>
-                    <a:p>
-                      <a:pPr algn="ctr"/>
-                      <a:r>
-                        <a:rPr lang="en-US" dirty="0"/>
-                        <a:t>90</a:t>
-                      </a:r>
-                    </a:p>
-                  </a:txBody>
-                  <a:tcPr anchor="ctr"/>
-                </a:tc>
-                <a:extLst>
-                  <a:ext uri="{0D108BD9-81ED-4DB2-BD59-A6C34878D82A}">
-                    <a16:rowId xmlns="" xmlns:a16="http://schemas.microsoft.com/office/drawing/2014/main" val="10003"/>
-                  </a:ext>
-                </a:extLst>
-              </a:tr>
-            </a:tbl>
-          </a:graphicData>
-        </a:graphic>
-      </p:graphicFrame>
-      <p:sp>
-        <p:nvSpPr>
-          <p:cNvPr id="11" name="Content Placeholder 10"/>
-          <p:cNvSpPr>
-            <a:spLocks noGrp="1"/>
-          </p:cNvSpPr>
-          <p:nvPr>
-            <p:ph sz="half" idx="2"/>
-          </p:nvPr>
-        </p:nvSpPr>
-        <p:spPr/>
-        <p:txBody>
-          <a:bodyPr/>
-          <a:lstStyle/>
-          <a:p>
-            <a:r>
-              <a:rPr lang="en-US" dirty="0"/>
-              <a:t>First bullet point here</a:t>
-            </a:r>
-          </a:p>
-          <a:p>
-            <a:r>
-              <a:rPr lang="en-US" dirty="0"/>
-              <a:t>Second bullet point here</a:t>
-            </a:r>
-          </a:p>
-          <a:p>
-            <a:r>
-              <a:rPr lang="en-US" dirty="0"/>
-              <a:t>Third bullet point here</a:t>
-            </a:r>
-          </a:p>
-        </p:txBody>
-      </p:sp>
-    </p:spTree>
-    <p:extLst>
-      <p:ext uri="{BB962C8B-B14F-4D97-AF65-F5344CB8AC3E}">
-        <p14:creationId xmlns:p14="http://schemas.microsoft.com/office/powerpoint/2010/main" val="2908023704"/>
-      </p:ext>
-    </p:extLst>
-  </p:cSld>
-  <p:clrMapOvr>
-    <a:masterClrMapping/>
-  </p:clrMapOvr>
-  <mc:AlternateContent xmlns:mc="http://schemas.openxmlformats.org/markup-compatibility/2006" xmlns:p14="http://schemas.microsoft.com/office/powerpoint/2010/main">
-    <mc:Choice Requires="p14">
-      <p:transition spd="med" p14:dur="700">
-        <p:fade/>
-      </p:transition>
-    </mc:Choice>
-    <mc:Fallback xmlns="">
-      <p:transition spd="med">
-        <p:fade/>
-      </p:transition>
-    </mc:Fallback>
-  </mc:AlternateContent>
-  <p:timing>
-    <p:tnLst>
-      <p:par>
-        <p:cTn id="1" dur="indefinite" restart="never" nodeType="tmRoot"/>
-      </p:par>
-    </p:tnLst>
-  </p:timing>
-</p:sld>
-</file>
-
-<file path=ppt/slides/slide15.xml><?xml version="1.0" encoding="utf-8"?>
-<p:sld xmlns:a="http://schemas.openxmlformats.org/drawingml/2006/main" xmlns:r="http://schemas.openxmlformats.org/officeDocument/2006/relationships" xmlns:p="http://schemas.openxmlformats.org/presentationml/2006/main">
-  <p:cSld>
-    <p:spTree>
-      <p:nvGrpSpPr>
-        <p:cNvPr id="1" name=""/>
-        <p:cNvGrpSpPr/>
-        <p:nvPr/>
-      </p:nvGrpSpPr>
-      <p:grpSpPr>
-        <a:xfrm>
-          <a:off x="0" y="0"/>
-          <a:ext cx="0" cy="0"/>
-          <a:chOff x="0" y="0"/>
-          <a:chExt cx="0" cy="0"/>
-        </a:xfrm>
-      </p:grpSpPr>
-      <p:sp>
-        <p:nvSpPr>
-          <p:cNvPr id="2" name="Title 1"/>
-          <p:cNvSpPr>
-            <a:spLocks noGrp="1"/>
-          </p:cNvSpPr>
-          <p:nvPr>
-            <p:ph type="title"/>
-          </p:nvPr>
-        </p:nvSpPr>
-        <p:spPr/>
-        <p:txBody>
-          <a:bodyPr/>
-          <a:lstStyle/>
-          <a:p>
-            <a:r>
-              <a:rPr lang="en-US" dirty="0"/>
-              <a:t>Two Content Layout with SmartArt</a:t>
-            </a:r>
-          </a:p>
-        </p:txBody>
-      </p:sp>
-      <p:sp>
-        <p:nvSpPr>
-          <p:cNvPr id="10" name="Content Placeholder 9"/>
-          <p:cNvSpPr>
-            <a:spLocks noGrp="1"/>
-          </p:cNvSpPr>
-          <p:nvPr>
-            <p:ph sz="half" idx="1"/>
-          </p:nvPr>
-        </p:nvSpPr>
-        <p:spPr/>
-        <p:txBody>
-          <a:bodyPr/>
-          <a:lstStyle/>
-          <a:p>
-            <a:r>
-              <a:rPr lang="en-US" dirty="0"/>
-              <a:t>First bullet point here</a:t>
-            </a:r>
-          </a:p>
-          <a:p>
-            <a:r>
-              <a:rPr lang="en-US" dirty="0"/>
-              <a:t>Second bullet point here</a:t>
-            </a:r>
-          </a:p>
-          <a:p>
-            <a:r>
-              <a:rPr lang="en-US" dirty="0"/>
-              <a:t>Third bullet point here</a:t>
-            </a:r>
-          </a:p>
-        </p:txBody>
-      </p:sp>
-      <p:graphicFrame>
-        <p:nvGraphicFramePr>
-          <p:cNvPr id="9" name="Content Placeholder 8" descr="Vertical Box List showing 3 groups arranged one below the other and bullet points are present under each group."/>
-          <p:cNvGraphicFramePr>
-            <a:graphicFrameLocks noGrp="1"/>
-          </p:cNvGraphicFramePr>
-          <p:nvPr>
-            <p:ph sz="half" idx="2"/>
-            <p:extLst>
-              <p:ext uri="{D42A27DB-BD31-4B8C-83A1-F6EECF244321}">
-                <p14:modId xmlns:p14="http://schemas.microsoft.com/office/powerpoint/2010/main" val="3853444386"/>
-              </p:ext>
-            </p:extLst>
-          </p:nvPr>
-        </p:nvGraphicFramePr>
-        <p:xfrm>
-          <a:off x="6196013" y="1803400"/>
-          <a:ext cx="4773612" cy="4267200"/>
-        </p:xfrm>
-        <a:graphic>
-          <a:graphicData uri="http://schemas.openxmlformats.org/drawingml/2006/diagram">
-            <dgm:relIds xmlns:dgm="http://schemas.openxmlformats.org/drawingml/2006/diagram" xmlns:r="http://schemas.openxmlformats.org/officeDocument/2006/relationships" r:dm="rId2" r:lo="rId3" r:qs="rId4" r:cs="rId5"/>
-          </a:graphicData>
-        </a:graphic>
-      </p:graphicFrame>
-    </p:spTree>
-    <p:extLst>
-      <p:ext uri="{BB962C8B-B14F-4D97-AF65-F5344CB8AC3E}">
-        <p14:creationId xmlns:p14="http://schemas.microsoft.com/office/powerpoint/2010/main" val="3507259872"/>
-      </p:ext>
-    </p:extLst>
-  </p:cSld>
-  <p:clrMapOvr>
-    <a:masterClrMapping/>
-  </p:clrMapOvr>
-  <mc:AlternateContent xmlns:mc="http://schemas.openxmlformats.org/markup-compatibility/2006" xmlns:p14="http://schemas.microsoft.com/office/powerpoint/2010/main">
-    <mc:Choice Requires="p14">
-      <p:transition spd="med" p14:dur="700">
-        <p:fade/>
-      </p:transition>
-    </mc:Choice>
-    <mc:Fallback xmlns="">
-      <p:transition spd="med">
-        <p:fade/>
-      </p:transition>
-    </mc:Fallback>
-  </mc:AlternateContent>
-</p:sld>
-</file>
-
 <file path=ppt/slides/slide16.xml><?xml version="1.0" encoding="utf-8"?>
 <p:sld xmlns:a="http://schemas.openxmlformats.org/drawingml/2006/main" xmlns:r="http://schemas.openxmlformats.org/officeDocument/2006/relationships" xmlns:p="http://schemas.openxmlformats.org/presentationml/2006/main">
   <p:cSld>
@@ -9228,51 +5374,36 @@
           <a:chExt cx="0" cy="0"/>
         </a:xfrm>
       </p:grpSpPr>
-      <p:sp>
-        <p:nvSpPr>
-          <p:cNvPr id="10" name="Title 9"/>
-          <p:cNvSpPr>
-            <a:spLocks noGrp="1"/>
-          </p:cNvSpPr>
-          <p:nvPr>
-            <p:ph type="title"/>
-          </p:nvPr>
-        </p:nvSpPr>
-        <p:spPr/>
-        <p:txBody>
-          <a:bodyPr/>
-          <a:lstStyle/>
-          <a:p>
-            <a:r>
-              <a:rPr lang="en-US" dirty="0"/>
-              <a:t>Add a Slide Title - 1</a:t>
-            </a:r>
-          </a:p>
-        </p:txBody>
-      </p:sp>
-      <p:sp>
-        <p:nvSpPr>
-          <p:cNvPr id="11" name="Text Placeholder 10"/>
-          <p:cNvSpPr>
-            <a:spLocks noGrp="1"/>
-          </p:cNvSpPr>
-          <p:nvPr>
-            <p:ph type="body" idx="1"/>
-          </p:nvPr>
-        </p:nvSpPr>
-        <p:spPr/>
-        <p:txBody>
-          <a:bodyPr/>
-          <a:lstStyle/>
-          <a:p>
-            <a:endParaRPr lang="en-US"/>
-          </a:p>
-        </p:txBody>
-      </p:sp>
+      <p:pic>
+        <p:nvPicPr>
+          <p:cNvPr id="2" name="Picture 1">
+            <a:hlinkClick r:id="rId2"/>
+          </p:cNvPr>
+          <p:cNvPicPr>
+            <a:picLocks noChangeAspect="1"/>
+          </p:cNvPicPr>
+          <p:nvPr/>
+        </p:nvPicPr>
+        <p:blipFill>
+          <a:blip r:embed="rId3"/>
+          <a:stretch>
+            <a:fillRect/>
+          </a:stretch>
+        </p:blipFill>
+        <p:spPr>
+          <a:xfrm>
+            <a:off x="1598612" y="228600"/>
+            <a:ext cx="8963025" cy="6248400"/>
+          </a:xfrm>
+          <a:prstGeom prst="rect">
+            <a:avLst/>
+          </a:prstGeom>
+        </p:spPr>
+      </p:pic>
     </p:spTree>
     <p:extLst>
       <p:ext uri="{BB962C8B-B14F-4D97-AF65-F5344CB8AC3E}">
-        <p14:creationId xmlns:p14="http://schemas.microsoft.com/office/powerpoint/2010/main" val="1039241209"/>
+        <p14:creationId xmlns:p14="http://schemas.microsoft.com/office/powerpoint/2010/main" val="3225420877"/>
       </p:ext>
     </p:extLst>
   </p:cSld>
@@ -9313,7 +5444,7 @@
       </p:grpSpPr>
       <p:sp>
         <p:nvSpPr>
-          <p:cNvPr id="2" name="Title 1"/>
+          <p:cNvPr id="13" name="Title 12"/>
           <p:cNvSpPr>
             <a:spLocks noGrp="1"/>
           </p:cNvSpPr>
@@ -9327,20 +5458,21 @@
           <a:lstStyle/>
           <a:p>
             <a:r>
-              <a:rPr lang="en-US" dirty="0"/>
-              <a:t>Add a Slide Title - 2</a:t>
-            </a:r>
+              <a:rPr lang="en-US" dirty="0" smtClean="0"/>
+              <a:t>Clustering</a:t>
+            </a:r>
+            <a:endParaRPr lang="en-US" dirty="0"/>
           </a:p>
         </p:txBody>
       </p:sp>
       <p:sp>
         <p:nvSpPr>
-          <p:cNvPr id="3" name="Text Placeholder 2"/>
+          <p:cNvPr id="14" name="Content Placeholder 13"/>
           <p:cNvSpPr>
             <a:spLocks noGrp="1"/>
           </p:cNvSpPr>
           <p:nvPr>
-            <p:ph type="body" idx="1"/>
+            <p:ph idx="1"/>
           </p:nvPr>
         </p:nvSpPr>
         <p:spPr/>
@@ -9348,73 +5480,23 @@
           <a:bodyPr/>
           <a:lstStyle/>
           <a:p>
-            <a:endParaRPr lang="en-US" dirty="0"/>
-          </a:p>
-        </p:txBody>
-      </p:sp>
-      <p:sp>
-        <p:nvSpPr>
-          <p:cNvPr id="4" name="Content Placeholder 3"/>
-          <p:cNvSpPr>
-            <a:spLocks noGrp="1"/>
-          </p:cNvSpPr>
-          <p:nvPr>
-            <p:ph sz="half" idx="2"/>
-          </p:nvPr>
-        </p:nvSpPr>
-        <p:spPr/>
-        <p:txBody>
-          <a:bodyPr/>
-          <a:lstStyle/>
-          <a:p>
-            <a:endParaRPr lang="en-US" dirty="0"/>
-          </a:p>
-        </p:txBody>
-      </p:sp>
-      <p:sp>
-        <p:nvSpPr>
-          <p:cNvPr id="5" name="Text Placeholder 4"/>
-          <p:cNvSpPr>
-            <a:spLocks noGrp="1"/>
-          </p:cNvSpPr>
-          <p:nvPr>
-            <p:ph type="body" sz="quarter" idx="3"/>
-          </p:nvPr>
-        </p:nvSpPr>
-        <p:spPr/>
-        <p:txBody>
-          <a:bodyPr/>
-          <a:lstStyle/>
-          <a:p>
-            <a:endParaRPr lang="en-US" dirty="0"/>
-          </a:p>
-        </p:txBody>
-      </p:sp>
-      <p:sp>
-        <p:nvSpPr>
-          <p:cNvPr id="6" name="Content Placeholder 5"/>
-          <p:cNvSpPr>
-            <a:spLocks noGrp="1"/>
-          </p:cNvSpPr>
-          <p:nvPr>
-            <p:ph sz="quarter" idx="4"/>
-          </p:nvPr>
-        </p:nvSpPr>
-        <p:spPr/>
-        <p:txBody>
-          <a:bodyPr>
-            <a:normAutofit/>
-          </a:bodyPr>
-          <a:lstStyle/>
-          <a:p>
-            <a:endParaRPr lang="en-US" dirty="0"/>
+            <a:r>
+              <a:rPr lang="en-US" dirty="0" smtClean="0"/>
+              <a:t>Unsupervised learning</a:t>
+            </a:r>
+          </a:p>
+          <a:p>
+            <a:r>
+              <a:rPr lang="en-US" dirty="0" smtClean="0"/>
+              <a:t>Document retrieval</a:t>
+            </a:r>
           </a:p>
         </p:txBody>
       </p:sp>
     </p:spTree>
     <p:extLst>
       <p:ext uri="{BB962C8B-B14F-4D97-AF65-F5344CB8AC3E}">
-        <p14:creationId xmlns:p14="http://schemas.microsoft.com/office/powerpoint/2010/main" val="4181297464"/>
+        <p14:creationId xmlns:p14="http://schemas.microsoft.com/office/powerpoint/2010/main" val="1883988452"/>
       </p:ext>
     </p:extLst>
   </p:cSld>
@@ -9433,6 +5515,13 @@
       </p:transition>
     </mc:Fallback>
   </mc:AlternateContent>
+  <p:timing>
+    <p:tnLst>
+      <p:par>
+        <p:cTn id="1" dur="indefinite" restart="never" nodeType="tmRoot"/>
+      </p:par>
+    </p:tnLst>
+  </p:timing>
 </p:sld>
 </file>
 
@@ -9453,32 +5542,34 @@
           <a:chExt cx="0" cy="0"/>
         </a:xfrm>
       </p:grpSpPr>
-      <p:sp>
-        <p:nvSpPr>
-          <p:cNvPr id="2" name="Title 1"/>
-          <p:cNvSpPr>
-            <a:spLocks noGrp="1"/>
-          </p:cNvSpPr>
-          <p:nvPr>
-            <p:ph type="title"/>
-          </p:nvPr>
-        </p:nvSpPr>
-        <p:spPr/>
-        <p:txBody>
-          <a:bodyPr/>
-          <a:lstStyle/>
-          <a:p>
-            <a:r>
-              <a:rPr lang="en-US" dirty="0"/>
-              <a:t>Add a Slide Title - 3</a:t>
-            </a:r>
-          </a:p>
-        </p:txBody>
-      </p:sp>
+      <p:pic>
+        <p:nvPicPr>
+          <p:cNvPr id="4" name="Picture 3"/>
+          <p:cNvPicPr>
+            <a:picLocks noChangeAspect="1"/>
+          </p:cNvPicPr>
+          <p:nvPr/>
+        </p:nvPicPr>
+        <p:blipFill>
+          <a:blip r:embed="rId2"/>
+          <a:stretch>
+            <a:fillRect/>
+          </a:stretch>
+        </p:blipFill>
+        <p:spPr>
+          <a:xfrm>
+            <a:off x="1236662" y="619125"/>
+            <a:ext cx="9715500" cy="5619750"/>
+          </a:xfrm>
+          <a:prstGeom prst="rect">
+            <a:avLst/>
+          </a:prstGeom>
+        </p:spPr>
+      </p:pic>
     </p:spTree>
     <p:extLst>
       <p:ext uri="{BB962C8B-B14F-4D97-AF65-F5344CB8AC3E}">
-        <p14:creationId xmlns:p14="http://schemas.microsoft.com/office/powerpoint/2010/main" val="3819877332"/>
+        <p14:creationId xmlns:p14="http://schemas.microsoft.com/office/powerpoint/2010/main" val="3716487700"/>
       </p:ext>
     </p:extLst>
   </p:cSld>
@@ -9517,10 +5608,34 @@
           <a:chExt cx="0" cy="0"/>
         </a:xfrm>
       </p:grpSpPr>
+      <p:pic>
+        <p:nvPicPr>
+          <p:cNvPr id="4" name="Picture 3"/>
+          <p:cNvPicPr>
+            <a:picLocks noChangeAspect="1"/>
+          </p:cNvPicPr>
+          <p:nvPr/>
+        </p:nvPicPr>
+        <p:blipFill>
+          <a:blip r:embed="rId2"/>
+          <a:stretch>
+            <a:fillRect/>
+          </a:stretch>
+        </p:blipFill>
+        <p:spPr>
+          <a:xfrm>
+            <a:off x="1684337" y="595312"/>
+            <a:ext cx="8820150" cy="5667375"/>
+          </a:xfrm>
+          <a:prstGeom prst="rect">
+            <a:avLst/>
+          </a:prstGeom>
+        </p:spPr>
+      </p:pic>
     </p:spTree>
     <p:extLst>
       <p:ext uri="{BB962C8B-B14F-4D97-AF65-F5344CB8AC3E}">
-        <p14:creationId xmlns:p14="http://schemas.microsoft.com/office/powerpoint/2010/main" val="2623819822"/>
+        <p14:creationId xmlns:p14="http://schemas.microsoft.com/office/powerpoint/2010/main" val="542197947"/>
       </p:ext>
     </p:extLst>
   </p:cSld>
@@ -9632,70 +5747,34 @@
           <a:chExt cx="0" cy="0"/>
         </a:xfrm>
       </p:grpSpPr>
-      <p:sp>
-        <p:nvSpPr>
-          <p:cNvPr id="2" name="Title 1"/>
-          <p:cNvSpPr>
-            <a:spLocks noGrp="1"/>
-          </p:cNvSpPr>
-          <p:nvPr>
-            <p:ph type="title"/>
-          </p:nvPr>
-        </p:nvSpPr>
-        <p:spPr/>
-        <p:txBody>
-          <a:bodyPr/>
-          <a:lstStyle/>
-          <a:p>
-            <a:r>
-              <a:rPr lang="en-US" dirty="0"/>
-              <a:t>Add a Slide Title - 4</a:t>
-            </a:r>
-          </a:p>
-        </p:txBody>
-      </p:sp>
-      <p:sp>
-        <p:nvSpPr>
-          <p:cNvPr id="3" name="Content Placeholder 2"/>
-          <p:cNvSpPr>
-            <a:spLocks noGrp="1"/>
-          </p:cNvSpPr>
-          <p:nvPr>
-            <p:ph idx="1"/>
-          </p:nvPr>
-        </p:nvSpPr>
-        <p:spPr/>
-        <p:txBody>
-          <a:bodyPr/>
-          <a:lstStyle/>
-          <a:p>
-            <a:endParaRPr lang="en-US"/>
-          </a:p>
-        </p:txBody>
-      </p:sp>
-      <p:sp>
-        <p:nvSpPr>
-          <p:cNvPr id="4" name="Text Placeholder 3"/>
-          <p:cNvSpPr>
-            <a:spLocks noGrp="1"/>
-          </p:cNvSpPr>
-          <p:nvPr>
-            <p:ph type="body" sz="half" idx="2"/>
-          </p:nvPr>
-        </p:nvSpPr>
-        <p:spPr/>
-        <p:txBody>
-          <a:bodyPr/>
-          <a:lstStyle/>
-          <a:p>
-            <a:endParaRPr lang="en-US"/>
-          </a:p>
-        </p:txBody>
-      </p:sp>
+      <p:pic>
+        <p:nvPicPr>
+          <p:cNvPr id="2" name="Picture 1"/>
+          <p:cNvPicPr>
+            <a:picLocks noChangeAspect="1"/>
+          </p:cNvPicPr>
+          <p:nvPr/>
+        </p:nvPicPr>
+        <p:blipFill>
+          <a:blip r:embed="rId2"/>
+          <a:stretch>
+            <a:fillRect/>
+          </a:stretch>
+        </p:blipFill>
+        <p:spPr>
+          <a:xfrm>
+            <a:off x="1770062" y="723900"/>
+            <a:ext cx="8648700" cy="5410200"/>
+          </a:xfrm>
+          <a:prstGeom prst="rect">
+            <a:avLst/>
+          </a:prstGeom>
+        </p:spPr>
+      </p:pic>
     </p:spTree>
     <p:extLst>
       <p:ext uri="{BB962C8B-B14F-4D97-AF65-F5344CB8AC3E}">
-        <p14:creationId xmlns:p14="http://schemas.microsoft.com/office/powerpoint/2010/main" val="4237772798"/>
+        <p14:creationId xmlns:p14="http://schemas.microsoft.com/office/powerpoint/2010/main" val="4263282745"/>
       </p:ext>
     </p:extLst>
   </p:cSld>
@@ -9734,63 +5813,36 @@
           <a:chExt cx="0" cy="0"/>
         </a:xfrm>
       </p:grpSpPr>
-      <p:sp>
-        <p:nvSpPr>
-          <p:cNvPr id="2" name="Title 1"/>
-          <p:cNvSpPr>
-            <a:spLocks noGrp="1"/>
-          </p:cNvSpPr>
-          <p:nvPr>
-            <p:ph type="title"/>
-          </p:nvPr>
-        </p:nvSpPr>
-        <p:spPr/>
-        <p:txBody>
-          <a:bodyPr/>
-          <a:lstStyle/>
-          <a:p>
-            <a:r>
-              <a:rPr lang="en-US" dirty="0"/>
-              <a:t>Add a Slide Title - 5</a:t>
-            </a:r>
-          </a:p>
-        </p:txBody>
-      </p:sp>
-      <p:sp>
-        <p:nvSpPr>
-          <p:cNvPr id="5" name="Picture Placeholder 4" descr="An empty placeholder to add an image. Click on the placeholder and select the image that you wish to add."/>
-          <p:cNvSpPr>
-            <a:spLocks noGrp="1"/>
-          </p:cNvSpPr>
-          <p:nvPr>
-            <p:ph type="pic" idx="1"/>
-          </p:nvPr>
-        </p:nvSpPr>
-        <p:spPr/>
-      </p:sp>
-      <p:sp>
-        <p:nvSpPr>
-          <p:cNvPr id="4" name="Text Placeholder 3"/>
-          <p:cNvSpPr>
-            <a:spLocks noGrp="1"/>
-          </p:cNvSpPr>
-          <p:nvPr>
-            <p:ph type="body" sz="half" idx="2"/>
-          </p:nvPr>
-        </p:nvSpPr>
-        <p:spPr/>
-        <p:txBody>
-          <a:bodyPr/>
-          <a:lstStyle/>
-          <a:p>
-            <a:endParaRPr lang="en-US" dirty="0"/>
-          </a:p>
-        </p:txBody>
-      </p:sp>
+      <p:pic>
+        <p:nvPicPr>
+          <p:cNvPr id="3" name="Picture 2">
+            <a:hlinkClick r:id="rId2"/>
+          </p:cNvPr>
+          <p:cNvPicPr>
+            <a:picLocks noChangeAspect="1"/>
+          </p:cNvPicPr>
+          <p:nvPr/>
+        </p:nvPicPr>
+        <p:blipFill>
+          <a:blip r:embed="rId3"/>
+          <a:stretch>
+            <a:fillRect/>
+          </a:stretch>
+        </p:blipFill>
+        <p:spPr>
+          <a:xfrm>
+            <a:off x="1608137" y="385762"/>
+            <a:ext cx="8972550" cy="6086475"/>
+          </a:xfrm>
+          <a:prstGeom prst="rect">
+            <a:avLst/>
+          </a:prstGeom>
+        </p:spPr>
+      </p:pic>
     </p:spTree>
     <p:extLst>
       <p:ext uri="{BB962C8B-B14F-4D97-AF65-F5344CB8AC3E}">
-        <p14:creationId xmlns:p14="http://schemas.microsoft.com/office/powerpoint/2010/main" val="849448384"/>
+        <p14:creationId xmlns:p14="http://schemas.microsoft.com/office/powerpoint/2010/main" val="2796039508"/>
       </p:ext>
     </p:extLst>
   </p:cSld>
@@ -9809,6 +5861,709 @@
       </p:transition>
     </mc:Fallback>
   </mc:AlternateContent>
+</p:sld>
+</file>
+
+<file path=ppt/slides/slide22.xml><?xml version="1.0" encoding="utf-8"?>
+<p:sld xmlns:a="http://schemas.openxmlformats.org/drawingml/2006/main" xmlns:r="http://schemas.openxmlformats.org/officeDocument/2006/relationships" xmlns:p="http://schemas.openxmlformats.org/presentationml/2006/main">
+  <p:cSld>
+    <p:spTree>
+      <p:nvGrpSpPr>
+        <p:cNvPr id="1" name=""/>
+        <p:cNvGrpSpPr/>
+        <p:nvPr/>
+      </p:nvGrpSpPr>
+      <p:grpSpPr>
+        <a:xfrm>
+          <a:off x="0" y="0"/>
+          <a:ext cx="0" cy="0"/>
+          <a:chOff x="0" y="0"/>
+          <a:chExt cx="0" cy="0"/>
+        </a:xfrm>
+      </p:grpSpPr>
+      <p:sp>
+        <p:nvSpPr>
+          <p:cNvPr id="13" name="Title 12"/>
+          <p:cNvSpPr>
+            <a:spLocks noGrp="1"/>
+          </p:cNvSpPr>
+          <p:nvPr>
+            <p:ph type="title"/>
+          </p:nvPr>
+        </p:nvSpPr>
+        <p:spPr/>
+        <p:txBody>
+          <a:bodyPr/>
+          <a:lstStyle/>
+          <a:p>
+            <a:r>
+              <a:rPr lang="en-US" dirty="0" smtClean="0"/>
+              <a:t>Recommenders</a:t>
+            </a:r>
+            <a:endParaRPr lang="en-US" dirty="0"/>
+          </a:p>
+        </p:txBody>
+      </p:sp>
+      <p:sp>
+        <p:nvSpPr>
+          <p:cNvPr id="14" name="Content Placeholder 13"/>
+          <p:cNvSpPr>
+            <a:spLocks noGrp="1"/>
+          </p:cNvSpPr>
+          <p:nvPr>
+            <p:ph idx="1"/>
+          </p:nvPr>
+        </p:nvSpPr>
+        <p:spPr/>
+        <p:txBody>
+          <a:bodyPr>
+            <a:normAutofit lnSpcReduction="10000"/>
+          </a:bodyPr>
+          <a:lstStyle/>
+          <a:p>
+            <a:r>
+              <a:rPr lang="en-US" dirty="0" smtClean="0"/>
+              <a:t>Netflix movie recommendations based on user ratings</a:t>
+            </a:r>
+          </a:p>
+          <a:p>
+            <a:r>
+              <a:rPr lang="en-US" dirty="0" smtClean="0"/>
+              <a:t>Song recommender based on user listen count </a:t>
+            </a:r>
+          </a:p>
+          <a:p>
+            <a:r>
+              <a:rPr lang="en-US" dirty="0" smtClean="0"/>
+              <a:t>Facebook fiend recommender</a:t>
+            </a:r>
+          </a:p>
+          <a:p>
+            <a:r>
+              <a:rPr lang="en-US" dirty="0" smtClean="0"/>
+              <a:t>Popularity based: not personalized</a:t>
+            </a:r>
+          </a:p>
+          <a:p>
+            <a:r>
+              <a:rPr lang="en-US" dirty="0" smtClean="0"/>
+              <a:t>Classification based: features may not be available</a:t>
+            </a:r>
+          </a:p>
+          <a:p>
+            <a:r>
+              <a:rPr lang="en-US" dirty="0" smtClean="0"/>
+              <a:t>Co-occurrence based: who bought this also bought…</a:t>
+            </a:r>
+          </a:p>
+          <a:p>
+            <a:endParaRPr lang="en-US" dirty="0"/>
+          </a:p>
+          <a:p>
+            <a:pPr marL="0" indent="0">
+              <a:buNone/>
+            </a:pPr>
+            <a:r>
+              <a:rPr lang="en-US" dirty="0"/>
+              <a:t>pip install </a:t>
+            </a:r>
+            <a:r>
+              <a:rPr lang="en-US" dirty="0" err="1" smtClean="0"/>
+              <a:t>scikit</a:t>
+            </a:r>
+            <a:r>
+              <a:rPr lang="en-US" dirty="0" smtClean="0"/>
+              <a:t>-surprise (in your </a:t>
+            </a:r>
+            <a:r>
+              <a:rPr lang="en-US" dirty="0" err="1" smtClean="0"/>
+              <a:t>docker</a:t>
+            </a:r>
+            <a:r>
+              <a:rPr lang="en-US" dirty="0" smtClean="0"/>
+              <a:t> container)</a:t>
+            </a:r>
+          </a:p>
+        </p:txBody>
+      </p:sp>
+    </p:spTree>
+    <p:extLst>
+      <p:ext uri="{BB962C8B-B14F-4D97-AF65-F5344CB8AC3E}">
+        <p14:creationId xmlns:p14="http://schemas.microsoft.com/office/powerpoint/2010/main" val="1882341495"/>
+      </p:ext>
+    </p:extLst>
+  </p:cSld>
+  <p:clrMapOvr>
+    <a:masterClrMapping/>
+  </p:clrMapOvr>
+  <mc:AlternateContent xmlns:mc="http://schemas.openxmlformats.org/markup-compatibility/2006" xmlns:p14="http://schemas.microsoft.com/office/powerpoint/2010/main">
+    <mc:Choice Requires="p14">
+      <p:transition spd="med" p14:dur="700">
+        <p:fade/>
+      </p:transition>
+    </mc:Choice>
+    <mc:Fallback xmlns="">
+      <p:transition spd="med">
+        <p:fade/>
+      </p:transition>
+    </mc:Fallback>
+  </mc:AlternateContent>
+  <p:timing>
+    <p:tnLst>
+      <p:par>
+        <p:cTn id="1" dur="indefinite" restart="never" nodeType="tmRoot"/>
+      </p:par>
+    </p:tnLst>
+  </p:timing>
+</p:sld>
+</file>
+
+<file path=ppt/slides/slide23.xml><?xml version="1.0" encoding="utf-8"?>
+<p:sld xmlns:a="http://schemas.openxmlformats.org/drawingml/2006/main" xmlns:r="http://schemas.openxmlformats.org/officeDocument/2006/relationships" xmlns:p="http://schemas.openxmlformats.org/presentationml/2006/main">
+  <p:cSld>
+    <p:spTree>
+      <p:nvGrpSpPr>
+        <p:cNvPr id="1" name=""/>
+        <p:cNvGrpSpPr/>
+        <p:nvPr/>
+      </p:nvGrpSpPr>
+      <p:grpSpPr>
+        <a:xfrm>
+          <a:off x="0" y="0"/>
+          <a:ext cx="0" cy="0"/>
+          <a:chOff x="0" y="0"/>
+          <a:chExt cx="0" cy="0"/>
+        </a:xfrm>
+      </p:grpSpPr>
+      <p:pic>
+        <p:nvPicPr>
+          <p:cNvPr id="3" name="Picture 2"/>
+          <p:cNvPicPr>
+            <a:picLocks noChangeAspect="1"/>
+          </p:cNvPicPr>
+          <p:nvPr/>
+        </p:nvPicPr>
+        <p:blipFill>
+          <a:blip r:embed="rId2"/>
+          <a:stretch>
+            <a:fillRect/>
+          </a:stretch>
+        </p:blipFill>
+        <p:spPr>
+          <a:xfrm>
+            <a:off x="788987" y="585787"/>
+            <a:ext cx="10610850" cy="5686425"/>
+          </a:xfrm>
+          <a:prstGeom prst="rect">
+            <a:avLst/>
+          </a:prstGeom>
+        </p:spPr>
+      </p:pic>
+    </p:spTree>
+    <p:extLst>
+      <p:ext uri="{BB962C8B-B14F-4D97-AF65-F5344CB8AC3E}">
+        <p14:creationId xmlns:p14="http://schemas.microsoft.com/office/powerpoint/2010/main" val="3457798134"/>
+      </p:ext>
+    </p:extLst>
+  </p:cSld>
+  <p:clrMapOvr>
+    <a:masterClrMapping/>
+  </p:clrMapOvr>
+  <mc:AlternateContent xmlns:mc="http://schemas.openxmlformats.org/markup-compatibility/2006" xmlns:p14="http://schemas.microsoft.com/office/powerpoint/2010/main">
+    <mc:Choice Requires="p14">
+      <p:transition spd="med" p14:dur="700">
+        <p:fade/>
+      </p:transition>
+    </mc:Choice>
+    <mc:Fallback xmlns="">
+      <p:transition spd="med">
+        <p:fade/>
+      </p:transition>
+    </mc:Fallback>
+  </mc:AlternateContent>
+  <p:timing>
+    <p:tnLst>
+      <p:par>
+        <p:cTn id="1" dur="indefinite" restart="never" nodeType="tmRoot"/>
+      </p:par>
+    </p:tnLst>
+  </p:timing>
+</p:sld>
+</file>
+
+<file path=ppt/slides/slide24.xml><?xml version="1.0" encoding="utf-8"?>
+<p:sld xmlns:a="http://schemas.openxmlformats.org/drawingml/2006/main" xmlns:r="http://schemas.openxmlformats.org/officeDocument/2006/relationships" xmlns:p="http://schemas.openxmlformats.org/presentationml/2006/main">
+  <p:cSld>
+    <p:spTree>
+      <p:nvGrpSpPr>
+        <p:cNvPr id="1" name=""/>
+        <p:cNvGrpSpPr/>
+        <p:nvPr/>
+      </p:nvGrpSpPr>
+      <p:grpSpPr>
+        <a:xfrm>
+          <a:off x="0" y="0"/>
+          <a:ext cx="0" cy="0"/>
+          <a:chOff x="0" y="0"/>
+          <a:chExt cx="0" cy="0"/>
+        </a:xfrm>
+      </p:grpSpPr>
+      <p:pic>
+        <p:nvPicPr>
+          <p:cNvPr id="2" name="Picture 1"/>
+          <p:cNvPicPr>
+            <a:picLocks noChangeAspect="1"/>
+          </p:cNvPicPr>
+          <p:nvPr/>
+        </p:nvPicPr>
+        <p:blipFill>
+          <a:blip r:embed="rId2"/>
+          <a:stretch>
+            <a:fillRect/>
+          </a:stretch>
+        </p:blipFill>
+        <p:spPr>
+          <a:xfrm>
+            <a:off x="2412999" y="638175"/>
+            <a:ext cx="7362825" cy="5581650"/>
+          </a:xfrm>
+          <a:prstGeom prst="rect">
+            <a:avLst/>
+          </a:prstGeom>
+        </p:spPr>
+      </p:pic>
+    </p:spTree>
+    <p:extLst>
+      <p:ext uri="{BB962C8B-B14F-4D97-AF65-F5344CB8AC3E}">
+        <p14:creationId xmlns:p14="http://schemas.microsoft.com/office/powerpoint/2010/main" val="3716372563"/>
+      </p:ext>
+    </p:extLst>
+  </p:cSld>
+  <p:clrMapOvr>
+    <a:masterClrMapping/>
+  </p:clrMapOvr>
+  <mc:AlternateContent xmlns:mc="http://schemas.openxmlformats.org/markup-compatibility/2006" xmlns:p14="http://schemas.microsoft.com/office/powerpoint/2010/main">
+    <mc:Choice Requires="p14">
+      <p:transition spd="med" p14:dur="700">
+        <p:fade/>
+      </p:transition>
+    </mc:Choice>
+    <mc:Fallback xmlns="">
+      <p:transition spd="med">
+        <p:fade/>
+      </p:transition>
+    </mc:Fallback>
+  </mc:AlternateContent>
+  <p:timing>
+    <p:tnLst>
+      <p:par>
+        <p:cTn id="1" dur="indefinite" restart="never" nodeType="tmRoot"/>
+      </p:par>
+    </p:tnLst>
+  </p:timing>
+</p:sld>
+</file>
+
+<file path=ppt/slides/slide25.xml><?xml version="1.0" encoding="utf-8"?>
+<p:sld xmlns:a="http://schemas.openxmlformats.org/drawingml/2006/main" xmlns:r="http://schemas.openxmlformats.org/officeDocument/2006/relationships" xmlns:p="http://schemas.openxmlformats.org/presentationml/2006/main">
+  <p:cSld>
+    <p:spTree>
+      <p:nvGrpSpPr>
+        <p:cNvPr id="1" name=""/>
+        <p:cNvGrpSpPr/>
+        <p:nvPr/>
+      </p:nvGrpSpPr>
+      <p:grpSpPr>
+        <a:xfrm>
+          <a:off x="0" y="0"/>
+          <a:ext cx="0" cy="0"/>
+          <a:chOff x="0" y="0"/>
+          <a:chExt cx="0" cy="0"/>
+        </a:xfrm>
+      </p:grpSpPr>
+      <p:pic>
+        <p:nvPicPr>
+          <p:cNvPr id="3" name="Picture 2"/>
+          <p:cNvPicPr>
+            <a:picLocks noChangeAspect="1"/>
+          </p:cNvPicPr>
+          <p:nvPr/>
+        </p:nvPicPr>
+        <p:blipFill>
+          <a:blip r:embed="rId2"/>
+          <a:stretch>
+            <a:fillRect/>
+          </a:stretch>
+        </p:blipFill>
+        <p:spPr>
+          <a:xfrm>
+            <a:off x="965199" y="538162"/>
+            <a:ext cx="10258425" cy="5781675"/>
+          </a:xfrm>
+          <a:prstGeom prst="rect">
+            <a:avLst/>
+          </a:prstGeom>
+        </p:spPr>
+      </p:pic>
+    </p:spTree>
+    <p:extLst>
+      <p:ext uri="{BB962C8B-B14F-4D97-AF65-F5344CB8AC3E}">
+        <p14:creationId xmlns:p14="http://schemas.microsoft.com/office/powerpoint/2010/main" val="3032486572"/>
+      </p:ext>
+    </p:extLst>
+  </p:cSld>
+  <p:clrMapOvr>
+    <a:masterClrMapping/>
+  </p:clrMapOvr>
+  <mc:AlternateContent xmlns:mc="http://schemas.openxmlformats.org/markup-compatibility/2006" xmlns:p14="http://schemas.microsoft.com/office/powerpoint/2010/main">
+    <mc:Choice Requires="p14">
+      <p:transition spd="med" p14:dur="700">
+        <p:fade/>
+      </p:transition>
+    </mc:Choice>
+    <mc:Fallback xmlns="">
+      <p:transition spd="med">
+        <p:fade/>
+      </p:transition>
+    </mc:Fallback>
+  </mc:AlternateContent>
+  <p:timing>
+    <p:tnLst>
+      <p:par>
+        <p:cTn id="1" dur="indefinite" restart="never" nodeType="tmRoot"/>
+      </p:par>
+    </p:tnLst>
+  </p:timing>
+</p:sld>
+</file>
+
+<file path=ppt/slides/slide26.xml><?xml version="1.0" encoding="utf-8"?>
+<p:sld xmlns:a="http://schemas.openxmlformats.org/drawingml/2006/main" xmlns:r="http://schemas.openxmlformats.org/officeDocument/2006/relationships" xmlns:p="http://schemas.openxmlformats.org/presentationml/2006/main">
+  <p:cSld>
+    <p:spTree>
+      <p:nvGrpSpPr>
+        <p:cNvPr id="1" name=""/>
+        <p:cNvGrpSpPr/>
+        <p:nvPr/>
+      </p:nvGrpSpPr>
+      <p:grpSpPr>
+        <a:xfrm>
+          <a:off x="0" y="0"/>
+          <a:ext cx="0" cy="0"/>
+          <a:chOff x="0" y="0"/>
+          <a:chExt cx="0" cy="0"/>
+        </a:xfrm>
+      </p:grpSpPr>
+      <p:pic>
+        <p:nvPicPr>
+          <p:cNvPr id="2" name="Picture 1">
+            <a:hlinkClick r:id="rId2"/>
+          </p:cNvPr>
+          <p:cNvPicPr>
+            <a:picLocks noChangeAspect="1"/>
+          </p:cNvPicPr>
+          <p:nvPr/>
+        </p:nvPicPr>
+        <p:blipFill>
+          <a:blip r:embed="rId3"/>
+          <a:stretch>
+            <a:fillRect/>
+          </a:stretch>
+        </p:blipFill>
+        <p:spPr>
+          <a:xfrm>
+            <a:off x="1479549" y="757237"/>
+            <a:ext cx="9229725" cy="5343525"/>
+          </a:xfrm>
+          <a:prstGeom prst="rect">
+            <a:avLst/>
+          </a:prstGeom>
+        </p:spPr>
+      </p:pic>
+    </p:spTree>
+    <p:extLst>
+      <p:ext uri="{BB962C8B-B14F-4D97-AF65-F5344CB8AC3E}">
+        <p14:creationId xmlns:p14="http://schemas.microsoft.com/office/powerpoint/2010/main" val="869349853"/>
+      </p:ext>
+    </p:extLst>
+  </p:cSld>
+  <p:clrMapOvr>
+    <a:masterClrMapping/>
+  </p:clrMapOvr>
+  <mc:AlternateContent xmlns:mc="http://schemas.openxmlformats.org/markup-compatibility/2006" xmlns:p14="http://schemas.microsoft.com/office/powerpoint/2010/main">
+    <mc:Choice Requires="p14">
+      <p:transition spd="med" p14:dur="700">
+        <p:fade/>
+      </p:transition>
+    </mc:Choice>
+    <mc:Fallback xmlns="">
+      <p:transition spd="med">
+        <p:fade/>
+      </p:transition>
+    </mc:Fallback>
+  </mc:AlternateContent>
+  <p:timing>
+    <p:tnLst>
+      <p:par>
+        <p:cTn id="1" dur="indefinite" restart="never" nodeType="tmRoot"/>
+      </p:par>
+    </p:tnLst>
+  </p:timing>
+</p:sld>
+</file>
+
+<file path=ppt/slides/slide27.xml><?xml version="1.0" encoding="utf-8"?>
+<p:sld xmlns:a="http://schemas.openxmlformats.org/drawingml/2006/main" xmlns:r="http://schemas.openxmlformats.org/officeDocument/2006/relationships" xmlns:p="http://schemas.openxmlformats.org/presentationml/2006/main">
+  <p:cSld>
+    <p:spTree>
+      <p:nvGrpSpPr>
+        <p:cNvPr id="1" name=""/>
+        <p:cNvGrpSpPr/>
+        <p:nvPr/>
+      </p:nvGrpSpPr>
+      <p:grpSpPr>
+        <a:xfrm>
+          <a:off x="0" y="0"/>
+          <a:ext cx="0" cy="0"/>
+          <a:chOff x="0" y="0"/>
+          <a:chExt cx="0" cy="0"/>
+        </a:xfrm>
+      </p:grpSpPr>
+      <p:sp>
+        <p:nvSpPr>
+          <p:cNvPr id="13" name="Title 12"/>
+          <p:cNvSpPr>
+            <a:spLocks noGrp="1"/>
+          </p:cNvSpPr>
+          <p:nvPr>
+            <p:ph type="title"/>
+          </p:nvPr>
+        </p:nvSpPr>
+        <p:spPr/>
+        <p:txBody>
+          <a:bodyPr/>
+          <a:lstStyle/>
+          <a:p>
+            <a:r>
+              <a:rPr lang="en-US" dirty="0" smtClean="0"/>
+              <a:t>Deep Learning and Neural Networks</a:t>
+            </a:r>
+            <a:endParaRPr lang="en-US" dirty="0"/>
+          </a:p>
+        </p:txBody>
+      </p:sp>
+      <p:sp>
+        <p:nvSpPr>
+          <p:cNvPr id="14" name="Content Placeholder 13"/>
+          <p:cNvSpPr>
+            <a:spLocks noGrp="1"/>
+          </p:cNvSpPr>
+          <p:nvPr>
+            <p:ph idx="1"/>
+          </p:nvPr>
+        </p:nvSpPr>
+        <p:spPr/>
+        <p:txBody>
+          <a:bodyPr>
+            <a:normAutofit/>
+          </a:bodyPr>
+          <a:lstStyle/>
+          <a:p>
+            <a:r>
+              <a:rPr lang="en-US" dirty="0" smtClean="0"/>
+              <a:t>Neural networks</a:t>
+            </a:r>
+          </a:p>
+          <a:p>
+            <a:r>
+              <a:rPr lang="en-US" dirty="0" smtClean="0"/>
+              <a:t>Image recognition</a:t>
+            </a:r>
+          </a:p>
+          <a:p>
+            <a:r>
+              <a:rPr lang="en-US" dirty="0" smtClean="0"/>
+              <a:t>Deep features and transfer learning</a:t>
+            </a:r>
+            <a:endParaRPr lang="en-US" dirty="0"/>
+          </a:p>
+        </p:txBody>
+      </p:sp>
+    </p:spTree>
+    <p:extLst>
+      <p:ext uri="{BB962C8B-B14F-4D97-AF65-F5344CB8AC3E}">
+        <p14:creationId xmlns:p14="http://schemas.microsoft.com/office/powerpoint/2010/main" val="1354754822"/>
+      </p:ext>
+    </p:extLst>
+  </p:cSld>
+  <p:clrMapOvr>
+    <a:masterClrMapping/>
+  </p:clrMapOvr>
+  <mc:AlternateContent xmlns:mc="http://schemas.openxmlformats.org/markup-compatibility/2006" xmlns:p14="http://schemas.microsoft.com/office/powerpoint/2010/main">
+    <mc:Choice Requires="p14">
+      <p:transition spd="med" p14:dur="700">
+        <p:fade/>
+      </p:transition>
+    </mc:Choice>
+    <mc:Fallback xmlns="">
+      <p:transition spd="med">
+        <p:fade/>
+      </p:transition>
+    </mc:Fallback>
+  </mc:AlternateContent>
+  <p:timing>
+    <p:tnLst>
+      <p:par>
+        <p:cTn id="1" dur="indefinite" restart="never" nodeType="tmRoot"/>
+      </p:par>
+    </p:tnLst>
+  </p:timing>
+</p:sld>
+</file>
+
+<file path=ppt/slides/slide28.xml><?xml version="1.0" encoding="utf-8"?>
+<p:sld xmlns:a="http://schemas.openxmlformats.org/drawingml/2006/main" xmlns:r="http://schemas.openxmlformats.org/officeDocument/2006/relationships" xmlns:p="http://schemas.openxmlformats.org/presentationml/2006/main">
+  <p:cSld>
+    <p:spTree>
+      <p:nvGrpSpPr>
+        <p:cNvPr id="1" name=""/>
+        <p:cNvGrpSpPr/>
+        <p:nvPr/>
+      </p:nvGrpSpPr>
+      <p:grpSpPr>
+        <a:xfrm>
+          <a:off x="0" y="0"/>
+          <a:ext cx="0" cy="0"/>
+          <a:chOff x="0" y="0"/>
+          <a:chExt cx="0" cy="0"/>
+        </a:xfrm>
+      </p:grpSpPr>
+      <p:pic>
+        <p:nvPicPr>
+          <p:cNvPr id="2" name="Picture 1"/>
+          <p:cNvPicPr>
+            <a:picLocks noChangeAspect="1"/>
+          </p:cNvPicPr>
+          <p:nvPr/>
+        </p:nvPicPr>
+        <p:blipFill>
+          <a:blip r:embed="rId2"/>
+          <a:stretch>
+            <a:fillRect/>
+          </a:stretch>
+        </p:blipFill>
+        <p:spPr>
+          <a:xfrm>
+            <a:off x="2122487" y="590550"/>
+            <a:ext cx="7943850" cy="5676900"/>
+          </a:xfrm>
+          <a:prstGeom prst="rect">
+            <a:avLst/>
+          </a:prstGeom>
+        </p:spPr>
+      </p:pic>
+    </p:spTree>
+    <p:extLst>
+      <p:ext uri="{BB962C8B-B14F-4D97-AF65-F5344CB8AC3E}">
+        <p14:creationId xmlns:p14="http://schemas.microsoft.com/office/powerpoint/2010/main" val="3609602731"/>
+      </p:ext>
+    </p:extLst>
+  </p:cSld>
+  <p:clrMapOvr>
+    <a:masterClrMapping/>
+  </p:clrMapOvr>
+  <mc:AlternateContent xmlns:mc="http://schemas.openxmlformats.org/markup-compatibility/2006" xmlns:p14="http://schemas.microsoft.com/office/powerpoint/2010/main">
+    <mc:Choice Requires="p14">
+      <p:transition spd="med" p14:dur="700">
+        <p:fade/>
+      </p:transition>
+    </mc:Choice>
+    <mc:Fallback xmlns="">
+      <p:transition spd="med">
+        <p:fade/>
+      </p:transition>
+    </mc:Fallback>
+  </mc:AlternateContent>
+  <p:timing>
+    <p:tnLst>
+      <p:par>
+        <p:cTn id="1" dur="indefinite" restart="never" nodeType="tmRoot"/>
+      </p:par>
+    </p:tnLst>
+  </p:timing>
+</p:sld>
+</file>
+
+<file path=ppt/slides/slide29.xml><?xml version="1.0" encoding="utf-8"?>
+<p:sld xmlns:a="http://schemas.openxmlformats.org/drawingml/2006/main" xmlns:r="http://schemas.openxmlformats.org/officeDocument/2006/relationships" xmlns:p="http://schemas.openxmlformats.org/presentationml/2006/main">
+  <p:cSld>
+    <p:spTree>
+      <p:nvGrpSpPr>
+        <p:cNvPr id="1" name=""/>
+        <p:cNvGrpSpPr/>
+        <p:nvPr/>
+      </p:nvGrpSpPr>
+      <p:grpSpPr>
+        <a:xfrm>
+          <a:off x="0" y="0"/>
+          <a:ext cx="0" cy="0"/>
+          <a:chOff x="0" y="0"/>
+          <a:chExt cx="0" cy="0"/>
+        </a:xfrm>
+      </p:grpSpPr>
+      <p:pic>
+        <p:nvPicPr>
+          <p:cNvPr id="3" name="Picture 2"/>
+          <p:cNvPicPr>
+            <a:picLocks noChangeAspect="1"/>
+          </p:cNvPicPr>
+          <p:nvPr/>
+        </p:nvPicPr>
+        <p:blipFill>
+          <a:blip r:embed="rId2"/>
+          <a:stretch>
+            <a:fillRect/>
+          </a:stretch>
+        </p:blipFill>
+        <p:spPr>
+          <a:xfrm>
+            <a:off x="1446212" y="519112"/>
+            <a:ext cx="9296400" cy="5819775"/>
+          </a:xfrm>
+          <a:prstGeom prst="rect">
+            <a:avLst/>
+          </a:prstGeom>
+        </p:spPr>
+      </p:pic>
+    </p:spTree>
+    <p:extLst>
+      <p:ext uri="{BB962C8B-B14F-4D97-AF65-F5344CB8AC3E}">
+        <p14:creationId xmlns:p14="http://schemas.microsoft.com/office/powerpoint/2010/main" val="192083607"/>
+      </p:ext>
+    </p:extLst>
+  </p:cSld>
+  <p:clrMapOvr>
+    <a:masterClrMapping/>
+  </p:clrMapOvr>
+  <mc:AlternateContent xmlns:mc="http://schemas.openxmlformats.org/markup-compatibility/2006" xmlns:p14="http://schemas.microsoft.com/office/powerpoint/2010/main">
+    <mc:Choice Requires="p14">
+      <p:transition spd="med" p14:dur="700">
+        <p:fade/>
+      </p:transition>
+    </mc:Choice>
+    <mc:Fallback xmlns="">
+      <p:transition spd="med">
+        <p:fade/>
+      </p:transition>
+    </mc:Fallback>
+  </mc:AlternateContent>
+  <p:timing>
+    <p:tnLst>
+      <p:par>
+        <p:cTn id="1" dur="indefinite" restart="never" nodeType="tmRoot"/>
+      </p:par>
+    </p:tnLst>
+  </p:timing>
 </p:sld>
 </file>
 
@@ -9909,6 +6664,755 @@
 </p:sld>
 </file>
 
+<file path=ppt/slides/slide30.xml><?xml version="1.0" encoding="utf-8"?>
+<p:sld xmlns:a="http://schemas.openxmlformats.org/drawingml/2006/main" xmlns:r="http://schemas.openxmlformats.org/officeDocument/2006/relationships" xmlns:p="http://schemas.openxmlformats.org/presentationml/2006/main">
+  <p:cSld>
+    <p:spTree>
+      <p:nvGrpSpPr>
+        <p:cNvPr id="1" name=""/>
+        <p:cNvGrpSpPr/>
+        <p:nvPr/>
+      </p:nvGrpSpPr>
+      <p:grpSpPr>
+        <a:xfrm>
+          <a:off x="0" y="0"/>
+          <a:ext cx="0" cy="0"/>
+          <a:chOff x="0" y="0"/>
+          <a:chExt cx="0" cy="0"/>
+        </a:xfrm>
+      </p:grpSpPr>
+      <p:pic>
+        <p:nvPicPr>
+          <p:cNvPr id="2" name="Picture 1"/>
+          <p:cNvPicPr>
+            <a:picLocks noChangeAspect="1"/>
+          </p:cNvPicPr>
+          <p:nvPr/>
+        </p:nvPicPr>
+        <p:blipFill>
+          <a:blip r:embed="rId2"/>
+          <a:stretch>
+            <a:fillRect/>
+          </a:stretch>
+        </p:blipFill>
+        <p:spPr>
+          <a:xfrm>
+            <a:off x="2136774" y="600075"/>
+            <a:ext cx="7915275" cy="5657850"/>
+          </a:xfrm>
+          <a:prstGeom prst="rect">
+            <a:avLst/>
+          </a:prstGeom>
+        </p:spPr>
+      </p:pic>
+    </p:spTree>
+    <p:extLst>
+      <p:ext uri="{BB962C8B-B14F-4D97-AF65-F5344CB8AC3E}">
+        <p14:creationId xmlns:p14="http://schemas.microsoft.com/office/powerpoint/2010/main" val="253168925"/>
+      </p:ext>
+    </p:extLst>
+  </p:cSld>
+  <p:clrMapOvr>
+    <a:masterClrMapping/>
+  </p:clrMapOvr>
+  <mc:AlternateContent xmlns:mc="http://schemas.openxmlformats.org/markup-compatibility/2006" xmlns:p14="http://schemas.microsoft.com/office/powerpoint/2010/main">
+    <mc:Choice Requires="p14">
+      <p:transition spd="med" p14:dur="700">
+        <p:fade/>
+      </p:transition>
+    </mc:Choice>
+    <mc:Fallback xmlns="">
+      <p:transition spd="med">
+        <p:fade/>
+      </p:transition>
+    </mc:Fallback>
+  </mc:AlternateContent>
+  <p:timing>
+    <p:tnLst>
+      <p:par>
+        <p:cTn id="1" dur="indefinite" restart="never" nodeType="tmRoot"/>
+      </p:par>
+    </p:tnLst>
+  </p:timing>
+</p:sld>
+</file>
+
+<file path=ppt/slides/slide31.xml><?xml version="1.0" encoding="utf-8"?>
+<p:sld xmlns:a="http://schemas.openxmlformats.org/drawingml/2006/main" xmlns:r="http://schemas.openxmlformats.org/officeDocument/2006/relationships" xmlns:p="http://schemas.openxmlformats.org/presentationml/2006/main">
+  <p:cSld>
+    <p:spTree>
+      <p:nvGrpSpPr>
+        <p:cNvPr id="1" name=""/>
+        <p:cNvGrpSpPr/>
+        <p:nvPr/>
+      </p:nvGrpSpPr>
+      <p:grpSpPr>
+        <a:xfrm>
+          <a:off x="0" y="0"/>
+          <a:ext cx="0" cy="0"/>
+          <a:chOff x="0" y="0"/>
+          <a:chExt cx="0" cy="0"/>
+        </a:xfrm>
+      </p:grpSpPr>
+      <p:pic>
+        <p:nvPicPr>
+          <p:cNvPr id="3" name="Picture 2"/>
+          <p:cNvPicPr>
+            <a:picLocks noChangeAspect="1"/>
+          </p:cNvPicPr>
+          <p:nvPr/>
+        </p:nvPicPr>
+        <p:blipFill>
+          <a:blip r:embed="rId2"/>
+          <a:stretch>
+            <a:fillRect/>
+          </a:stretch>
+        </p:blipFill>
+        <p:spPr>
+          <a:xfrm>
+            <a:off x="2270124" y="647700"/>
+            <a:ext cx="7648575" cy="5562600"/>
+          </a:xfrm>
+          <a:prstGeom prst="rect">
+            <a:avLst/>
+          </a:prstGeom>
+        </p:spPr>
+      </p:pic>
+    </p:spTree>
+    <p:extLst>
+      <p:ext uri="{BB962C8B-B14F-4D97-AF65-F5344CB8AC3E}">
+        <p14:creationId xmlns:p14="http://schemas.microsoft.com/office/powerpoint/2010/main" val="1525091059"/>
+      </p:ext>
+    </p:extLst>
+  </p:cSld>
+  <p:clrMapOvr>
+    <a:masterClrMapping/>
+  </p:clrMapOvr>
+  <mc:AlternateContent xmlns:mc="http://schemas.openxmlformats.org/markup-compatibility/2006" xmlns:p14="http://schemas.microsoft.com/office/powerpoint/2010/main">
+    <mc:Choice Requires="p14">
+      <p:transition spd="med" p14:dur="700">
+        <p:fade/>
+      </p:transition>
+    </mc:Choice>
+    <mc:Fallback xmlns="">
+      <p:transition spd="med">
+        <p:fade/>
+      </p:transition>
+    </mc:Fallback>
+  </mc:AlternateContent>
+  <p:timing>
+    <p:tnLst>
+      <p:par>
+        <p:cTn id="1" dur="indefinite" restart="never" nodeType="tmRoot"/>
+      </p:par>
+    </p:tnLst>
+  </p:timing>
+</p:sld>
+</file>
+
+<file path=ppt/slides/slide32.xml><?xml version="1.0" encoding="utf-8"?>
+<p:sld xmlns:a="http://schemas.openxmlformats.org/drawingml/2006/main" xmlns:r="http://schemas.openxmlformats.org/officeDocument/2006/relationships" xmlns:p="http://schemas.openxmlformats.org/presentationml/2006/main">
+  <p:cSld>
+    <p:spTree>
+      <p:nvGrpSpPr>
+        <p:cNvPr id="1" name=""/>
+        <p:cNvGrpSpPr/>
+        <p:nvPr/>
+      </p:nvGrpSpPr>
+      <p:grpSpPr>
+        <a:xfrm>
+          <a:off x="0" y="0"/>
+          <a:ext cx="0" cy="0"/>
+          <a:chOff x="0" y="0"/>
+          <a:chExt cx="0" cy="0"/>
+        </a:xfrm>
+      </p:grpSpPr>
+      <p:pic>
+        <p:nvPicPr>
+          <p:cNvPr id="2" name="Picture 1"/>
+          <p:cNvPicPr>
+            <a:picLocks noChangeAspect="1"/>
+          </p:cNvPicPr>
+          <p:nvPr/>
+        </p:nvPicPr>
+        <p:blipFill>
+          <a:blip r:embed="rId2"/>
+          <a:stretch>
+            <a:fillRect/>
+          </a:stretch>
+        </p:blipFill>
+        <p:spPr>
+          <a:xfrm>
+            <a:off x="2174874" y="1100137"/>
+            <a:ext cx="7839075" cy="4657725"/>
+          </a:xfrm>
+          <a:prstGeom prst="rect">
+            <a:avLst/>
+          </a:prstGeom>
+        </p:spPr>
+      </p:pic>
+    </p:spTree>
+    <p:extLst>
+      <p:ext uri="{BB962C8B-B14F-4D97-AF65-F5344CB8AC3E}">
+        <p14:creationId xmlns:p14="http://schemas.microsoft.com/office/powerpoint/2010/main" val="2096811660"/>
+      </p:ext>
+    </p:extLst>
+  </p:cSld>
+  <p:clrMapOvr>
+    <a:masterClrMapping/>
+  </p:clrMapOvr>
+  <mc:AlternateContent xmlns:mc="http://schemas.openxmlformats.org/markup-compatibility/2006" xmlns:p14="http://schemas.microsoft.com/office/powerpoint/2010/main">
+    <mc:Choice Requires="p14">
+      <p:transition spd="med" p14:dur="700">
+        <p:fade/>
+      </p:transition>
+    </mc:Choice>
+    <mc:Fallback xmlns="">
+      <p:transition spd="med">
+        <p:fade/>
+      </p:transition>
+    </mc:Fallback>
+  </mc:AlternateContent>
+  <p:timing>
+    <p:tnLst>
+      <p:par>
+        <p:cTn id="1" dur="indefinite" restart="never" nodeType="tmRoot"/>
+      </p:par>
+    </p:tnLst>
+  </p:timing>
+</p:sld>
+</file>
+
+<file path=ppt/slides/slide33.xml><?xml version="1.0" encoding="utf-8"?>
+<p:sld xmlns:a="http://schemas.openxmlformats.org/drawingml/2006/main" xmlns:r="http://schemas.openxmlformats.org/officeDocument/2006/relationships" xmlns:p="http://schemas.openxmlformats.org/presentationml/2006/main">
+  <p:cSld>
+    <p:spTree>
+      <p:nvGrpSpPr>
+        <p:cNvPr id="1" name=""/>
+        <p:cNvGrpSpPr/>
+        <p:nvPr/>
+      </p:nvGrpSpPr>
+      <p:grpSpPr>
+        <a:xfrm>
+          <a:off x="0" y="0"/>
+          <a:ext cx="0" cy="0"/>
+          <a:chOff x="0" y="0"/>
+          <a:chExt cx="0" cy="0"/>
+        </a:xfrm>
+      </p:grpSpPr>
+      <p:pic>
+        <p:nvPicPr>
+          <p:cNvPr id="3" name="Picture 2"/>
+          <p:cNvPicPr>
+            <a:picLocks noChangeAspect="1"/>
+          </p:cNvPicPr>
+          <p:nvPr/>
+        </p:nvPicPr>
+        <p:blipFill>
+          <a:blip r:embed="rId2"/>
+          <a:stretch>
+            <a:fillRect/>
+          </a:stretch>
+        </p:blipFill>
+        <p:spPr>
+          <a:xfrm>
+            <a:off x="774699" y="614362"/>
+            <a:ext cx="10639425" cy="5629275"/>
+          </a:xfrm>
+          <a:prstGeom prst="rect">
+            <a:avLst/>
+          </a:prstGeom>
+        </p:spPr>
+      </p:pic>
+    </p:spTree>
+    <p:extLst>
+      <p:ext uri="{BB962C8B-B14F-4D97-AF65-F5344CB8AC3E}">
+        <p14:creationId xmlns:p14="http://schemas.microsoft.com/office/powerpoint/2010/main" val="35550218"/>
+      </p:ext>
+    </p:extLst>
+  </p:cSld>
+  <p:clrMapOvr>
+    <a:masterClrMapping/>
+  </p:clrMapOvr>
+  <mc:AlternateContent xmlns:mc="http://schemas.openxmlformats.org/markup-compatibility/2006" xmlns:p14="http://schemas.microsoft.com/office/powerpoint/2010/main">
+    <mc:Choice Requires="p14">
+      <p:transition spd="med" p14:dur="700">
+        <p:fade/>
+      </p:transition>
+    </mc:Choice>
+    <mc:Fallback xmlns="">
+      <p:transition spd="med">
+        <p:fade/>
+      </p:transition>
+    </mc:Fallback>
+  </mc:AlternateContent>
+  <p:timing>
+    <p:tnLst>
+      <p:par>
+        <p:cTn id="1" dur="indefinite" restart="never" nodeType="tmRoot"/>
+      </p:par>
+    </p:tnLst>
+  </p:timing>
+</p:sld>
+</file>
+
+<file path=ppt/slides/slide34.xml><?xml version="1.0" encoding="utf-8"?>
+<p:sld xmlns:a="http://schemas.openxmlformats.org/drawingml/2006/main" xmlns:r="http://schemas.openxmlformats.org/officeDocument/2006/relationships" xmlns:p="http://schemas.openxmlformats.org/presentationml/2006/main">
+  <p:cSld>
+    <p:spTree>
+      <p:nvGrpSpPr>
+        <p:cNvPr id="1" name=""/>
+        <p:cNvGrpSpPr/>
+        <p:nvPr/>
+      </p:nvGrpSpPr>
+      <p:grpSpPr>
+        <a:xfrm>
+          <a:off x="0" y="0"/>
+          <a:ext cx="0" cy="0"/>
+          <a:chOff x="0" y="0"/>
+          <a:chExt cx="0" cy="0"/>
+        </a:xfrm>
+      </p:grpSpPr>
+      <p:pic>
+        <p:nvPicPr>
+          <p:cNvPr id="3" name="Picture 2">
+            <a:hlinkClick r:id="rId2"/>
+          </p:cNvPr>
+          <p:cNvPicPr>
+            <a:picLocks noChangeAspect="1"/>
+          </p:cNvPicPr>
+          <p:nvPr/>
+        </p:nvPicPr>
+        <p:blipFill>
+          <a:blip r:embed="rId3"/>
+          <a:stretch>
+            <a:fillRect/>
+          </a:stretch>
+        </p:blipFill>
+        <p:spPr>
+          <a:xfrm>
+            <a:off x="1574799" y="366712"/>
+            <a:ext cx="9039225" cy="6124575"/>
+          </a:xfrm>
+          <a:prstGeom prst="rect">
+            <a:avLst/>
+          </a:prstGeom>
+        </p:spPr>
+      </p:pic>
+    </p:spTree>
+    <p:extLst>
+      <p:ext uri="{BB962C8B-B14F-4D97-AF65-F5344CB8AC3E}">
+        <p14:creationId xmlns:p14="http://schemas.microsoft.com/office/powerpoint/2010/main" val="1191842654"/>
+      </p:ext>
+    </p:extLst>
+  </p:cSld>
+  <p:clrMapOvr>
+    <a:masterClrMapping/>
+  </p:clrMapOvr>
+  <mc:AlternateContent xmlns:mc="http://schemas.openxmlformats.org/markup-compatibility/2006" xmlns:p14="http://schemas.microsoft.com/office/powerpoint/2010/main">
+    <mc:Choice Requires="p14">
+      <p:transition spd="med" p14:dur="700">
+        <p:fade/>
+      </p:transition>
+    </mc:Choice>
+    <mc:Fallback xmlns="">
+      <p:transition spd="med">
+        <p:fade/>
+      </p:transition>
+    </mc:Fallback>
+  </mc:AlternateContent>
+  <p:timing>
+    <p:tnLst>
+      <p:par>
+        <p:cTn id="1" dur="indefinite" restart="never" nodeType="tmRoot"/>
+      </p:par>
+    </p:tnLst>
+  </p:timing>
+</p:sld>
+</file>
+
+<file path=ppt/slides/slide35.xml><?xml version="1.0" encoding="utf-8"?>
+<p:sld xmlns:a="http://schemas.openxmlformats.org/drawingml/2006/main" xmlns:r="http://schemas.openxmlformats.org/officeDocument/2006/relationships" xmlns:p="http://schemas.openxmlformats.org/presentationml/2006/main">
+  <p:cSld>
+    <p:spTree>
+      <p:nvGrpSpPr>
+        <p:cNvPr id="1" name=""/>
+        <p:cNvGrpSpPr/>
+        <p:nvPr/>
+      </p:nvGrpSpPr>
+      <p:grpSpPr>
+        <a:xfrm>
+          <a:off x="0" y="0"/>
+          <a:ext cx="0" cy="0"/>
+          <a:chOff x="0" y="0"/>
+          <a:chExt cx="0" cy="0"/>
+        </a:xfrm>
+      </p:grpSpPr>
+      <p:sp>
+        <p:nvSpPr>
+          <p:cNvPr id="13" name="Title 12"/>
+          <p:cNvSpPr>
+            <a:spLocks noGrp="1"/>
+          </p:cNvSpPr>
+          <p:nvPr>
+            <p:ph type="title"/>
+          </p:nvPr>
+        </p:nvSpPr>
+        <p:spPr/>
+        <p:txBody>
+          <a:bodyPr/>
+          <a:lstStyle/>
+          <a:p>
+            <a:r>
+              <a:rPr lang="en-US" dirty="0" smtClean="0"/>
+              <a:t>Building </a:t>
+            </a:r>
+            <a:r>
+              <a:rPr lang="en-US" dirty="0" smtClean="0"/>
+              <a:t>Neural Network from scratch</a:t>
+            </a:r>
+            <a:endParaRPr lang="en-US" dirty="0"/>
+          </a:p>
+        </p:txBody>
+      </p:sp>
+      <p:sp>
+        <p:nvSpPr>
+          <p:cNvPr id="14" name="Content Placeholder 13"/>
+          <p:cNvSpPr>
+            <a:spLocks noGrp="1"/>
+          </p:cNvSpPr>
+          <p:nvPr>
+            <p:ph idx="1"/>
+          </p:nvPr>
+        </p:nvSpPr>
+        <p:spPr/>
+        <p:txBody>
+          <a:bodyPr>
+            <a:normAutofit/>
+          </a:bodyPr>
+          <a:lstStyle/>
+          <a:p>
+            <a:endParaRPr lang="en-US" dirty="0"/>
+          </a:p>
+        </p:txBody>
+      </p:sp>
+    </p:spTree>
+    <p:extLst>
+      <p:ext uri="{BB962C8B-B14F-4D97-AF65-F5344CB8AC3E}">
+        <p14:creationId xmlns:p14="http://schemas.microsoft.com/office/powerpoint/2010/main" val="719739966"/>
+      </p:ext>
+    </p:extLst>
+  </p:cSld>
+  <p:clrMapOvr>
+    <a:masterClrMapping/>
+  </p:clrMapOvr>
+  <mc:AlternateContent xmlns:mc="http://schemas.openxmlformats.org/markup-compatibility/2006" xmlns:p14="http://schemas.microsoft.com/office/powerpoint/2010/main">
+    <mc:Choice Requires="p14">
+      <p:transition spd="med" p14:dur="700">
+        <p:fade/>
+      </p:transition>
+    </mc:Choice>
+    <mc:Fallback xmlns="">
+      <p:transition spd="med">
+        <p:fade/>
+      </p:transition>
+    </mc:Fallback>
+  </mc:AlternateContent>
+  <p:timing>
+    <p:tnLst>
+      <p:par>
+        <p:cTn id="1" dur="indefinite" restart="never" nodeType="tmRoot"/>
+      </p:par>
+    </p:tnLst>
+  </p:timing>
+</p:sld>
+</file>
+
+<file path=ppt/slides/slide36.xml><?xml version="1.0" encoding="utf-8"?>
+<p:sld xmlns:a="http://schemas.openxmlformats.org/drawingml/2006/main" xmlns:r="http://schemas.openxmlformats.org/officeDocument/2006/relationships" xmlns:p="http://schemas.openxmlformats.org/presentationml/2006/main">
+  <p:cSld>
+    <p:spTree>
+      <p:nvGrpSpPr>
+        <p:cNvPr id="1" name=""/>
+        <p:cNvGrpSpPr/>
+        <p:nvPr/>
+      </p:nvGrpSpPr>
+      <p:grpSpPr>
+        <a:xfrm>
+          <a:off x="0" y="0"/>
+          <a:ext cx="0" cy="0"/>
+          <a:chOff x="0" y="0"/>
+          <a:chExt cx="0" cy="0"/>
+        </a:xfrm>
+      </p:grpSpPr>
+      <p:sp>
+        <p:nvSpPr>
+          <p:cNvPr id="13" name="Title 12"/>
+          <p:cNvSpPr>
+            <a:spLocks noGrp="1"/>
+          </p:cNvSpPr>
+          <p:nvPr>
+            <p:ph type="title"/>
+          </p:nvPr>
+        </p:nvSpPr>
+        <p:spPr/>
+        <p:txBody>
+          <a:bodyPr/>
+          <a:lstStyle/>
+          <a:p>
+            <a:r>
+              <a:rPr lang="en-US" dirty="0" err="1" smtClean="0"/>
+              <a:t>Tensorflow</a:t>
+            </a:r>
+            <a:r>
+              <a:rPr lang="en-US" dirty="0" smtClean="0"/>
+              <a:t> </a:t>
+            </a:r>
+            <a:endParaRPr lang="en-US" dirty="0"/>
+          </a:p>
+        </p:txBody>
+      </p:sp>
+      <p:sp>
+        <p:nvSpPr>
+          <p:cNvPr id="14" name="Content Placeholder 13"/>
+          <p:cNvSpPr>
+            <a:spLocks noGrp="1"/>
+          </p:cNvSpPr>
+          <p:nvPr>
+            <p:ph idx="1"/>
+          </p:nvPr>
+        </p:nvSpPr>
+        <p:spPr/>
+        <p:txBody>
+          <a:bodyPr>
+            <a:normAutofit/>
+          </a:bodyPr>
+          <a:lstStyle/>
+          <a:p>
+            <a:endParaRPr lang="en-US" dirty="0"/>
+          </a:p>
+        </p:txBody>
+      </p:sp>
+    </p:spTree>
+    <p:extLst>
+      <p:ext uri="{BB962C8B-B14F-4D97-AF65-F5344CB8AC3E}">
+        <p14:creationId xmlns:p14="http://schemas.microsoft.com/office/powerpoint/2010/main" val="3283705700"/>
+      </p:ext>
+    </p:extLst>
+  </p:cSld>
+  <p:clrMapOvr>
+    <a:masterClrMapping/>
+  </p:clrMapOvr>
+  <mc:AlternateContent xmlns:mc="http://schemas.openxmlformats.org/markup-compatibility/2006" xmlns:p14="http://schemas.microsoft.com/office/powerpoint/2010/main">
+    <mc:Choice Requires="p14">
+      <p:transition spd="med" p14:dur="700">
+        <p:fade/>
+      </p:transition>
+    </mc:Choice>
+    <mc:Fallback xmlns="">
+      <p:transition spd="med">
+        <p:fade/>
+      </p:transition>
+    </mc:Fallback>
+  </mc:AlternateContent>
+  <p:timing>
+    <p:tnLst>
+      <p:par>
+        <p:cTn id="1" dur="indefinite" restart="never" nodeType="tmRoot"/>
+      </p:par>
+    </p:tnLst>
+  </p:timing>
+</p:sld>
+</file>
+
+<file path=ppt/slides/slide37.xml><?xml version="1.0" encoding="utf-8"?>
+<p:sld xmlns:a="http://schemas.openxmlformats.org/drawingml/2006/main" xmlns:r="http://schemas.openxmlformats.org/officeDocument/2006/relationships" xmlns:p="http://schemas.openxmlformats.org/presentationml/2006/main">
+  <p:cSld>
+    <p:spTree>
+      <p:nvGrpSpPr>
+        <p:cNvPr id="1" name=""/>
+        <p:cNvGrpSpPr/>
+        <p:nvPr/>
+      </p:nvGrpSpPr>
+      <p:grpSpPr>
+        <a:xfrm>
+          <a:off x="0" y="0"/>
+          <a:ext cx="0" cy="0"/>
+          <a:chOff x="0" y="0"/>
+          <a:chExt cx="0" cy="0"/>
+        </a:xfrm>
+      </p:grpSpPr>
+      <p:sp>
+        <p:nvSpPr>
+          <p:cNvPr id="13" name="Title 12"/>
+          <p:cNvSpPr>
+            <a:spLocks noGrp="1"/>
+          </p:cNvSpPr>
+          <p:nvPr>
+            <p:ph type="title"/>
+          </p:nvPr>
+        </p:nvSpPr>
+        <p:spPr>
+          <a:xfrm>
+            <a:off x="1103947" y="457200"/>
+            <a:ext cx="9980931" cy="1168400"/>
+          </a:xfrm>
+        </p:spPr>
+        <p:txBody>
+          <a:bodyPr/>
+          <a:lstStyle/>
+          <a:p>
+            <a:r>
+              <a:rPr lang="en-US" dirty="0" smtClean="0"/>
+              <a:t>Building </a:t>
+            </a:r>
+            <a:r>
+              <a:rPr lang="en-US" dirty="0" smtClean="0"/>
+              <a:t>Neural Network from scratch using </a:t>
+            </a:r>
+            <a:r>
+              <a:rPr lang="en-US" dirty="0" err="1" smtClean="0"/>
+              <a:t>tensorflow</a:t>
+            </a:r>
+            <a:endParaRPr lang="en-US" dirty="0"/>
+          </a:p>
+        </p:txBody>
+      </p:sp>
+      <p:sp>
+        <p:nvSpPr>
+          <p:cNvPr id="14" name="Content Placeholder 13"/>
+          <p:cNvSpPr>
+            <a:spLocks noGrp="1"/>
+          </p:cNvSpPr>
+          <p:nvPr>
+            <p:ph idx="1"/>
+          </p:nvPr>
+        </p:nvSpPr>
+        <p:spPr/>
+        <p:txBody>
+          <a:bodyPr>
+            <a:normAutofit/>
+          </a:bodyPr>
+          <a:lstStyle/>
+          <a:p>
+            <a:endParaRPr lang="en-US" dirty="0"/>
+          </a:p>
+        </p:txBody>
+      </p:sp>
+    </p:spTree>
+    <p:extLst>
+      <p:ext uri="{BB962C8B-B14F-4D97-AF65-F5344CB8AC3E}">
+        <p14:creationId xmlns:p14="http://schemas.microsoft.com/office/powerpoint/2010/main" val="1138437177"/>
+      </p:ext>
+    </p:extLst>
+  </p:cSld>
+  <p:clrMapOvr>
+    <a:masterClrMapping/>
+  </p:clrMapOvr>
+  <mc:AlternateContent xmlns:mc="http://schemas.openxmlformats.org/markup-compatibility/2006" xmlns:p14="http://schemas.microsoft.com/office/powerpoint/2010/main">
+    <mc:Choice Requires="p14">
+      <p:transition spd="med" p14:dur="700">
+        <p:fade/>
+      </p:transition>
+    </mc:Choice>
+    <mc:Fallback xmlns="">
+      <p:transition spd="med">
+        <p:fade/>
+      </p:transition>
+    </mc:Fallback>
+  </mc:AlternateContent>
+  <p:timing>
+    <p:tnLst>
+      <p:par>
+        <p:cTn id="1" dur="indefinite" restart="never" nodeType="tmRoot"/>
+      </p:par>
+    </p:tnLst>
+  </p:timing>
+</p:sld>
+</file>
+
+<file path=ppt/slides/slide38.xml><?xml version="1.0" encoding="utf-8"?>
+<p:sld xmlns:a="http://schemas.openxmlformats.org/drawingml/2006/main" xmlns:r="http://schemas.openxmlformats.org/officeDocument/2006/relationships" xmlns:p="http://schemas.openxmlformats.org/presentationml/2006/main">
+  <p:cSld>
+    <p:spTree>
+      <p:nvGrpSpPr>
+        <p:cNvPr id="1" name=""/>
+        <p:cNvGrpSpPr/>
+        <p:nvPr/>
+      </p:nvGrpSpPr>
+      <p:grpSpPr>
+        <a:xfrm>
+          <a:off x="0" y="0"/>
+          <a:ext cx="0" cy="0"/>
+          <a:chOff x="0" y="0"/>
+          <a:chExt cx="0" cy="0"/>
+        </a:xfrm>
+      </p:grpSpPr>
+      <p:sp>
+        <p:nvSpPr>
+          <p:cNvPr id="14" name="Content Placeholder 13"/>
+          <p:cNvSpPr>
+            <a:spLocks noGrp="1"/>
+          </p:cNvSpPr>
+          <p:nvPr>
+            <p:ph idx="1"/>
+          </p:nvPr>
+        </p:nvSpPr>
+        <p:spPr>
+          <a:xfrm>
+            <a:off x="4722813" y="990600"/>
+            <a:ext cx="9751060" cy="4572000"/>
+          </a:xfrm>
+        </p:spPr>
+        <p:txBody>
+          <a:bodyPr anchor="ctr" anchorCtr="0">
+            <a:normAutofit/>
+          </a:bodyPr>
+          <a:lstStyle/>
+          <a:p>
+            <a:pPr marL="0" indent="0">
+              <a:buNone/>
+            </a:pPr>
+            <a:r>
+              <a:rPr lang="en-US" sz="8000" dirty="0" smtClean="0"/>
+              <a:t>Q&amp;A</a:t>
+            </a:r>
+            <a:endParaRPr lang="en-US" sz="8000" dirty="0"/>
+          </a:p>
+        </p:txBody>
+      </p:sp>
+    </p:spTree>
+    <p:extLst>
+      <p:ext uri="{BB962C8B-B14F-4D97-AF65-F5344CB8AC3E}">
+        <p14:creationId xmlns:p14="http://schemas.microsoft.com/office/powerpoint/2010/main" val="3213820947"/>
+      </p:ext>
+    </p:extLst>
+  </p:cSld>
+  <p:clrMapOvr>
+    <a:masterClrMapping/>
+  </p:clrMapOvr>
+  <mc:AlternateContent xmlns:mc="http://schemas.openxmlformats.org/markup-compatibility/2006" xmlns:p14="http://schemas.microsoft.com/office/powerpoint/2010/main">
+    <mc:Choice Requires="p14">
+      <p:transition spd="med" p14:dur="700">
+        <p:fade/>
+      </p:transition>
+    </mc:Choice>
+    <mc:Fallback xmlns="">
+      <p:transition spd="med">
+        <p:fade/>
+      </p:transition>
+    </mc:Fallback>
+  </mc:AlternateContent>
+  <p:timing>
+    <p:tnLst>
+      <p:par>
+        <p:cTn id="1" dur="indefinite" restart="never" nodeType="tmRoot"/>
+      </p:par>
+    </p:tnLst>
+  </p:timing>
+</p:sld>
+</file>
+
 <file path=ppt/slides/slide4.xml><?xml version="1.0" encoding="utf-8"?>
 <p:sld xmlns:a="http://schemas.openxmlformats.org/drawingml/2006/main" xmlns:r="http://schemas.openxmlformats.org/officeDocument/2006/relationships" xmlns:p="http://schemas.openxmlformats.org/presentationml/2006/main">
   <p:cSld>
@@ -10115,8 +7619,15 @@
           <a:p>
             <a:r>
               <a:rPr lang="en-US" dirty="0" smtClean="0"/>
-              <a:t>Pandas </a:t>
-            </a:r>
+              <a:t>Pandas</a:t>
+            </a:r>
+          </a:p>
+          <a:p>
+            <a:r>
+              <a:rPr lang="en-US" dirty="0" err="1" smtClean="0"/>
+              <a:t>Matplotlib</a:t>
+            </a:r>
+            <a:endParaRPr lang="en-US" dirty="0" smtClean="0"/>
           </a:p>
           <a:p>
             <a:r>
@@ -10125,11 +7636,7 @@
             </a:r>
             <a:r>
               <a:rPr lang="en-US" dirty="0" smtClean="0"/>
-              <a:t> </a:t>
-            </a:r>
-            <a:r>
-              <a:rPr lang="en-US" dirty="0" smtClean="0"/>
-              <a:t>learn</a:t>
+              <a:t> learn</a:t>
             </a:r>
           </a:p>
         </p:txBody>
@@ -10310,6 +7817,33 @@
           <a:p>
             <a:r>
               <a:rPr lang="en-US" dirty="0" err="1" smtClean="0"/>
+              <a:t>sudo</a:t>
+            </a:r>
+            <a:r>
+              <a:rPr lang="en-US" dirty="0" smtClean="0"/>
+              <a:t> </a:t>
+            </a:r>
+            <a:r>
+              <a:rPr lang="en-US" dirty="0" err="1" smtClean="0"/>
+              <a:t>docker</a:t>
+            </a:r>
+            <a:r>
+              <a:rPr lang="en-US" dirty="0" smtClean="0"/>
+              <a:t> </a:t>
+            </a:r>
+            <a:r>
+              <a:rPr lang="en-US" dirty="0" err="1" smtClean="0"/>
+              <a:t>ps</a:t>
+            </a:r>
+            <a:r>
+              <a:rPr lang="en-US" dirty="0" smtClean="0"/>
+              <a:t> (to get container id of running  container)</a:t>
+            </a:r>
+            <a:endParaRPr lang="en-US" dirty="0"/>
+          </a:p>
+          <a:p>
+            <a:r>
+              <a:rPr lang="en-US" dirty="0" err="1"/>
               <a:t>s</a:t>
             </a:r>
             <a:r>
@@ -10326,42 +7860,7 @@
             </a:r>
             <a:r>
               <a:rPr lang="en-US" dirty="0" smtClean="0"/>
-              <a:t> </a:t>
-            </a:r>
-            <a:r>
-              <a:rPr lang="en-US" dirty="0" err="1" smtClean="0"/>
-              <a:t>ps</a:t>
-            </a:r>
-            <a:r>
-              <a:rPr lang="en-US" dirty="0" smtClean="0"/>
-              <a:t> (to get container id of running  container)</a:t>
-            </a:r>
-            <a:endParaRPr lang="en-US" dirty="0"/>
-          </a:p>
-          <a:p>
-            <a:r>
-              <a:rPr lang="en-US" dirty="0" err="1"/>
-              <a:t>s</a:t>
-            </a:r>
-            <a:r>
-              <a:rPr lang="en-US" dirty="0" err="1" smtClean="0"/>
-              <a:t>udo</a:t>
-            </a:r>
-            <a:r>
-              <a:rPr lang="en-US" dirty="0" smtClean="0"/>
-              <a:t> </a:t>
-            </a:r>
-            <a:r>
-              <a:rPr lang="en-US" dirty="0" err="1" smtClean="0"/>
-              <a:t>docker</a:t>
-            </a:r>
-            <a:r>
-              <a:rPr lang="en-US" dirty="0" smtClean="0"/>
-              <a:t> exec -it &lt;container id&gt; bash</a:t>
-            </a:r>
-            <a:r>
-              <a:rPr lang="en-US" dirty="0" smtClean="0"/>
-              <a:t> (to enter the </a:t>
+              <a:t> exec -it &lt;container id&gt; bash (to enter the </a:t>
             </a:r>
             <a:r>
               <a:rPr lang="en-US" smtClean="0"/>
@@ -10420,61 +7919,36 @@
           <a:chExt cx="0" cy="0"/>
         </a:xfrm>
       </p:grpSpPr>
-      <p:sp>
-        <p:nvSpPr>
-          <p:cNvPr id="13" name="Title 12"/>
-          <p:cNvSpPr>
-            <a:spLocks noGrp="1"/>
-          </p:cNvSpPr>
-          <p:nvPr>
-            <p:ph type="title"/>
-          </p:nvPr>
-        </p:nvSpPr>
-        <p:spPr/>
-        <p:txBody>
-          <a:bodyPr/>
-          <a:lstStyle/>
-          <a:p>
-            <a:r>
-              <a:rPr lang="en-US" dirty="0" smtClean="0"/>
-              <a:t>Regression </a:t>
-            </a:r>
-            <a:endParaRPr lang="en-US" dirty="0"/>
-          </a:p>
-        </p:txBody>
-      </p:sp>
-      <p:sp>
-        <p:nvSpPr>
-          <p:cNvPr id="14" name="Content Placeholder 13"/>
-          <p:cNvSpPr>
-            <a:spLocks noGrp="1"/>
-          </p:cNvSpPr>
-          <p:nvPr>
-            <p:ph idx="1"/>
-          </p:nvPr>
-        </p:nvSpPr>
-        <p:spPr/>
-        <p:txBody>
-          <a:bodyPr/>
-          <a:lstStyle/>
-          <a:p>
-            <a:r>
-              <a:rPr lang="en-US" dirty="0" smtClean="0"/>
-              <a:t>Predicting house prices</a:t>
-            </a:r>
-          </a:p>
-          <a:p>
-            <a:r>
-              <a:rPr lang="en-US" dirty="0" smtClean="0"/>
-              <a:t>Linear regression</a:t>
-            </a:r>
-          </a:p>
-        </p:txBody>
-      </p:sp>
+      <p:pic>
+        <p:nvPicPr>
+          <p:cNvPr id="5" name="Picture 4">
+            <a:hlinkClick r:id="rId2"/>
+          </p:cNvPr>
+          <p:cNvPicPr>
+            <a:picLocks noChangeAspect="1"/>
+          </p:cNvPicPr>
+          <p:nvPr/>
+        </p:nvPicPr>
+        <p:blipFill>
+          <a:blip r:embed="rId3"/>
+          <a:stretch>
+            <a:fillRect/>
+          </a:stretch>
+        </p:blipFill>
+        <p:spPr>
+          <a:xfrm>
+            <a:off x="631824" y="300037"/>
+            <a:ext cx="10925175" cy="6257925"/>
+          </a:xfrm>
+          <a:prstGeom prst="rect">
+            <a:avLst/>
+          </a:prstGeom>
+        </p:spPr>
+      </p:pic>
     </p:spTree>
     <p:extLst>
       <p:ext uri="{BB962C8B-B14F-4D97-AF65-F5344CB8AC3E}">
-        <p14:creationId xmlns:p14="http://schemas.microsoft.com/office/powerpoint/2010/main" val="3625104311"/>
+        <p14:creationId xmlns:p14="http://schemas.microsoft.com/office/powerpoint/2010/main" val="1520932556"/>
       </p:ext>
     </p:extLst>
   </p:cSld>
@@ -10522,22 +7996,24 @@
       </p:grpSpPr>
       <p:pic>
         <p:nvPicPr>
-          <p:cNvPr id="3" name="Picture 2"/>
+          <p:cNvPr id="2" name="Picture 1">
+            <a:hlinkClick r:id="rId2"/>
+          </p:cNvPr>
           <p:cNvPicPr>
             <a:picLocks noChangeAspect="1"/>
           </p:cNvPicPr>
           <p:nvPr/>
         </p:nvPicPr>
         <p:blipFill>
-          <a:blip r:embed="rId2"/>
+          <a:blip r:embed="rId3"/>
           <a:stretch>
             <a:fillRect/>
           </a:stretch>
         </p:blipFill>
         <p:spPr>
           <a:xfrm>
-            <a:off x="722312" y="619125"/>
-            <a:ext cx="10744200" cy="5619750"/>
+            <a:off x="1470024" y="838200"/>
+            <a:ext cx="9248775" cy="5181600"/>
           </a:xfrm>
           <a:prstGeom prst="rect">
             <a:avLst/>
@@ -10547,7 +8023,7 @@
     </p:spTree>
     <p:extLst>
       <p:ext uri="{BB962C8B-B14F-4D97-AF65-F5344CB8AC3E}">
-        <p14:creationId xmlns:p14="http://schemas.microsoft.com/office/powerpoint/2010/main" val="2169933420"/>
+        <p14:creationId xmlns:p14="http://schemas.microsoft.com/office/powerpoint/2010/main" val="4061578839"/>
       </p:ext>
     </p:extLst>
   </p:cSld>
@@ -10610,7 +8086,7 @@
           <a:p>
             <a:r>
               <a:rPr lang="en-US" dirty="0" smtClean="0"/>
-              <a:t>Classification</a:t>
+              <a:t>Regression </a:t>
             </a:r>
             <a:endParaRPr lang="en-US" dirty="0"/>
           </a:p>
@@ -10633,13 +8109,13 @@
           <a:p>
             <a:r>
               <a:rPr lang="en-US" dirty="0" smtClean="0"/>
-              <a:t>Sentiment analysis</a:t>
+              <a:t>Predicting house prices</a:t>
             </a:r>
           </a:p>
           <a:p>
             <a:r>
               <a:rPr lang="en-US" dirty="0" smtClean="0"/>
-              <a:t>Analyze restaurant reviews</a:t>
+              <a:t>Linear regression</a:t>
             </a:r>
           </a:p>
         </p:txBody>
@@ -10647,7 +8123,7 @@
     </p:spTree>
     <p:extLst>
       <p:ext uri="{BB962C8B-B14F-4D97-AF65-F5344CB8AC3E}">
-        <p14:creationId xmlns:p14="http://schemas.microsoft.com/office/powerpoint/2010/main" val="50719494"/>
+        <p14:creationId xmlns:p14="http://schemas.microsoft.com/office/powerpoint/2010/main" val="3625104311"/>
       </p:ext>
     </p:extLst>
   </p:cSld>
